--- a/my summary/知识图谱技术与对话系统的应用.pptx
+++ b/my summary/知识图谱技术与对话系统的应用.pptx
@@ -27,15 +27,16 @@
     <p:sldId id="302" r:id="rId20"/>
     <p:sldId id="303" r:id="rId21"/>
     <p:sldId id="304" r:id="rId22"/>
-    <p:sldId id="263" r:id="rId23"/>
-    <p:sldId id="264" r:id="rId24"/>
-    <p:sldId id="265" r:id="rId25"/>
-    <p:sldId id="266" r:id="rId26"/>
-    <p:sldId id="267" r:id="rId27"/>
-    <p:sldId id="268" r:id="rId28"/>
-    <p:sldId id="269" r:id="rId29"/>
-    <p:sldId id="270" r:id="rId30"/>
-    <p:sldId id="271" r:id="rId31"/>
+    <p:sldId id="315" r:id="rId23"/>
+    <p:sldId id="263" r:id="rId24"/>
+    <p:sldId id="264" r:id="rId25"/>
+    <p:sldId id="265" r:id="rId26"/>
+    <p:sldId id="266" r:id="rId27"/>
+    <p:sldId id="267" r:id="rId28"/>
+    <p:sldId id="268" r:id="rId29"/>
+    <p:sldId id="269" r:id="rId30"/>
+    <p:sldId id="270" r:id="rId31"/>
+    <p:sldId id="271" r:id="rId32"/>
   </p:sldIdLst>
   <p:sldSz cx="9144000" cy="6858000"/>
   <p:notesSz cx="6858000" cy="9144000"/>
@@ -146,6 +147,15 @@
           <p14:sldIdLst>
             <p14:sldId id="260"/>
             <p14:sldId id="274"/>
+            <p14:sldId id="275"/>
+            <p14:sldId id="261"/>
+            <p14:sldId id="287"/>
+            <p14:sldId id="288"/>
+            <p14:sldId id="299"/>
+            <p14:sldId id="300"/>
+            <p14:sldId id="301"/>
+            <p14:sldId id="262"/>
+            <p14:sldId id="263"/>
             <p14:sldId id="264"/>
             <p14:sldId id="265"/>
             <p14:sldId id="266"/>
@@ -154,18 +164,10 @@
             <p14:sldId id="269"/>
             <p14:sldId id="270"/>
             <p14:sldId id="271"/>
-            <p14:sldId id="288"/>
-            <p14:sldId id="287"/>
-            <p14:sldId id="300"/>
-            <p14:sldId id="299"/>
-            <p14:sldId id="275"/>
-            <p14:sldId id="261"/>
-            <p14:sldId id="301"/>
-            <p14:sldId id="263"/>
             <p14:sldId id="302"/>
+            <p14:sldId id="315"/>
             <p14:sldId id="304"/>
             <p14:sldId id="303"/>
-            <p14:sldId id="262"/>
           </p14:sldIdLst>
         </p14:section>
       </p14:sectionLst>
@@ -1325,6 +1327,47 @@
         <p:txBody>
           <a:bodyPr lIns="0" tIns="0" rIns="0" bIns="0"/>
           <a:p>
+            <a:r>
+              <a:rPr lang="en-US" sz="2000" b="0" strike="noStrike" spc="-1">
+                <a:solidFill>
+                  <a:srgbClr val="000000"/>
+                </a:solidFill>
+                <a:uFill>
+                  <a:solidFill>
+                    <a:srgbClr val="FFFFFF"/>
+                  </a:solidFill>
+                </a:uFill>
+                <a:latin typeface="Arial" panose="020B0604020202020204"/>
+              </a:rPr>
+              <a:t>在事件抽取的过程中，一个事件往往被更形式化地定义为包含了事件触发器（event trigger）, 事件类型(event type), 事件元素(event argument) 和事件元素角色(event argument role)，因此事件抽取的任务就是识别出上述事件要素并且进行结构化组织。</a:t>
+            </a:r>
+            <a:endParaRPr lang="en-US" sz="2000" b="0" strike="noStrike" spc="-1">
+              <a:solidFill>
+                <a:srgbClr val="000000"/>
+              </a:solidFill>
+              <a:uFill>
+                <a:solidFill>
+                  <a:srgbClr val="FFFFFF"/>
+                </a:solidFill>
+              </a:uFill>
+              <a:latin typeface="Arial" panose="020B0604020202020204"/>
+            </a:endParaRPr>
+          </a:p>
+          <a:p>
+            <a:r>
+              <a:rPr lang="en-US" sz="2000" b="0" strike="noStrike" spc="-1">
+                <a:solidFill>
+                  <a:srgbClr val="000000"/>
+                </a:solidFill>
+                <a:uFill>
+                  <a:solidFill>
+                    <a:srgbClr val="FFFFFF"/>
+                  </a:solidFill>
+                </a:uFill>
+                <a:latin typeface="Arial" panose="020B0604020202020204"/>
+              </a:rPr>
+              <a:t>https://mp.weixin.qq.com/s/etMS7OdLz_NUj1YtSGNdTg</a:t>
+            </a:r>
             <a:endParaRPr lang="en-US" sz="2000" b="0" strike="noStrike" spc="-1">
               <a:solidFill>
                 <a:srgbClr val="000000"/>
@@ -1466,7 +1509,7 @@
       </p:grpSpPr>
       <p:sp>
         <p:nvSpPr>
-          <p:cNvPr id="218" name="PlaceHolder 1"/>
+          <p:cNvPr id="215" name="PlaceHolder 1"/>
           <p:cNvSpPr>
             <a:spLocks noGrp="1"/>
           </p:cNvSpPr>
@@ -1487,49 +1530,18 @@
           <a:bodyPr lIns="0" tIns="0" rIns="0" bIns="0"/>
           <a:p>
             <a:r>
-              <a:rPr lang="en-US" sz="1200" b="0" strike="noStrike" spc="-1">
-                <a:solidFill>
-                  <a:srgbClr val="000000"/>
-                </a:solidFill>
-                <a:uFill>
-                  <a:solidFill>
-                    <a:srgbClr val="FFFFFF"/>
-                  </a:solidFill>
-                </a:uFill>
-                <a:latin typeface="+mn-lt"/>
-                <a:ea typeface="+mn-ea"/>
-              </a:rPr>
-              <a:t>召回率(</a:t>
-            </a:r>
-            <a:r>
-              <a:rPr lang="en-US" sz="1200" b="1" strike="noStrike" spc="-1">
-                <a:solidFill>
-                  <a:srgbClr val="000000"/>
-                </a:solidFill>
-                <a:uFill>
-                  <a:solidFill>
-                    <a:srgbClr val="FFFFFF"/>
-                  </a:solidFill>
-                </a:uFill>
-                <a:latin typeface="+mn-lt"/>
-                <a:ea typeface="+mn-ea"/>
-              </a:rPr>
-              <a:t>R</a:t>
-            </a:r>
-            <a:r>
-              <a:rPr lang="en-US" sz="1200" b="0" strike="noStrike" spc="-1">
-                <a:solidFill>
-                  <a:srgbClr val="000000"/>
-                </a:solidFill>
-                <a:uFill>
-                  <a:solidFill>
-                    <a:srgbClr val="FFFFFF"/>
-                  </a:solidFill>
-                </a:uFill>
-                <a:latin typeface="+mn-lt"/>
-                <a:ea typeface="+mn-ea"/>
-              </a:rPr>
-              <a:t>ecall)      =  系统检索到的相关文件 / 系统所有相关的文件总数</a:t>
+              <a:rPr lang="en-US" sz="2000" b="0" strike="noStrike" spc="-1">
+                <a:solidFill>
+                  <a:srgbClr val="000000"/>
+                </a:solidFill>
+                <a:uFill>
+                  <a:solidFill>
+                    <a:srgbClr val="FFFFFF"/>
+                  </a:solidFill>
+                </a:uFill>
+                <a:latin typeface="Arial" panose="020B0604020202020204"/>
+              </a:rPr>
+              <a:t>在事件抽取的过程中，一个事件往往被更形式化地定义为包含了事件触发器（event trigger）, 事件类型(event type), 事件元素(event argument) 和事件元素角色(event argument role)，因此事件抽取的任务就是识别出上述事件要素并且进行结构化组织。</a:t>
             </a:r>
             <a:endParaRPr lang="en-US" sz="2000" b="0" strike="noStrike" spc="-1">
               <a:solidFill>
@@ -1545,49 +1557,18 @@
           </a:p>
           <a:p>
             <a:r>
-              <a:rPr lang="en-US" sz="1200" b="0" strike="noStrike" spc="-1">
-                <a:solidFill>
-                  <a:srgbClr val="000000"/>
-                </a:solidFill>
-                <a:uFill>
-                  <a:solidFill>
-                    <a:srgbClr val="FFFFFF"/>
-                  </a:solidFill>
-                </a:uFill>
-                <a:latin typeface="+mn-lt"/>
-                <a:ea typeface="+mn-ea"/>
-              </a:rPr>
-              <a:t>准确率(</a:t>
-            </a:r>
-            <a:r>
-              <a:rPr lang="en-US" sz="1200" b="1" strike="noStrike" spc="-1">
-                <a:solidFill>
-                  <a:srgbClr val="000000"/>
-                </a:solidFill>
-                <a:uFill>
-                  <a:solidFill>
-                    <a:srgbClr val="FFFFFF"/>
-                  </a:solidFill>
-                </a:uFill>
-                <a:latin typeface="+mn-lt"/>
-                <a:ea typeface="+mn-ea"/>
-              </a:rPr>
-              <a:t>P</a:t>
-            </a:r>
-            <a:r>
-              <a:rPr lang="en-US" sz="1200" b="0" strike="noStrike" spc="-1">
-                <a:solidFill>
-                  <a:srgbClr val="000000"/>
-                </a:solidFill>
-                <a:uFill>
-                  <a:solidFill>
-                    <a:srgbClr val="FFFFFF"/>
-                  </a:solidFill>
-                </a:uFill>
-                <a:latin typeface="+mn-lt"/>
-                <a:ea typeface="+mn-ea"/>
-              </a:rPr>
-              <a:t>recision) =  系统检索到的相关文件 / 系统所有检索到的文件总数</a:t>
+              <a:rPr lang="en-US" sz="2000" b="0" strike="noStrike" spc="-1">
+                <a:solidFill>
+                  <a:srgbClr val="000000"/>
+                </a:solidFill>
+                <a:uFill>
+                  <a:solidFill>
+                    <a:srgbClr val="FFFFFF"/>
+                  </a:solidFill>
+                </a:uFill>
+                <a:latin typeface="Arial" panose="020B0604020202020204"/>
+              </a:rPr>
+              <a:t>https://mp.weixin.qq.com/s/etMS7OdLz_NUj1YtSGNdTg</a:t>
             </a:r>
             <a:endParaRPr lang="en-US" sz="2000" b="0" strike="noStrike" spc="-1">
               <a:solidFill>
@@ -1601,149 +1582,11 @@
               <a:latin typeface="Arial" panose="020B0604020202020204"/>
             </a:endParaRPr>
           </a:p>
-          <a:p>
-            <a:endParaRPr lang="en-US" sz="2000" b="0" strike="noStrike" spc="-1">
-              <a:solidFill>
-                <a:srgbClr val="000000"/>
-              </a:solidFill>
-              <a:uFill>
-                <a:solidFill>
-                  <a:srgbClr val="FFFFFF"/>
-                </a:solidFill>
-              </a:uFill>
-              <a:latin typeface="Arial" panose="020B0604020202020204"/>
-            </a:endParaRPr>
-          </a:p>
-          <a:p>
-            <a:r>
-              <a:rPr lang="en-US" sz="1200" b="0" strike="noStrike" spc="-1">
-                <a:solidFill>
-                  <a:srgbClr val="000000"/>
-                </a:solidFill>
-                <a:uFill>
-                  <a:solidFill>
-                    <a:srgbClr val="FFFFFF"/>
-                  </a:solidFill>
-                </a:uFill>
-                <a:latin typeface="+mn-lt"/>
-                <a:ea typeface="+mn-ea"/>
-              </a:rPr>
-              <a:t>人名PER</a:t>
-            </a:r>
-            <a:endParaRPr lang="en-US" sz="2000" b="0" strike="noStrike" spc="-1">
-              <a:solidFill>
-                <a:srgbClr val="000000"/>
-              </a:solidFill>
-              <a:uFill>
-                <a:solidFill>
-                  <a:srgbClr val="FFFFFF"/>
-                </a:solidFill>
-              </a:uFill>
-              <a:latin typeface="Arial" panose="020B0604020202020204"/>
-            </a:endParaRPr>
-          </a:p>
-          <a:p>
-            <a:r>
-              <a:rPr lang="en-US" sz="1200" b="0" strike="noStrike" spc="-1">
-                <a:solidFill>
-                  <a:srgbClr val="000000"/>
-                </a:solidFill>
-                <a:uFill>
-                  <a:solidFill>
-                    <a:srgbClr val="FFFFFF"/>
-                  </a:solidFill>
-                </a:uFill>
-                <a:latin typeface="+mn-lt"/>
-                <a:ea typeface="+mn-ea"/>
-              </a:rPr>
-              <a:t>组织名ORG</a:t>
-            </a:r>
-            <a:endParaRPr lang="en-US" sz="2000" b="0" strike="noStrike" spc="-1">
-              <a:solidFill>
-                <a:srgbClr val="000000"/>
-              </a:solidFill>
-              <a:uFill>
-                <a:solidFill>
-                  <a:srgbClr val="FFFFFF"/>
-                </a:solidFill>
-              </a:uFill>
-              <a:latin typeface="Arial" panose="020B0604020202020204"/>
-            </a:endParaRPr>
-          </a:p>
-          <a:p>
-            <a:r>
-              <a:rPr lang="en-US" sz="1200" b="0" strike="noStrike" spc="-1">
-                <a:solidFill>
-                  <a:srgbClr val="000000"/>
-                </a:solidFill>
-                <a:uFill>
-                  <a:solidFill>
-                    <a:srgbClr val="FFFFFF"/>
-                  </a:solidFill>
-                </a:uFill>
-                <a:latin typeface="+mn-lt"/>
-                <a:ea typeface="+mn-ea"/>
-              </a:rPr>
-              <a:t>地名LOC</a:t>
-            </a:r>
-            <a:endParaRPr lang="en-US" sz="2000" b="0" strike="noStrike" spc="-1">
-              <a:solidFill>
-                <a:srgbClr val="000000"/>
-              </a:solidFill>
-              <a:uFill>
-                <a:solidFill>
-                  <a:srgbClr val="FFFFFF"/>
-                </a:solidFill>
-              </a:uFill>
-              <a:latin typeface="Arial" panose="020B0604020202020204"/>
-            </a:endParaRPr>
-          </a:p>
-          <a:p>
-            <a:r>
-              <a:rPr lang="en-US" sz="1200" b="0" strike="noStrike" spc="-1">
-                <a:solidFill>
-                  <a:srgbClr val="000000"/>
-                </a:solidFill>
-                <a:uFill>
-                  <a:solidFill>
-                    <a:srgbClr val="FFFFFF"/>
-                  </a:solidFill>
-                </a:uFill>
-                <a:latin typeface="+mn-lt"/>
-                <a:ea typeface="+mn-ea"/>
-              </a:rPr>
-              <a:t>其他MISC</a:t>
-            </a:r>
-            <a:endParaRPr lang="en-US" sz="2000" b="0" strike="noStrike" spc="-1">
-              <a:solidFill>
-                <a:srgbClr val="000000"/>
-              </a:solidFill>
-              <a:uFill>
-                <a:solidFill>
-                  <a:srgbClr val="FFFFFF"/>
-                </a:solidFill>
-              </a:uFill>
-              <a:latin typeface="Arial" panose="020B0604020202020204"/>
-            </a:endParaRPr>
-          </a:p>
-          <a:p>
-            <a:endParaRPr lang="en-US" sz="2000" b="0" strike="noStrike" spc="-1">
-              <a:solidFill>
-                <a:srgbClr val="000000"/>
-              </a:solidFill>
-              <a:uFill>
-                <a:solidFill>
-                  <a:srgbClr val="FFFFFF"/>
-                </a:solidFill>
-              </a:uFill>
-              <a:latin typeface="Arial" panose="020B0604020202020204"/>
-            </a:endParaRPr>
-          </a:p>
         </p:txBody>
       </p:sp>
       <p:sp>
         <p:nvSpPr>
-          <p:cNvPr id="219" name="CustomShape 2"/>
+          <p:cNvPr id="216" name="CustomShape 2"/>
           <p:cNvSpPr/>
           <p:nvPr/>
         </p:nvSpPr>
@@ -1811,7 +1654,7 @@
       </p:sp>
       <p:sp>
         <p:nvSpPr>
-          <p:cNvPr id="220" name="CustomShape 3"/>
+          <p:cNvPr id="217" name="CustomShape 3"/>
           <p:cNvSpPr/>
           <p:nvPr/>
         </p:nvSpPr>
@@ -1868,7 +1711,7 @@
       </p:grpSpPr>
       <p:sp>
         <p:nvSpPr>
-          <p:cNvPr id="221" name="PlaceHolder 1"/>
+          <p:cNvPr id="218" name="PlaceHolder 1"/>
           <p:cNvSpPr>
             <a:spLocks noGrp="1"/>
           </p:cNvSpPr>
@@ -1901,7 +1744,37 @@
                 <a:latin typeface="+mn-lt"/>
                 <a:ea typeface="+mn-ea"/>
               </a:rPr>
-              <a:t>远程监督（Distant Supervision）， the wrong label problem问题</a:t>
+              <a:t>召回率(</a:t>
+            </a:r>
+            <a:r>
+              <a:rPr lang="en-US" sz="1200" b="1" strike="noStrike" spc="-1">
+                <a:solidFill>
+                  <a:srgbClr val="000000"/>
+                </a:solidFill>
+                <a:uFill>
+                  <a:solidFill>
+                    <a:srgbClr val="FFFFFF"/>
+                  </a:solidFill>
+                </a:uFill>
+                <a:latin typeface="+mn-lt"/>
+                <a:ea typeface="+mn-ea"/>
+              </a:rPr>
+              <a:t>R</a:t>
+            </a:r>
+            <a:r>
+              <a:rPr lang="en-US" sz="1200" b="0" strike="noStrike" spc="-1">
+                <a:solidFill>
+                  <a:srgbClr val="000000"/>
+                </a:solidFill>
+                <a:uFill>
+                  <a:solidFill>
+                    <a:srgbClr val="FFFFFF"/>
+                  </a:solidFill>
+                </a:uFill>
+                <a:latin typeface="+mn-lt"/>
+                <a:ea typeface="+mn-ea"/>
+              </a:rPr>
+              <a:t>ecall)      =  系统检索到的相关文件 / 系统所有相关的文件总数</a:t>
             </a:r>
             <a:endParaRPr lang="en-US" sz="2000" b="0" strike="noStrike" spc="-1">
               <a:solidFill>
@@ -1915,11 +1788,207 @@
               <a:latin typeface="Arial" panose="020B0604020202020204"/>
             </a:endParaRPr>
           </a:p>
+          <a:p>
+            <a:r>
+              <a:rPr lang="en-US" sz="1200" b="0" strike="noStrike" spc="-1">
+                <a:solidFill>
+                  <a:srgbClr val="000000"/>
+                </a:solidFill>
+                <a:uFill>
+                  <a:solidFill>
+                    <a:srgbClr val="FFFFFF"/>
+                  </a:solidFill>
+                </a:uFill>
+                <a:latin typeface="+mn-lt"/>
+                <a:ea typeface="+mn-ea"/>
+              </a:rPr>
+              <a:t>准确率(</a:t>
+            </a:r>
+            <a:r>
+              <a:rPr lang="en-US" sz="1200" b="1" strike="noStrike" spc="-1">
+                <a:solidFill>
+                  <a:srgbClr val="000000"/>
+                </a:solidFill>
+                <a:uFill>
+                  <a:solidFill>
+                    <a:srgbClr val="FFFFFF"/>
+                  </a:solidFill>
+                </a:uFill>
+                <a:latin typeface="+mn-lt"/>
+                <a:ea typeface="+mn-ea"/>
+              </a:rPr>
+              <a:t>P</a:t>
+            </a:r>
+            <a:r>
+              <a:rPr lang="en-US" sz="1200" b="0" strike="noStrike" spc="-1">
+                <a:solidFill>
+                  <a:srgbClr val="000000"/>
+                </a:solidFill>
+                <a:uFill>
+                  <a:solidFill>
+                    <a:srgbClr val="FFFFFF"/>
+                  </a:solidFill>
+                </a:uFill>
+                <a:latin typeface="+mn-lt"/>
+                <a:ea typeface="+mn-ea"/>
+              </a:rPr>
+              <a:t>recision) =  系统检索到的相关文件 / 系统所有检索到的文件总数</a:t>
+            </a:r>
+            <a:endParaRPr lang="en-US" sz="2000" b="0" strike="noStrike" spc="-1">
+              <a:solidFill>
+                <a:srgbClr val="000000"/>
+              </a:solidFill>
+              <a:uFill>
+                <a:solidFill>
+                  <a:srgbClr val="FFFFFF"/>
+                </a:solidFill>
+              </a:uFill>
+              <a:latin typeface="Arial" panose="020B0604020202020204"/>
+            </a:endParaRPr>
+          </a:p>
+          <a:p>
+            <a:endParaRPr lang="en-US" sz="2000" b="0" strike="noStrike" spc="-1">
+              <a:solidFill>
+                <a:srgbClr val="000000"/>
+              </a:solidFill>
+              <a:uFill>
+                <a:solidFill>
+                  <a:srgbClr val="FFFFFF"/>
+                </a:solidFill>
+              </a:uFill>
+              <a:latin typeface="Arial" panose="020B0604020202020204"/>
+            </a:endParaRPr>
+          </a:p>
+          <a:p>
+            <a:r>
+              <a:rPr lang="en-US" sz="1200" b="0" strike="noStrike" spc="-1">
+                <a:solidFill>
+                  <a:srgbClr val="000000"/>
+                </a:solidFill>
+                <a:uFill>
+                  <a:solidFill>
+                    <a:srgbClr val="FFFFFF"/>
+                  </a:solidFill>
+                </a:uFill>
+                <a:latin typeface="+mn-lt"/>
+                <a:ea typeface="+mn-ea"/>
+              </a:rPr>
+              <a:t>人名PER</a:t>
+            </a:r>
+            <a:endParaRPr lang="en-US" sz="2000" b="0" strike="noStrike" spc="-1">
+              <a:solidFill>
+                <a:srgbClr val="000000"/>
+              </a:solidFill>
+              <a:uFill>
+                <a:solidFill>
+                  <a:srgbClr val="FFFFFF"/>
+                </a:solidFill>
+              </a:uFill>
+              <a:latin typeface="Arial" panose="020B0604020202020204"/>
+            </a:endParaRPr>
+          </a:p>
+          <a:p>
+            <a:r>
+              <a:rPr lang="en-US" sz="1200" b="0" strike="noStrike" spc="-1">
+                <a:solidFill>
+                  <a:srgbClr val="000000"/>
+                </a:solidFill>
+                <a:uFill>
+                  <a:solidFill>
+                    <a:srgbClr val="FFFFFF"/>
+                  </a:solidFill>
+                </a:uFill>
+                <a:latin typeface="+mn-lt"/>
+                <a:ea typeface="+mn-ea"/>
+              </a:rPr>
+              <a:t>组织名ORG</a:t>
+            </a:r>
+            <a:endParaRPr lang="en-US" sz="2000" b="0" strike="noStrike" spc="-1">
+              <a:solidFill>
+                <a:srgbClr val="000000"/>
+              </a:solidFill>
+              <a:uFill>
+                <a:solidFill>
+                  <a:srgbClr val="FFFFFF"/>
+                </a:solidFill>
+              </a:uFill>
+              <a:latin typeface="Arial" panose="020B0604020202020204"/>
+            </a:endParaRPr>
+          </a:p>
+          <a:p>
+            <a:r>
+              <a:rPr lang="en-US" sz="1200" b="0" strike="noStrike" spc="-1">
+                <a:solidFill>
+                  <a:srgbClr val="000000"/>
+                </a:solidFill>
+                <a:uFill>
+                  <a:solidFill>
+                    <a:srgbClr val="FFFFFF"/>
+                  </a:solidFill>
+                </a:uFill>
+                <a:latin typeface="+mn-lt"/>
+                <a:ea typeface="+mn-ea"/>
+              </a:rPr>
+              <a:t>地名LOC</a:t>
+            </a:r>
+            <a:endParaRPr lang="en-US" sz="2000" b="0" strike="noStrike" spc="-1">
+              <a:solidFill>
+                <a:srgbClr val="000000"/>
+              </a:solidFill>
+              <a:uFill>
+                <a:solidFill>
+                  <a:srgbClr val="FFFFFF"/>
+                </a:solidFill>
+              </a:uFill>
+              <a:latin typeface="Arial" panose="020B0604020202020204"/>
+            </a:endParaRPr>
+          </a:p>
+          <a:p>
+            <a:r>
+              <a:rPr lang="en-US" sz="1200" b="0" strike="noStrike" spc="-1">
+                <a:solidFill>
+                  <a:srgbClr val="000000"/>
+                </a:solidFill>
+                <a:uFill>
+                  <a:solidFill>
+                    <a:srgbClr val="FFFFFF"/>
+                  </a:solidFill>
+                </a:uFill>
+                <a:latin typeface="+mn-lt"/>
+                <a:ea typeface="+mn-ea"/>
+              </a:rPr>
+              <a:t>其他MISC</a:t>
+            </a:r>
+            <a:endParaRPr lang="en-US" sz="2000" b="0" strike="noStrike" spc="-1">
+              <a:solidFill>
+                <a:srgbClr val="000000"/>
+              </a:solidFill>
+              <a:uFill>
+                <a:solidFill>
+                  <a:srgbClr val="FFFFFF"/>
+                </a:solidFill>
+              </a:uFill>
+              <a:latin typeface="Arial" panose="020B0604020202020204"/>
+            </a:endParaRPr>
+          </a:p>
+          <a:p>
+            <a:endParaRPr lang="en-US" sz="2000" b="0" strike="noStrike" spc="-1">
+              <a:solidFill>
+                <a:srgbClr val="000000"/>
+              </a:solidFill>
+              <a:uFill>
+                <a:solidFill>
+                  <a:srgbClr val="FFFFFF"/>
+                </a:solidFill>
+              </a:uFill>
+              <a:latin typeface="Arial" panose="020B0604020202020204"/>
+            </a:endParaRPr>
+          </a:p>
         </p:txBody>
       </p:sp>
       <p:sp>
         <p:nvSpPr>
-          <p:cNvPr id="222" name="CustomShape 2"/>
+          <p:cNvPr id="219" name="CustomShape 2"/>
           <p:cNvSpPr/>
           <p:nvPr/>
         </p:nvSpPr>
@@ -1987,7 +2056,7 @@
       </p:sp>
       <p:sp>
         <p:nvSpPr>
-          <p:cNvPr id="223" name="CustomShape 3"/>
+          <p:cNvPr id="220" name="CustomShape 3"/>
           <p:cNvSpPr/>
           <p:nvPr/>
         </p:nvSpPr>
@@ -2044,7 +2113,7 @@
       </p:grpSpPr>
       <p:sp>
         <p:nvSpPr>
-          <p:cNvPr id="224" name="PlaceHolder 1"/>
+          <p:cNvPr id="221" name="PlaceHolder 1"/>
           <p:cNvSpPr>
             <a:spLocks noGrp="1"/>
           </p:cNvSpPr>
@@ -2064,6 +2133,21 @@
         <p:txBody>
           <a:bodyPr lIns="0" tIns="0" rIns="0" bIns="0"/>
           <a:p>
+            <a:r>
+              <a:rPr lang="en-US" sz="1200" b="0" strike="noStrike" spc="-1">
+                <a:solidFill>
+                  <a:srgbClr val="000000"/>
+                </a:solidFill>
+                <a:uFill>
+                  <a:solidFill>
+                    <a:srgbClr val="FFFFFF"/>
+                  </a:solidFill>
+                </a:uFill>
+                <a:latin typeface="+mn-lt"/>
+                <a:ea typeface="+mn-ea"/>
+              </a:rPr>
+              <a:t>远程监督（Distant Supervision）， the wrong label problem问题</a:t>
+            </a:r>
             <a:endParaRPr lang="en-US" sz="2000" b="0" strike="noStrike" spc="-1">
               <a:solidFill>
                 <a:srgbClr val="000000"/>
@@ -2080,7 +2164,7 @@
       </p:sp>
       <p:sp>
         <p:nvSpPr>
-          <p:cNvPr id="225" name="CustomShape 2"/>
+          <p:cNvPr id="222" name="CustomShape 2"/>
           <p:cNvSpPr/>
           <p:nvPr/>
         </p:nvSpPr>
@@ -2148,7 +2232,7 @@
       </p:sp>
       <p:sp>
         <p:nvSpPr>
-          <p:cNvPr id="226" name="CustomShape 3"/>
+          <p:cNvPr id="223" name="CustomShape 3"/>
           <p:cNvSpPr/>
           <p:nvPr/>
         </p:nvSpPr>
@@ -2257,7 +2341,7 @@
       </p:grpSpPr>
       <p:sp>
         <p:nvSpPr>
-          <p:cNvPr id="227" name="PlaceHolder 1"/>
+          <p:cNvPr id="224" name="PlaceHolder 1"/>
           <p:cNvSpPr>
             <a:spLocks noGrp="1"/>
           </p:cNvSpPr>
@@ -2293,7 +2377,7 @@
       </p:sp>
       <p:sp>
         <p:nvSpPr>
-          <p:cNvPr id="228" name="CustomShape 2"/>
+          <p:cNvPr id="225" name="CustomShape 2"/>
           <p:cNvSpPr/>
           <p:nvPr/>
         </p:nvSpPr>
@@ -2361,7 +2445,7 @@
       </p:sp>
       <p:sp>
         <p:nvSpPr>
-          <p:cNvPr id="229" name="CustomShape 3"/>
+          <p:cNvPr id="226" name="CustomShape 3"/>
           <p:cNvSpPr/>
           <p:nvPr/>
         </p:nvSpPr>
@@ -2400,6 +2484,167 @@
 </file>
 
 <file path=ppt/notesSlides/notesSlide21.xml><?xml version="1.0" encoding="utf-8"?>
+<p:notes xmlns:a="http://schemas.openxmlformats.org/drawingml/2006/main" xmlns:r="http://schemas.openxmlformats.org/officeDocument/2006/relationships" xmlns:p="http://schemas.openxmlformats.org/presentationml/2006/main">
+  <p:cSld>
+    <p:spTree>
+      <p:nvGrpSpPr>
+        <p:cNvPr id="1" name=""/>
+        <p:cNvGrpSpPr/>
+        <p:nvPr/>
+      </p:nvGrpSpPr>
+      <p:grpSpPr>
+        <a:xfrm>
+          <a:off x="0" y="0"/>
+          <a:ext cx="0" cy="0"/>
+          <a:chOff x="0" y="0"/>
+          <a:chExt cx="0" cy="0"/>
+        </a:xfrm>
+      </p:grpSpPr>
+      <p:sp>
+        <p:nvSpPr>
+          <p:cNvPr id="227" name="PlaceHolder 1"/>
+          <p:cNvSpPr>
+            <a:spLocks noGrp="1"/>
+          </p:cNvSpPr>
+          <p:nvPr>
+            <p:ph type="body"/>
+          </p:nvPr>
+        </p:nvSpPr>
+        <p:spPr>
+          <a:xfrm>
+            <a:off x="685800" y="4343400"/>
+            <a:ext cx="5484600" cy="4113000"/>
+          </a:xfrm>
+          <a:prstGeom prst="rect">
+            <a:avLst/>
+          </a:prstGeom>
+        </p:spPr>
+        <p:txBody>
+          <a:bodyPr lIns="0" tIns="0" rIns="0" bIns="0"/>
+          <a:p>
+            <a:endParaRPr lang="en-US" sz="2000" b="0" strike="noStrike" spc="-1">
+              <a:solidFill>
+                <a:srgbClr val="000000"/>
+              </a:solidFill>
+              <a:uFill>
+                <a:solidFill>
+                  <a:srgbClr val="FFFFFF"/>
+                </a:solidFill>
+              </a:uFill>
+              <a:latin typeface="Arial" panose="020B0604020202020204"/>
+            </a:endParaRPr>
+          </a:p>
+        </p:txBody>
+      </p:sp>
+      <p:sp>
+        <p:nvSpPr>
+          <p:cNvPr id="228" name="CustomShape 2"/>
+          <p:cNvSpPr/>
+          <p:nvPr/>
+        </p:nvSpPr>
+        <p:spPr>
+          <a:xfrm>
+            <a:off x="3884760" y="0"/>
+            <a:ext cx="2970000" cy="455400"/>
+          </a:xfrm>
+          <a:prstGeom prst="rect">
+            <a:avLst/>
+          </a:prstGeom>
+          <a:noFill/>
+          <a:ln>
+            <a:noFill/>
+          </a:ln>
+        </p:spPr>
+        <p:style>
+          <a:lnRef idx="0">
+            <a:srgbClr val="FFFFFF"/>
+          </a:lnRef>
+          <a:fillRef idx="0">
+            <a:srgbClr val="FFFFFF"/>
+          </a:fillRef>
+          <a:effectRef idx="0">
+            <a:srgbClr val="FFFFFF"/>
+          </a:effectRef>
+          <a:fontRef idx="minor"/>
+        </p:style>
+        <p:txBody>
+          <a:bodyPr lIns="90000" tIns="45000" rIns="90000" bIns="45000"/>
+          <a:p>
+            <a:pPr algn="r">
+              <a:lnSpc>
+                <a:spcPct val="100000"/>
+              </a:lnSpc>
+            </a:pPr>
+            <a:r>
+              <a:rPr lang="en-US" sz="1200" b="0" strike="noStrike" spc="-1">
+                <a:solidFill>
+                  <a:srgbClr val="000000"/>
+                </a:solidFill>
+                <a:uFill>
+                  <a:solidFill>
+                    <a:srgbClr val="FFFFFF"/>
+                  </a:solidFill>
+                </a:uFill>
+                <a:latin typeface="Arial" panose="020B0604020202020204"/>
+                <a:ea typeface="宋体"/>
+              </a:rPr>
+              <a:t>3/4/19</a:t>
+            </a:r>
+            <a:endParaRPr lang="en-US" sz="1800" b="0" strike="noStrike" spc="-1">
+              <a:solidFill>
+                <a:srgbClr val="000000"/>
+              </a:solidFill>
+              <a:uFill>
+                <a:solidFill>
+                  <a:srgbClr val="FFFFFF"/>
+                </a:solidFill>
+              </a:uFill>
+              <a:latin typeface="Arial" panose="020B0604020202020204"/>
+            </a:endParaRPr>
+          </a:p>
+        </p:txBody>
+      </p:sp>
+      <p:sp>
+        <p:nvSpPr>
+          <p:cNvPr id="229" name="CustomShape 3"/>
+          <p:cNvSpPr/>
+          <p:nvPr/>
+        </p:nvSpPr>
+        <p:spPr>
+          <a:xfrm>
+            <a:off x="3884760" y="8685360"/>
+            <a:ext cx="2970000" cy="455400"/>
+          </a:xfrm>
+          <a:prstGeom prst="rect">
+            <a:avLst/>
+          </a:prstGeom>
+          <a:noFill/>
+          <a:ln>
+            <a:noFill/>
+          </a:ln>
+        </p:spPr>
+        <p:style>
+          <a:lnRef idx="0">
+            <a:srgbClr val="FFFFFF"/>
+          </a:lnRef>
+          <a:fillRef idx="0">
+            <a:srgbClr val="FFFFFF"/>
+          </a:fillRef>
+          <a:effectRef idx="0">
+            <a:srgbClr val="FFFFFF"/>
+          </a:effectRef>
+          <a:fontRef idx="minor"/>
+        </p:style>
+      </p:sp>
+    </p:spTree>
+  </p:cSld>
+  <p:clrMapOvr>
+    <a:masterClrMapping/>
+  </p:clrMapOvr>
+</p:notes>
+</file>
+
+<file path=ppt/notesSlides/notesSlide22.xml><?xml version="1.0" encoding="utf-8"?>
 <p:notes xmlns:a="http://schemas.openxmlformats.org/drawingml/2006/main" xmlns:r="http://schemas.openxmlformats.org/officeDocument/2006/relationships" xmlns:p="http://schemas.openxmlformats.org/presentationml/2006/main">
   <p:cSld>
     <p:spTree>
@@ -12845,23 +13090,7 @@
                 <a:ea typeface="AR PL UKai CN" panose="02000503000000000000" charset="-122"/>
                 <a:sym typeface="+mn-ea"/>
               </a:rPr>
-              <a:t>）</a:t>
-            </a:r>
-            <a:r>
-              <a:rPr lang="zh-CN" altLang="en-US" sz="2000" spc="-1">
-                <a:solidFill>
-                  <a:srgbClr val="000000"/>
-                </a:solidFill>
-                <a:uFill>
-                  <a:solidFill>
-                    <a:srgbClr val="FFFFFF"/>
-                  </a:solidFill>
-                </a:uFill>
-                <a:latin typeface="AR PL UKai CN" panose="02000503000000000000" charset="-122"/>
-                <a:ea typeface="AR PL UKai CN" panose="02000503000000000000" charset="-122"/>
-                <a:sym typeface="+mn-ea"/>
-              </a:rPr>
-              <a:t>中的事件用抽象、泛化、语义完备的谓词短语来表示，其中含有事件触发词，以及其他必需的成分来保持该事件的语义完备性。</a:t>
+              <a:t>）中的事件用抽象、泛化、语义完备的谓词短语来表示，其中含有事件触发词，以及其他必需的成分来保持该事件的语义完备性。</a:t>
             </a:r>
             <a:endParaRPr lang="zh-CN" altLang="en-US" sz="2000" spc="-1">
               <a:solidFill>
@@ -14868,7 +15097,7 @@
         <p:spPr>
           <a:xfrm>
             <a:off x="302260" y="1270635"/>
-            <a:ext cx="8173085" cy="3599815"/>
+            <a:ext cx="8173085" cy="2676525"/>
           </a:xfrm>
           <a:prstGeom prst="rect">
             <a:avLst/>
@@ -14938,63 +15167,150 @@
               <a:buFont typeface="+mj-ea"/>
               <a:buNone/>
             </a:pPr>
-            <a:endParaRPr lang="zh-CN" altLang="en-US" sz="2000" spc="-1">
-              <a:solidFill>
-                <a:srgbClr val="000000"/>
-              </a:solidFill>
-              <a:uFill>
-                <a:solidFill>
-                  <a:srgbClr val="FFFFFF"/>
-                </a:solidFill>
-              </a:uFill>
-              <a:latin typeface="AR PL UKai CN" panose="02000503000000000000" charset="-122"/>
-              <a:ea typeface="AR PL UKai CN" panose="02000503000000000000" charset="-122"/>
-              <a:sym typeface="+mn-ea"/>
-            </a:endParaRPr>
-          </a:p>
-          <a:p>
-            <a:pPr indent="0" algn="ctr">
-              <a:buFont typeface="+mj-ea"/>
-              <a:buNone/>
-            </a:pPr>
-            <a:endParaRPr lang="zh-CN" altLang="en-US" sz="2000" spc="-1">
-              <a:solidFill>
-                <a:srgbClr val="000000"/>
-              </a:solidFill>
-              <a:uFill>
-                <a:solidFill>
-                  <a:srgbClr val="FFFFFF"/>
-                </a:solidFill>
-              </a:uFill>
-              <a:latin typeface="AR PL UKai CN" panose="02000503000000000000" charset="-122"/>
-              <a:ea typeface="AR PL UKai CN" panose="02000503000000000000" charset="-122"/>
-              <a:sym typeface="+mn-ea"/>
-            </a:endParaRPr>
-          </a:p>
-          <a:p>
-            <a:pPr indent="0" algn="ctr">
-              <a:buFont typeface="+mj-ea"/>
-              <a:buNone/>
-            </a:pPr>
-            <a:endParaRPr lang="zh-CN" altLang="en-US" sz="2000" spc="-1">
-              <a:solidFill>
-                <a:srgbClr val="000000"/>
-              </a:solidFill>
-              <a:uFill>
-                <a:solidFill>
-                  <a:srgbClr val="FFFFFF"/>
-                </a:solidFill>
-              </a:uFill>
-              <a:latin typeface="AR PL UKai CN" panose="02000503000000000000" charset="-122"/>
-              <a:ea typeface="AR PL UKai CN" panose="02000503000000000000" charset="-122"/>
-              <a:sym typeface="+mn-ea"/>
-            </a:endParaRPr>
-          </a:p>
-          <a:p>
-            <a:pPr indent="0" algn="ctr">
-              <a:buFont typeface="+mj-ea"/>
-              <a:buNone/>
-            </a:pPr>
+            <a:r>
+              <a:rPr lang="zh-CN" altLang="en-US" sz="2000" spc="-1">
+                <a:solidFill>
+                  <a:srgbClr val="000000"/>
+                </a:solidFill>
+                <a:uFill>
+                  <a:solidFill>
+                    <a:srgbClr val="FFFFFF"/>
+                  </a:solidFill>
+                </a:uFill>
+                <a:latin typeface="AR PL UKai CN" panose="02000503000000000000" charset="-122"/>
+                <a:ea typeface="AR PL UKai CN" panose="02000503000000000000" charset="-122"/>
+                <a:sym typeface="+mn-ea"/>
+              </a:rPr>
+              <a:t>语料收集</a:t>
+            </a:r>
+            <a:r>
+              <a:rPr lang="en-US" altLang="zh-CN" sz="2000" spc="-1">
+                <a:solidFill>
+                  <a:srgbClr val="000000"/>
+                </a:solidFill>
+                <a:uFill>
+                  <a:solidFill>
+                    <a:srgbClr val="FFFFFF"/>
+                  </a:solidFill>
+                </a:uFill>
+                <a:latin typeface="AR PL UKai CN" panose="02000503000000000000" charset="-122"/>
+                <a:ea typeface="AR PL UKai CN" panose="02000503000000000000" charset="-122"/>
+                <a:sym typeface="+mn-ea"/>
+              </a:rPr>
+              <a:t>----</a:t>
+            </a:r>
+            <a:r>
+              <a:rPr lang="zh-CN" altLang="en-US" sz="2000" spc="-1">
+                <a:solidFill>
+                  <a:srgbClr val="000000"/>
+                </a:solidFill>
+                <a:uFill>
+                  <a:solidFill>
+                    <a:srgbClr val="FFFFFF"/>
+                  </a:solidFill>
+                </a:uFill>
+                <a:latin typeface="AR PL UKai CN" panose="02000503000000000000" charset="-122"/>
+                <a:ea typeface="AR PL UKai CN" panose="02000503000000000000" charset="-122"/>
+                <a:sym typeface="+mn-ea"/>
+              </a:rPr>
+              <a:t>文本预处理</a:t>
+            </a:r>
+            <a:r>
+              <a:rPr lang="en-US" altLang="zh-CN" sz="2000" spc="-1">
+                <a:solidFill>
+                  <a:srgbClr val="000000"/>
+                </a:solidFill>
+                <a:uFill>
+                  <a:solidFill>
+                    <a:srgbClr val="FFFFFF"/>
+                  </a:solidFill>
+                </a:uFill>
+                <a:latin typeface="AR PL UKai CN" panose="02000503000000000000" charset="-122"/>
+                <a:ea typeface="AR PL UKai CN" panose="02000503000000000000" charset="-122"/>
+                <a:sym typeface="+mn-ea"/>
+              </a:rPr>
+              <a:t>---</a:t>
+            </a:r>
+            <a:r>
+              <a:rPr lang="zh-CN" altLang="en-US" sz="2000" spc="-1">
+                <a:solidFill>
+                  <a:srgbClr val="000000"/>
+                </a:solidFill>
+                <a:uFill>
+                  <a:solidFill>
+                    <a:srgbClr val="FFFFFF"/>
+                  </a:solidFill>
+                </a:uFill>
+                <a:latin typeface="AR PL UKai CN" panose="02000503000000000000" charset="-122"/>
+                <a:ea typeface="AR PL UKai CN" panose="02000503000000000000" charset="-122"/>
+                <a:sym typeface="+mn-ea"/>
+              </a:rPr>
+              <a:t>关系识别</a:t>
+            </a:r>
+            <a:r>
+              <a:rPr lang="en-US" altLang="zh-CN" sz="2000" spc="-1">
+                <a:solidFill>
+                  <a:srgbClr val="000000"/>
+                </a:solidFill>
+                <a:uFill>
+                  <a:solidFill>
+                    <a:srgbClr val="FFFFFF"/>
+                  </a:solidFill>
+                </a:uFill>
+                <a:latin typeface="AR PL UKai CN" panose="02000503000000000000" charset="-122"/>
+                <a:ea typeface="AR PL UKai CN" panose="02000503000000000000" charset="-122"/>
+                <a:sym typeface="+mn-ea"/>
+              </a:rPr>
+              <a:t>---</a:t>
+            </a:r>
+            <a:r>
+              <a:rPr lang="zh-CN" altLang="en-US" sz="2000" spc="-1">
+                <a:solidFill>
+                  <a:srgbClr val="000000"/>
+                </a:solidFill>
+                <a:uFill>
+                  <a:solidFill>
+                    <a:srgbClr val="FFFFFF"/>
+                  </a:solidFill>
+                </a:uFill>
+                <a:latin typeface="AR PL UKai CN" panose="02000503000000000000" charset="-122"/>
+                <a:ea typeface="AR PL UKai CN" panose="02000503000000000000" charset="-122"/>
+                <a:sym typeface="+mn-ea"/>
+              </a:rPr>
+              <a:t>关系节点抽取</a:t>
+            </a:r>
+            <a:r>
+              <a:rPr lang="en-US" altLang="zh-CN" sz="2000" spc="-1">
+                <a:solidFill>
+                  <a:srgbClr val="000000"/>
+                </a:solidFill>
+                <a:uFill>
+                  <a:solidFill>
+                    <a:srgbClr val="FFFFFF"/>
+                  </a:solidFill>
+                </a:uFill>
+                <a:latin typeface="AR PL UKai CN" panose="02000503000000000000" charset="-122"/>
+                <a:ea typeface="AR PL UKai CN" panose="02000503000000000000" charset="-122"/>
+                <a:sym typeface="+mn-ea"/>
+              </a:rPr>
+              <a:t>--</a:t>
+            </a:r>
+            <a:r>
+              <a:rPr lang="zh-CN" altLang="en-US" sz="2000" spc="-1">
+                <a:solidFill>
+                  <a:srgbClr val="000000"/>
+                </a:solidFill>
+                <a:uFill>
+                  <a:solidFill>
+                    <a:srgbClr val="FFFFFF"/>
+                  </a:solidFill>
+                </a:uFill>
+                <a:latin typeface="AR PL UKai CN" panose="02000503000000000000" charset="-122"/>
+                <a:ea typeface="AR PL UKai CN" panose="02000503000000000000" charset="-122"/>
+                <a:sym typeface="+mn-ea"/>
+              </a:rPr>
+              <a:t>事件表征</a:t>
+            </a:r>
             <a:endParaRPr lang="zh-CN" altLang="en-US" sz="2000" spc="-1">
               <a:solidFill>
                 <a:srgbClr val="000000"/>
@@ -15337,8 +15653,8 @@
         </p:nvSpPr>
         <p:spPr>
           <a:xfrm>
-            <a:off x="302260" y="1270635"/>
-            <a:ext cx="8173085" cy="4584700"/>
+            <a:off x="445770" y="1127125"/>
+            <a:ext cx="8173085" cy="4954270"/>
           </a:xfrm>
           <a:prstGeom prst="rect">
             <a:avLst/>
@@ -15368,7 +15684,7 @@
                 <a:ea typeface="AR PL UMing CN" panose="020B0309010101010101" charset="-122"/>
                 <a:sym typeface="+mn-ea"/>
               </a:rPr>
-              <a:t>事理图谱的主要研究方向</a:t>
+              <a:t>事理图谱构建的主要研究方向</a:t>
             </a:r>
             <a:endParaRPr lang="zh-CN" altLang="en-US" sz="2800" b="1" spc="-1">
               <a:solidFill>
@@ -15385,10 +15701,26 @@
             </a:endParaRPr>
           </a:p>
           <a:p>
-            <a:pPr indent="0" algn="l">
+            <a:pPr marL="342900" indent="-342900" algn="l">
               <a:buFont typeface="Arial" panose="020B0604020202020204" pitchFamily="34" charset="0"/>
-              <a:buNone/>
-            </a:pPr>
+              <a:buChar char="•"/>
+            </a:pPr>
+            <a:r>
+              <a:rPr lang="zh-CN" altLang="en-US" sz="2400" b="1" spc="-1">
+                <a:solidFill>
+                  <a:srgbClr val="000000"/>
+                </a:solidFill>
+                <a:uFill>
+                  <a:solidFill>
+                    <a:srgbClr val="FFFFFF"/>
+                  </a:solidFill>
+                </a:uFill>
+                <a:latin typeface="AR PL UKai CN" panose="02000503000000000000" charset="-122"/>
+                <a:ea typeface="AR PL UKai CN" panose="02000503000000000000" charset="-122"/>
+                <a:sym typeface="+mn-ea"/>
+              </a:rPr>
+              <a:t>事件抽取基本任务</a:t>
+            </a:r>
             <a:endParaRPr lang="zh-CN" altLang="en-US" sz="2000" spc="-1">
               <a:solidFill>
                 <a:srgbClr val="000000"/>
@@ -15404,12 +15736,171 @@
             </a:endParaRPr>
           </a:p>
           <a:p>
+            <a:pPr indent="0" algn="l">
+              <a:buFont typeface="+mj-ea"/>
+              <a:buNone/>
+            </a:pPr>
+            <a:r>
+              <a:rPr lang="zh-CN" altLang="en-US" sz="2000" spc="-1">
+                <a:solidFill>
+                  <a:srgbClr val="000000"/>
+                </a:solidFill>
+                <a:uFill>
+                  <a:solidFill>
+                    <a:srgbClr val="FFFFFF"/>
+                  </a:solidFill>
+                </a:uFill>
+                <a:latin typeface="AR PL UKai CN" panose="02000503000000000000" charset="-122"/>
+                <a:ea typeface="AR PL UKai CN" panose="02000503000000000000" charset="-122"/>
+                <a:sym typeface="+mn-ea"/>
+              </a:rPr>
+              <a:t>事件触发词检测 Event (trigger) detection</a:t>
+            </a:r>
+            <a:endParaRPr lang="zh-CN" altLang="en-US" sz="2000" spc="-1">
+              <a:solidFill>
+                <a:srgbClr val="000000"/>
+              </a:solidFill>
+              <a:uFill>
+                <a:solidFill>
+                  <a:srgbClr val="FFFFFF"/>
+                </a:solidFill>
+              </a:uFill>
+              <a:latin typeface="AR PL UKai CN" panose="02000503000000000000" charset="-122"/>
+              <a:ea typeface="AR PL UKai CN" panose="02000503000000000000" charset="-122"/>
+              <a:sym typeface="+mn-ea"/>
+            </a:endParaRPr>
+          </a:p>
+          <a:p>
+            <a:pPr indent="0" algn="l">
+              <a:buFont typeface="+mj-ea"/>
+              <a:buNone/>
+            </a:pPr>
+            <a:r>
+              <a:rPr lang="zh-CN" altLang="en-US" sz="2000" spc="-1">
+                <a:solidFill>
+                  <a:srgbClr val="000000"/>
+                </a:solidFill>
+                <a:uFill>
+                  <a:solidFill>
+                    <a:srgbClr val="FFFFFF"/>
+                  </a:solidFill>
+                </a:uFill>
+                <a:latin typeface="AR PL UKai CN" panose="02000503000000000000" charset="-122"/>
+                <a:ea typeface="AR PL UKai CN" panose="02000503000000000000" charset="-122"/>
+                <a:sym typeface="+mn-ea"/>
+              </a:rPr>
+              <a:t>事件触发词分类 Event trigger typing （一般和detection一起做，归结为detection的一部分）</a:t>
+            </a:r>
+            <a:endParaRPr lang="zh-CN" altLang="en-US" sz="2000" spc="-1">
+              <a:solidFill>
+                <a:srgbClr val="000000"/>
+              </a:solidFill>
+              <a:uFill>
+                <a:solidFill>
+                  <a:srgbClr val="FFFFFF"/>
+                </a:solidFill>
+              </a:uFill>
+              <a:latin typeface="AR PL UKai CN" panose="02000503000000000000" charset="-122"/>
+              <a:ea typeface="AR PL UKai CN" panose="02000503000000000000" charset="-122"/>
+              <a:sym typeface="+mn-ea"/>
+            </a:endParaRPr>
+          </a:p>
+          <a:p>
+            <a:pPr indent="0" algn="l">
+              <a:buFont typeface="+mj-ea"/>
+              <a:buNone/>
+            </a:pPr>
+            <a:r>
+              <a:rPr lang="zh-CN" altLang="en-US" sz="2000" spc="-1">
+                <a:solidFill>
+                  <a:srgbClr val="000000"/>
+                </a:solidFill>
+                <a:uFill>
+                  <a:solidFill>
+                    <a:srgbClr val="FFFFFF"/>
+                  </a:solidFill>
+                </a:uFill>
+                <a:latin typeface="AR PL UKai CN" panose="02000503000000000000" charset="-122"/>
+                <a:ea typeface="AR PL UKai CN" panose="02000503000000000000" charset="-122"/>
+                <a:sym typeface="+mn-ea"/>
+              </a:rPr>
+              <a:t>事件元素识别 Event Argument Identification</a:t>
+            </a:r>
+            <a:endParaRPr lang="zh-CN" altLang="en-US" sz="2000" spc="-1">
+              <a:solidFill>
+                <a:srgbClr val="000000"/>
+              </a:solidFill>
+              <a:uFill>
+                <a:solidFill>
+                  <a:srgbClr val="FFFFFF"/>
+                </a:solidFill>
+              </a:uFill>
+              <a:latin typeface="AR PL UKai CN" panose="02000503000000000000" charset="-122"/>
+              <a:ea typeface="AR PL UKai CN" panose="02000503000000000000" charset="-122"/>
+              <a:sym typeface="+mn-ea"/>
+            </a:endParaRPr>
+          </a:p>
+          <a:p>
+            <a:pPr indent="0" algn="l">
+              <a:buFont typeface="+mj-ea"/>
+              <a:buNone/>
+            </a:pPr>
+            <a:r>
+              <a:rPr lang="zh-CN" altLang="en-US" sz="2000" spc="-1">
+                <a:solidFill>
+                  <a:srgbClr val="000000"/>
+                </a:solidFill>
+                <a:uFill>
+                  <a:solidFill>
+                    <a:srgbClr val="FFFFFF"/>
+                  </a:solidFill>
+                </a:uFill>
+                <a:latin typeface="AR PL UKai CN" panose="02000503000000000000" charset="-122"/>
+                <a:ea typeface="AR PL UKai CN" panose="02000503000000000000" charset="-122"/>
+                <a:sym typeface="+mn-ea"/>
+              </a:rPr>
+              <a:t>事件元素角色识别 Event Argument Role Identification</a:t>
+            </a:r>
+            <a:endParaRPr lang="zh-CN" altLang="en-US" sz="2000" spc="-1">
+              <a:solidFill>
+                <a:srgbClr val="000000"/>
+              </a:solidFill>
+              <a:uFill>
+                <a:solidFill>
+                  <a:srgbClr val="FFFFFF"/>
+                </a:solidFill>
+              </a:uFill>
+              <a:latin typeface="AR PL UKai CN" panose="02000503000000000000" charset="-122"/>
+              <a:ea typeface="AR PL UKai CN" panose="02000503000000000000" charset="-122"/>
+              <a:sym typeface="+mn-ea"/>
+            </a:endParaRPr>
+          </a:p>
+          <a:p>
+            <a:pPr indent="0" algn="l">
+              <a:buFont typeface="+mj-ea"/>
+              <a:buNone/>
+            </a:pPr>
+            <a:endParaRPr lang="zh-CN" altLang="en-US" sz="2000" spc="-1">
+              <a:solidFill>
+                <a:srgbClr val="000000"/>
+              </a:solidFill>
+              <a:uFill>
+                <a:solidFill>
+                  <a:srgbClr val="FFFFFF"/>
+                </a:solidFill>
+              </a:uFill>
+              <a:latin typeface="AR PL UKai CN" panose="02000503000000000000" charset="-122"/>
+              <a:ea typeface="AR PL UKai CN" panose="02000503000000000000" charset="-122"/>
+              <a:sym typeface="+mn-ea"/>
+            </a:endParaRPr>
+          </a:p>
+          <a:p>
             <a:pPr marL="342900" indent="-342900" algn="l">
               <a:buFont typeface="Arial" panose="020B0604020202020204" pitchFamily="34" charset="0"/>
               <a:buChar char="•"/>
             </a:pPr>
             <a:r>
-              <a:rPr lang="zh-CN" altLang="en-US" sz="2000" spc="-1">
+              <a:rPr lang="zh-CN" altLang="en-US" sz="2400" b="1" spc="-1">
                 <a:solidFill>
                   <a:srgbClr val="000000"/>
                 </a:solidFill>
@@ -15422,7 +15913,7 @@
                 <a:ea typeface="AR PL UKai CN" panose="02000503000000000000" charset="-122"/>
                 <a:sym typeface="+mn-ea"/>
               </a:rPr>
-              <a:t>事件的抽取</a:t>
+              <a:t>事件抽取的主要方法</a:t>
             </a:r>
             <a:endParaRPr lang="zh-CN" altLang="en-US" sz="2000" spc="-1">
               <a:solidFill>
@@ -15443,6 +15934,22 @@
               <a:buFont typeface="+mj-ea"/>
               <a:buNone/>
             </a:pPr>
+            <a:r>
+              <a:rPr lang="zh-CN" altLang="en-US" sz="2000" spc="-1">
+                <a:solidFill>
+                  <a:srgbClr val="000000"/>
+                </a:solidFill>
+                <a:uFill>
+                  <a:solidFill>
+                    <a:srgbClr val="FFFFFF"/>
+                  </a:solidFill>
+                </a:uFill>
+                <a:latin typeface="AR PL UKai CN" panose="02000503000000000000" charset="-122"/>
+                <a:ea typeface="AR PL UKai CN" panose="02000503000000000000" charset="-122"/>
+                <a:sym typeface="+mn-ea"/>
+              </a:rPr>
+              <a:t>模式匹配方法</a:t>
+            </a:r>
             <a:endParaRPr lang="zh-CN" altLang="en-US" sz="2000" spc="-1">
               <a:solidFill>
                 <a:srgbClr val="000000"/>
@@ -15462,6 +15969,86 @@
               <a:buFont typeface="+mj-ea"/>
               <a:buNone/>
             </a:pPr>
+            <a:r>
+              <a:rPr lang="zh-CN" altLang="en-US" sz="2000" spc="-1">
+                <a:solidFill>
+                  <a:srgbClr val="000000"/>
+                </a:solidFill>
+                <a:uFill>
+                  <a:solidFill>
+                    <a:srgbClr val="FFFFFF"/>
+                  </a:solidFill>
+                </a:uFill>
+                <a:latin typeface="AR PL UKai CN" panose="02000503000000000000" charset="-122"/>
+                <a:ea typeface="AR PL UKai CN" panose="02000503000000000000" charset="-122"/>
+                <a:sym typeface="+mn-ea"/>
+              </a:rPr>
+              <a:t>  人工定义模板：词汇</a:t>
+            </a:r>
+            <a:r>
+              <a:rPr lang="en-US" altLang="zh-CN" sz="2000" spc="-1">
+                <a:solidFill>
+                  <a:srgbClr val="000000"/>
+                </a:solidFill>
+                <a:uFill>
+                  <a:solidFill>
+                    <a:srgbClr val="FFFFFF"/>
+                  </a:solidFill>
+                </a:uFill>
+                <a:latin typeface="AR PL UKai CN" panose="02000503000000000000" charset="-122"/>
+                <a:ea typeface="AR PL UKai CN" panose="02000503000000000000" charset="-122"/>
+                <a:sym typeface="+mn-ea"/>
+              </a:rPr>
+              <a:t>-</a:t>
+            </a:r>
+            <a:r>
+              <a:rPr lang="zh-CN" altLang="en-US" sz="2000" spc="-1">
+                <a:solidFill>
+                  <a:srgbClr val="000000"/>
+                </a:solidFill>
+                <a:uFill>
+                  <a:solidFill>
+                    <a:srgbClr val="FFFFFF"/>
+                  </a:solidFill>
+                </a:uFill>
+                <a:latin typeface="AR PL UKai CN" panose="02000503000000000000" charset="-122"/>
+                <a:ea typeface="AR PL UKai CN" panose="02000503000000000000" charset="-122"/>
+                <a:sym typeface="+mn-ea"/>
+              </a:rPr>
+              <a:t>语义模式、词汇</a:t>
+            </a:r>
+            <a:r>
+              <a:rPr lang="en-US" altLang="zh-CN" sz="2000" spc="-1">
+                <a:solidFill>
+                  <a:srgbClr val="000000"/>
+                </a:solidFill>
+                <a:uFill>
+                  <a:solidFill>
+                    <a:srgbClr val="FFFFFF"/>
+                  </a:solidFill>
+                </a:uFill>
+                <a:latin typeface="AR PL UKai CN" panose="02000503000000000000" charset="-122"/>
+                <a:ea typeface="AR PL UKai CN" panose="02000503000000000000" charset="-122"/>
+                <a:sym typeface="+mn-ea"/>
+              </a:rPr>
+              <a:t>-</a:t>
+            </a:r>
+            <a:r>
+              <a:rPr lang="zh-CN" altLang="en-US" sz="2000" spc="-1">
+                <a:solidFill>
+                  <a:srgbClr val="000000"/>
+                </a:solidFill>
+                <a:uFill>
+                  <a:solidFill>
+                    <a:srgbClr val="FFFFFF"/>
+                  </a:solidFill>
+                </a:uFill>
+                <a:latin typeface="AR PL UKai CN" panose="02000503000000000000" charset="-122"/>
+                <a:ea typeface="AR PL UKai CN" panose="02000503000000000000" charset="-122"/>
+                <a:sym typeface="+mn-ea"/>
+              </a:rPr>
+              <a:t>语法模式</a:t>
+            </a:r>
             <a:endParaRPr lang="zh-CN" altLang="en-US" sz="2000" spc="-1">
               <a:solidFill>
                 <a:srgbClr val="000000"/>
@@ -15481,6 +16068,22 @@
               <a:buFont typeface="+mj-ea"/>
               <a:buNone/>
             </a:pPr>
+            <a:r>
+              <a:rPr lang="zh-CN" altLang="en-US" sz="2000" spc="-1">
+                <a:solidFill>
+                  <a:srgbClr val="000000"/>
+                </a:solidFill>
+                <a:uFill>
+                  <a:solidFill>
+                    <a:srgbClr val="FFFFFF"/>
+                  </a:solidFill>
+                </a:uFill>
+                <a:latin typeface="AR PL UKai CN" panose="02000503000000000000" charset="-122"/>
+                <a:ea typeface="AR PL UKai CN" panose="02000503000000000000" charset="-122"/>
+                <a:sym typeface="+mn-ea"/>
+              </a:rPr>
+              <a:t>机器学习方法</a:t>
+            </a:r>
             <a:endParaRPr lang="zh-CN" altLang="en-US" sz="2000" spc="-1">
               <a:solidFill>
                 <a:srgbClr val="000000"/>
@@ -15500,6 +16103,38 @@
               <a:buFont typeface="+mj-ea"/>
               <a:buNone/>
             </a:pPr>
+            <a:r>
+              <a:rPr lang="en-US" altLang="zh-CN" sz="2000" spc="-1">
+                <a:solidFill>
+                  <a:srgbClr val="000000"/>
+                </a:solidFill>
+                <a:uFill>
+                  <a:solidFill>
+                    <a:srgbClr val="FFFFFF"/>
+                  </a:solidFill>
+                </a:uFill>
+                <a:latin typeface="AR PL UKai CN" panose="02000503000000000000" charset="-122"/>
+                <a:ea typeface="AR PL UKai CN" panose="02000503000000000000" charset="-122"/>
+                <a:sym typeface="+mn-ea"/>
+              </a:rPr>
+              <a:t>	</a:t>
+            </a:r>
+            <a:r>
+              <a:rPr lang="zh-CN" altLang="en-US" sz="2000" spc="-1">
+                <a:solidFill>
+                  <a:srgbClr val="000000"/>
+                </a:solidFill>
+                <a:uFill>
+                  <a:solidFill>
+                    <a:srgbClr val="FFFFFF"/>
+                  </a:solidFill>
+                </a:uFill>
+                <a:latin typeface="AR PL UKai CN" panose="02000503000000000000" charset="-122"/>
+                <a:ea typeface="AR PL UKai CN" panose="02000503000000000000" charset="-122"/>
+                <a:sym typeface="+mn-ea"/>
+              </a:rPr>
+              <a:t>基于事件元素驱动、基于事件触发词驱动、基于事件实例驱动</a:t>
+            </a:r>
             <a:endParaRPr lang="zh-CN" altLang="en-US" sz="2000" spc="-1">
               <a:solidFill>
                 <a:srgbClr val="000000"/>
@@ -15515,9 +16150,9 @@
             </a:endParaRPr>
           </a:p>
           <a:p>
-            <a:pPr marL="342900" indent="-342900" algn="l">
-              <a:buFont typeface="Arial" panose="020B0604020202020204" pitchFamily="34" charset="0"/>
-              <a:buChar char="•"/>
+            <a:pPr indent="0" algn="l">
+              <a:buFont typeface="+mj-ea"/>
+              <a:buNone/>
             </a:pPr>
             <a:r>
               <a:rPr lang="zh-CN" altLang="en-US" sz="2000" spc="-1">
@@ -15533,7 +16168,7 @@
                 <a:ea typeface="AR PL UKai CN" panose="02000503000000000000" charset="-122"/>
                 <a:sym typeface="+mn-ea"/>
               </a:rPr>
-              <a:t>事件关系抽取</a:t>
+              <a:t>混合事件抽取方法</a:t>
             </a:r>
             <a:endParaRPr lang="zh-CN" altLang="en-US" sz="2000" spc="-1">
               <a:solidFill>
@@ -15554,102 +16189,71 @@
               <a:buFont typeface="+mj-ea"/>
               <a:buNone/>
             </a:pPr>
+            <a:r>
+              <a:rPr lang="en-US" altLang="zh-CN" sz="2000" spc="-1">
+                <a:solidFill>
+                  <a:srgbClr val="000000"/>
+                </a:solidFill>
+                <a:uFill>
+                  <a:solidFill>
+                    <a:srgbClr val="FFFFFF"/>
+                  </a:solidFill>
+                </a:uFill>
+                <a:latin typeface="AR PL UKai CN" panose="02000503000000000000" charset="-122"/>
+                <a:ea typeface="AR PL UKai CN" panose="02000503000000000000" charset="-122"/>
+                <a:sym typeface="+mn-ea"/>
+              </a:rPr>
+              <a:t>	</a:t>
+            </a:r>
+            <a:r>
+              <a:rPr lang="zh-CN" altLang="en-US" sz="2000" spc="-1">
+                <a:solidFill>
+                  <a:srgbClr val="000000"/>
+                </a:solidFill>
+                <a:uFill>
+                  <a:solidFill>
+                    <a:srgbClr val="FFFFFF"/>
+                  </a:solidFill>
+                </a:uFill>
+                <a:latin typeface="AR PL UKai CN" panose="02000503000000000000" charset="-122"/>
+                <a:ea typeface="AR PL UKai CN" panose="02000503000000000000" charset="-122"/>
+                <a:sym typeface="+mn-ea"/>
+              </a:rPr>
+              <a:t>模式匹配：事件识别</a:t>
+            </a:r>
+            <a:r>
+              <a:rPr lang="en-US" altLang="zh-CN" sz="2000" spc="-1">
+                <a:solidFill>
+                  <a:srgbClr val="000000"/>
+                </a:solidFill>
+                <a:uFill>
+                  <a:solidFill>
+                    <a:srgbClr val="FFFFFF"/>
+                  </a:solidFill>
+                </a:uFill>
+                <a:latin typeface="AR PL UKai CN" panose="02000503000000000000" charset="-122"/>
+                <a:ea typeface="AR PL UKai CN" panose="02000503000000000000" charset="-122"/>
+                <a:sym typeface="+mn-ea"/>
+              </a:rPr>
+              <a:t>+</a:t>
+            </a:r>
+            <a:r>
+              <a:rPr lang="zh-CN" altLang="en-US" sz="2000" spc="-1">
+                <a:solidFill>
+                  <a:srgbClr val="000000"/>
+                </a:solidFill>
+                <a:uFill>
+                  <a:solidFill>
+                    <a:srgbClr val="FFFFFF"/>
+                  </a:solidFill>
+                </a:uFill>
+                <a:latin typeface="AR PL UKai CN" panose="02000503000000000000" charset="-122"/>
+                <a:ea typeface="AR PL UKai CN" panose="02000503000000000000" charset="-122"/>
+                <a:sym typeface="+mn-ea"/>
+              </a:rPr>
+              <a:t>机器学习：事件分类</a:t>
+            </a:r>
             <a:endParaRPr lang="zh-CN" altLang="en-US" sz="2000" spc="-1">
-              <a:solidFill>
-                <a:srgbClr val="000000"/>
-              </a:solidFill>
-              <a:uFill>
-                <a:solidFill>
-                  <a:srgbClr val="FFFFFF"/>
-                </a:solidFill>
-              </a:uFill>
-              <a:latin typeface="AR PL UKai CN" panose="02000503000000000000" charset="-122"/>
-              <a:ea typeface="AR PL UKai CN" panose="02000503000000000000" charset="-122"/>
-              <a:sym typeface="+mn-ea"/>
-            </a:endParaRPr>
-          </a:p>
-          <a:p>
-            <a:pPr indent="0" algn="l">
-              <a:buFont typeface="+mj-ea"/>
-              <a:buNone/>
-            </a:pPr>
-            <a:endParaRPr lang="zh-CN" altLang="en-US" sz="2000" spc="-1">
-              <a:solidFill>
-                <a:srgbClr val="000000"/>
-              </a:solidFill>
-              <a:uFill>
-                <a:solidFill>
-                  <a:srgbClr val="FFFFFF"/>
-                </a:solidFill>
-              </a:uFill>
-              <a:latin typeface="AR PL UKai CN" panose="02000503000000000000" charset="-122"/>
-              <a:ea typeface="AR PL UKai CN" panose="02000503000000000000" charset="-122"/>
-              <a:sym typeface="+mn-ea"/>
-            </a:endParaRPr>
-          </a:p>
-          <a:p>
-            <a:pPr indent="0" algn="l">
-              <a:buFont typeface="+mj-ea"/>
-              <a:buNone/>
-            </a:pPr>
-            <a:endParaRPr lang="zh-CN" altLang="en-US" sz="2000" spc="-1">
-              <a:solidFill>
-                <a:srgbClr val="000000"/>
-              </a:solidFill>
-              <a:uFill>
-                <a:solidFill>
-                  <a:srgbClr val="FFFFFF"/>
-                </a:solidFill>
-              </a:uFill>
-              <a:latin typeface="AR PL UKai CN" panose="02000503000000000000" charset="-122"/>
-              <a:ea typeface="AR PL UKai CN" panose="02000503000000000000" charset="-122"/>
-              <a:sym typeface="+mn-ea"/>
-            </a:endParaRPr>
-          </a:p>
-          <a:p>
-            <a:pPr indent="0" algn="l">
-              <a:buFont typeface="+mj-ea"/>
-              <a:buNone/>
-            </a:pPr>
-            <a:endParaRPr lang="zh-CN" altLang="en-US" sz="2000" spc="-1">
-              <a:solidFill>
-                <a:srgbClr val="000000"/>
-              </a:solidFill>
-              <a:uFill>
-                <a:solidFill>
-                  <a:srgbClr val="FFFFFF"/>
-                </a:solidFill>
-              </a:uFill>
-              <a:latin typeface="AR PL UKai CN" panose="02000503000000000000" charset="-122"/>
-              <a:ea typeface="AR PL UKai CN" panose="02000503000000000000" charset="-122"/>
-              <a:sym typeface="+mn-ea"/>
-            </a:endParaRPr>
-          </a:p>
-          <a:p>
-            <a:pPr indent="0" algn="l">
-              <a:buFont typeface="+mj-ea"/>
-              <a:buNone/>
-            </a:pPr>
-            <a:endParaRPr lang="zh-CN" altLang="en-US" sz="2000" spc="-1">
-              <a:solidFill>
-                <a:srgbClr val="000000"/>
-              </a:solidFill>
-              <a:uFill>
-                <a:solidFill>
-                  <a:srgbClr val="FFFFFF"/>
-                </a:solidFill>
-              </a:uFill>
-              <a:latin typeface="AR PL UKai CN" panose="02000503000000000000" charset="-122"/>
-              <a:ea typeface="AR PL UKai CN" panose="02000503000000000000" charset="-122"/>
-              <a:sym typeface="+mn-ea"/>
-            </a:endParaRPr>
-          </a:p>
-          <a:p>
-            <a:pPr indent="0" algn="l">
-              <a:buFont typeface="+mj-ea"/>
-              <a:buNone/>
-            </a:pPr>
-            <a:endParaRPr lang="zh-CN" altLang="en-US" sz="2400" b="1" spc="-1">
               <a:solidFill>
                 <a:srgbClr val="000000"/>
               </a:solidFill>
@@ -15699,6 +16303,646 @@
       </p:grpSpPr>
       <p:sp>
         <p:nvSpPr>
+          <p:cNvPr id="111" name="CustomShape 1"/>
+          <p:cNvSpPr/>
+          <p:nvPr/>
+        </p:nvSpPr>
+        <p:spPr>
+          <a:xfrm>
+            <a:off x="323640" y="116640"/>
+            <a:ext cx="8151480" cy="988920"/>
+          </a:xfrm>
+          <a:prstGeom prst="rect">
+            <a:avLst/>
+          </a:prstGeom>
+          <a:noFill/>
+          <a:ln>
+            <a:noFill/>
+          </a:ln>
+        </p:spPr>
+        <p:style>
+          <a:lnRef idx="0">
+            <a:srgbClr val="FFFFFF"/>
+          </a:lnRef>
+          <a:fillRef idx="0">
+            <a:srgbClr val="FFFFFF"/>
+          </a:fillRef>
+          <a:effectRef idx="0">
+            <a:srgbClr val="FFFFFF"/>
+          </a:effectRef>
+          <a:fontRef idx="minor"/>
+        </p:style>
+        <p:txBody>
+          <a:bodyPr lIns="90000" tIns="45000" rIns="90000" bIns="45000" anchor="b"/>
+          <a:p>
+            <a:pPr>
+              <a:lnSpc>
+                <a:spcPct val="100000"/>
+              </a:lnSpc>
+            </a:pPr>
+            <a:r>
+              <a:rPr lang="zh-CN" altLang="en-US" sz="3600" b="0" strike="noStrike" spc="-1">
+                <a:solidFill>
+                  <a:srgbClr val="002060"/>
+                </a:solidFill>
+                <a:uFill>
+                  <a:solidFill>
+                    <a:srgbClr val="FFFFFF"/>
+                  </a:solidFill>
+                </a:uFill>
+                <a:latin typeface="黑体"/>
+                <a:ea typeface="宋体" charset="0"/>
+              </a:rPr>
+              <a:t>事理图谱</a:t>
+            </a:r>
+            <a:endParaRPr lang="zh-CN" altLang="en-US" sz="1800" b="0" strike="noStrike" spc="-1">
+              <a:solidFill>
+                <a:srgbClr val="000000"/>
+              </a:solidFill>
+              <a:uFill>
+                <a:solidFill>
+                  <a:srgbClr val="FFFFFF"/>
+                </a:solidFill>
+              </a:uFill>
+              <a:latin typeface="Arial" panose="020B0604020202020204"/>
+              <a:ea typeface="宋体" charset="0"/>
+            </a:endParaRPr>
+          </a:p>
+        </p:txBody>
+      </p:sp>
+      <p:sp>
+        <p:nvSpPr>
+          <p:cNvPr id="112" name="CustomShape 2"/>
+          <p:cNvSpPr/>
+          <p:nvPr/>
+        </p:nvSpPr>
+        <p:spPr>
+          <a:xfrm>
+            <a:off x="612720" y="6375600"/>
+            <a:ext cx="1979280" cy="363960"/>
+          </a:xfrm>
+          <a:prstGeom prst="rect">
+            <a:avLst/>
+          </a:prstGeom>
+          <a:noFill/>
+          <a:ln>
+            <a:noFill/>
+          </a:ln>
+        </p:spPr>
+        <p:style>
+          <a:lnRef idx="0">
+            <a:srgbClr val="FFFFFF"/>
+          </a:lnRef>
+          <a:fillRef idx="0">
+            <a:srgbClr val="FFFFFF"/>
+          </a:fillRef>
+          <a:effectRef idx="0">
+            <a:srgbClr val="FFFFFF"/>
+          </a:effectRef>
+          <a:fontRef idx="minor"/>
+        </p:style>
+      </p:sp>
+      <p:sp>
+        <p:nvSpPr>
+          <p:cNvPr id="113" name="CustomShape 3"/>
+          <p:cNvSpPr/>
+          <p:nvPr/>
+        </p:nvSpPr>
+        <p:spPr>
+          <a:xfrm>
+            <a:off x="1115640" y="2493000"/>
+            <a:ext cx="6334920" cy="430200"/>
+          </a:xfrm>
+          <a:prstGeom prst="rect">
+            <a:avLst/>
+          </a:prstGeom>
+          <a:noFill/>
+          <a:ln>
+            <a:noFill/>
+          </a:ln>
+        </p:spPr>
+        <p:style>
+          <a:lnRef idx="0">
+            <a:srgbClr val="FFFFFF"/>
+          </a:lnRef>
+          <a:fillRef idx="0">
+            <a:srgbClr val="FFFFFF"/>
+          </a:fillRef>
+          <a:effectRef idx="0">
+            <a:srgbClr val="FFFFFF"/>
+          </a:effectRef>
+          <a:fontRef idx="minor"/>
+        </p:style>
+      </p:sp>
+      <p:sp>
+        <p:nvSpPr>
+          <p:cNvPr id="115" name="CustomShape 4"/>
+          <p:cNvSpPr/>
+          <p:nvPr/>
+        </p:nvSpPr>
+        <p:spPr>
+          <a:xfrm>
+            <a:off x="179705" y="1270635"/>
+            <a:ext cx="8739505" cy="941705"/>
+          </a:xfrm>
+          <a:prstGeom prst="rect">
+            <a:avLst/>
+          </a:prstGeom>
+          <a:noFill/>
+          <a:ln>
+            <a:noFill/>
+          </a:ln>
+        </p:spPr>
+        <p:style>
+          <a:lnRef idx="0">
+            <a:srgbClr val="FFFFFF"/>
+          </a:lnRef>
+          <a:fillRef idx="0">
+            <a:srgbClr val="FFFFFF"/>
+          </a:fillRef>
+          <a:effectRef idx="0">
+            <a:srgbClr val="FFFFFF"/>
+          </a:effectRef>
+          <a:fontRef idx="minor"/>
+        </p:style>
+        <p:txBody>
+          <a:bodyPr lIns="90000" tIns="45000" rIns="90000" bIns="45000"/>
+          <a:p>
+            <a:pPr marL="242570" lvl="1" indent="0">
+              <a:lnSpc>
+                <a:spcPct val="100000"/>
+              </a:lnSpc>
+              <a:buClr>
+                <a:srgbClr val="000000"/>
+              </a:buClr>
+              <a:buFont typeface="Wingdings" panose="05000000000000000000" pitchFamily="2" charset="2"/>
+              <a:buNone/>
+            </a:pPr>
+            <a:endParaRPr lang="en-US" sz="1800" b="0" strike="noStrike" spc="-1">
+              <a:solidFill>
+                <a:srgbClr val="000000"/>
+              </a:solidFill>
+              <a:uFill>
+                <a:solidFill>
+                  <a:srgbClr val="FFFFFF"/>
+                </a:solidFill>
+              </a:uFill>
+              <a:latin typeface="Arial" panose="020B0604020202020204"/>
+            </a:endParaRPr>
+          </a:p>
+        </p:txBody>
+      </p:sp>
+      <p:sp>
+        <p:nvSpPr>
+          <p:cNvPr id="2" name="文本框 1"/>
+          <p:cNvSpPr txBox="1"/>
+          <p:nvPr/>
+        </p:nvSpPr>
+        <p:spPr>
+          <a:xfrm>
+            <a:off x="445770" y="1127125"/>
+            <a:ext cx="8173085" cy="4461510"/>
+          </a:xfrm>
+          <a:prstGeom prst="rect">
+            <a:avLst/>
+          </a:prstGeom>
+          <a:noFill/>
+        </p:spPr>
+        <p:txBody>
+          <a:bodyPr wrap="square" rtlCol="0" anchor="t">
+            <a:spAutoFit/>
+          </a:bodyPr>
+          <a:p>
+            <a:pPr marL="342900" indent="-342900" algn="l">
+              <a:buFont typeface="Arial" panose="020B0604020202020204" pitchFamily="34" charset="0"/>
+              <a:buChar char="•"/>
+            </a:pPr>
+            <a:r>
+              <a:rPr lang="zh-CN" altLang="en-US" sz="2400" b="1" spc="-1">
+                <a:solidFill>
+                  <a:srgbClr val="000000"/>
+                </a:solidFill>
+                <a:uFill>
+                  <a:solidFill>
+                    <a:srgbClr val="FFFFFF"/>
+                  </a:solidFill>
+                </a:uFill>
+                <a:latin typeface="AR PL UKai CN" panose="02000503000000000000" charset="-122"/>
+                <a:ea typeface="AR PL UKai CN" panose="02000503000000000000" charset="-122"/>
+                <a:sym typeface="+mn-ea"/>
+              </a:rPr>
+              <a:t>事件关系抽取</a:t>
+            </a:r>
+            <a:endParaRPr lang="zh-CN" altLang="en-US" sz="2400" b="1" spc="-1">
+              <a:solidFill>
+                <a:srgbClr val="000000"/>
+              </a:solidFill>
+              <a:uFill>
+                <a:solidFill>
+                  <a:srgbClr val="FFFFFF"/>
+                </a:solidFill>
+              </a:uFill>
+              <a:latin typeface="AR PL UKai CN" panose="02000503000000000000" charset="-122"/>
+              <a:ea typeface="AR PL UKai CN" panose="02000503000000000000" charset="-122"/>
+              <a:sym typeface="+mn-ea"/>
+            </a:endParaRPr>
+          </a:p>
+          <a:p>
+            <a:pPr indent="0" algn="l">
+              <a:buFont typeface="Arial" panose="020B0604020202020204" pitchFamily="34" charset="0"/>
+              <a:buNone/>
+            </a:pPr>
+            <a:r>
+              <a:rPr lang="zh-CN" altLang="en-US" sz="2400" b="1" spc="-1">
+                <a:solidFill>
+                  <a:srgbClr val="000000"/>
+                </a:solidFill>
+                <a:uFill>
+                  <a:solidFill>
+                    <a:srgbClr val="FFFFFF"/>
+                  </a:solidFill>
+                </a:uFill>
+                <a:latin typeface="AR PL UKai CN" panose="02000503000000000000" charset="-122"/>
+                <a:ea typeface="AR PL UKai CN" panose="02000503000000000000" charset="-122"/>
+                <a:sym typeface="+mn-ea"/>
+              </a:rPr>
+              <a:t>  </a:t>
+            </a:r>
+            <a:r>
+              <a:rPr lang="zh-CN" altLang="en-US" sz="2400" spc="-1">
+                <a:solidFill>
+                  <a:srgbClr val="000000"/>
+                </a:solidFill>
+                <a:uFill>
+                  <a:solidFill>
+                    <a:srgbClr val="FFFFFF"/>
+                  </a:solidFill>
+                </a:uFill>
+                <a:latin typeface="AR PL UKai CN" panose="02000503000000000000" charset="-122"/>
+                <a:ea typeface="AR PL UKai CN" panose="02000503000000000000" charset="-122"/>
+                <a:sym typeface="+mn-ea"/>
+              </a:rPr>
+              <a:t>因果关系识别</a:t>
+            </a:r>
+            <a:endParaRPr lang="zh-CN" altLang="en-US" sz="2400" spc="-1">
+              <a:solidFill>
+                <a:srgbClr val="000000"/>
+              </a:solidFill>
+              <a:uFill>
+                <a:solidFill>
+                  <a:srgbClr val="FFFFFF"/>
+                </a:solidFill>
+              </a:uFill>
+              <a:latin typeface="AR PL UKai CN" panose="02000503000000000000" charset="-122"/>
+              <a:ea typeface="AR PL UKai CN" panose="02000503000000000000" charset="-122"/>
+              <a:sym typeface="+mn-ea"/>
+            </a:endParaRPr>
+          </a:p>
+          <a:p>
+            <a:pPr indent="0" algn="l">
+              <a:buFont typeface="Arial" panose="020B0604020202020204" pitchFamily="34" charset="0"/>
+              <a:buNone/>
+            </a:pPr>
+            <a:r>
+              <a:rPr lang="zh-CN" altLang="en-US" sz="2000" spc="-1">
+                <a:solidFill>
+                  <a:srgbClr val="000000"/>
+                </a:solidFill>
+                <a:uFill>
+                  <a:solidFill>
+                    <a:srgbClr val="FFFFFF"/>
+                  </a:solidFill>
+                </a:uFill>
+                <a:latin typeface="AR PL UMing CN" panose="020B0309010101010101" charset="-122"/>
+                <a:ea typeface="AR PL UMing CN" panose="020B0309010101010101" charset="-122"/>
+                <a:cs typeface="AR PL UMing CN" panose="020B0309010101010101" charset="-122"/>
+                <a:sym typeface="+mn-ea"/>
+              </a:rPr>
+              <a:t>    </a:t>
+            </a:r>
+            <a:endParaRPr lang="zh-CN" altLang="en-US" sz="2000" spc="-1">
+              <a:solidFill>
+                <a:srgbClr val="000000"/>
+              </a:solidFill>
+              <a:uFill>
+                <a:solidFill>
+                  <a:srgbClr val="FFFFFF"/>
+                </a:solidFill>
+              </a:uFill>
+              <a:latin typeface="AR PL UMing CN" panose="020B0309010101010101" charset="-122"/>
+              <a:ea typeface="AR PL UMing CN" panose="020B0309010101010101" charset="-122"/>
+              <a:cs typeface="AR PL UMing CN" panose="020B0309010101010101" charset="-122"/>
+              <a:sym typeface="+mn-ea"/>
+            </a:endParaRPr>
+          </a:p>
+          <a:p>
+            <a:pPr indent="0" algn="l">
+              <a:buFont typeface="Arial" panose="020B0604020202020204" pitchFamily="34" charset="0"/>
+              <a:buNone/>
+            </a:pPr>
+            <a:r>
+              <a:rPr lang="zh-CN" altLang="en-US" sz="2000" spc="-1">
+                <a:solidFill>
+                  <a:srgbClr val="000000"/>
+                </a:solidFill>
+                <a:uFill>
+                  <a:solidFill>
+                    <a:srgbClr val="FFFFFF"/>
+                  </a:solidFill>
+                </a:uFill>
+                <a:latin typeface="AR PL UMing CN" panose="020B0309010101010101" charset="-122"/>
+                <a:ea typeface="AR PL UMing CN" panose="020B0309010101010101" charset="-122"/>
+                <a:cs typeface="AR PL UMing CN" panose="020B0309010101010101" charset="-122"/>
+                <a:sym typeface="+mn-ea"/>
+              </a:rPr>
+              <a:t>    事件因果关系识别算是一种推断事件之间是否有因果关系的任务，主要是给定一对event pairs ，根据文本中的信息及一些挖掘的因果特征来确定这一对事件是否存在着因果关系。</a:t>
+            </a:r>
+            <a:endParaRPr lang="zh-CN" altLang="en-US" sz="2400" b="1" spc="-1">
+              <a:solidFill>
+                <a:srgbClr val="000000"/>
+              </a:solidFill>
+              <a:uFill>
+                <a:solidFill>
+                  <a:srgbClr val="FFFFFF"/>
+                </a:solidFill>
+              </a:uFill>
+              <a:latin typeface="AR PL UKai CN" panose="02000503000000000000" charset="-122"/>
+              <a:ea typeface="AR PL UKai CN" panose="02000503000000000000" charset="-122"/>
+              <a:sym typeface="+mn-ea"/>
+            </a:endParaRPr>
+          </a:p>
+          <a:p>
+            <a:pPr indent="0" algn="l">
+              <a:buFont typeface="Arial" panose="020B0604020202020204" pitchFamily="34" charset="0"/>
+              <a:buNone/>
+            </a:pPr>
+            <a:r>
+              <a:rPr lang="zh-CN" altLang="en-US" sz="2400" b="1" spc="-1">
+                <a:solidFill>
+                  <a:srgbClr val="000000"/>
+                </a:solidFill>
+                <a:uFill>
+                  <a:solidFill>
+                    <a:srgbClr val="FFFFFF"/>
+                  </a:solidFill>
+                </a:uFill>
+                <a:latin typeface="AR PL UKai CN" panose="02000503000000000000" charset="-122"/>
+                <a:ea typeface="AR PL UKai CN" panose="02000503000000000000" charset="-122"/>
+                <a:sym typeface="+mn-ea"/>
+              </a:rPr>
+              <a:t>方法：</a:t>
+            </a:r>
+            <a:endParaRPr lang="zh-CN" altLang="en-US" sz="2400" b="1" spc="-1">
+              <a:solidFill>
+                <a:srgbClr val="000000"/>
+              </a:solidFill>
+              <a:uFill>
+                <a:solidFill>
+                  <a:srgbClr val="FFFFFF"/>
+                </a:solidFill>
+              </a:uFill>
+              <a:latin typeface="AR PL UKai CN" panose="02000503000000000000" charset="-122"/>
+              <a:ea typeface="AR PL UKai CN" panose="02000503000000000000" charset="-122"/>
+              <a:sym typeface="+mn-ea"/>
+            </a:endParaRPr>
+          </a:p>
+          <a:p>
+            <a:pPr indent="0" algn="l">
+              <a:buFont typeface="Arial" panose="020B0604020202020204" pitchFamily="34" charset="0"/>
+              <a:buNone/>
+            </a:pPr>
+            <a:r>
+              <a:rPr lang="zh-CN" altLang="en-US" sz="2000" spc="-1">
+                <a:solidFill>
+                  <a:srgbClr val="000000"/>
+                </a:solidFill>
+                <a:uFill>
+                  <a:solidFill>
+                    <a:srgbClr val="FFFFFF"/>
+                  </a:solidFill>
+                </a:uFill>
+                <a:latin typeface="AR PL UKai CN" panose="02000503000000000000" charset="-122"/>
+                <a:ea typeface="AR PL UKai CN" panose="02000503000000000000" charset="-122"/>
+                <a:sym typeface="+mn-ea"/>
+              </a:rPr>
+              <a:t>MCNN </a:t>
+            </a:r>
+            <a:endParaRPr lang="zh-CN" altLang="en-US" sz="2400" b="1" spc="-1">
+              <a:solidFill>
+                <a:srgbClr val="000000"/>
+              </a:solidFill>
+              <a:uFill>
+                <a:solidFill>
+                  <a:srgbClr val="FFFFFF"/>
+                </a:solidFill>
+              </a:uFill>
+              <a:latin typeface="AR PL UKai CN" panose="02000503000000000000" charset="-122"/>
+              <a:ea typeface="AR PL UKai CN" panose="02000503000000000000" charset="-122"/>
+              <a:sym typeface="+mn-ea"/>
+            </a:endParaRPr>
+          </a:p>
+          <a:p>
+            <a:pPr marL="342900" indent="-342900" algn="l">
+              <a:buFont typeface="Arial" panose="020B0604020202020204" pitchFamily="34" charset="0"/>
+              <a:buChar char="•"/>
+            </a:pPr>
+            <a:endParaRPr lang="zh-CN" altLang="en-US" sz="2400" b="1" spc="-1">
+              <a:solidFill>
+                <a:srgbClr val="000000"/>
+              </a:solidFill>
+              <a:uFill>
+                <a:solidFill>
+                  <a:srgbClr val="FFFFFF"/>
+                </a:solidFill>
+              </a:uFill>
+              <a:latin typeface="AR PL UKai CN" panose="02000503000000000000" charset="-122"/>
+              <a:ea typeface="AR PL UKai CN" panose="02000503000000000000" charset="-122"/>
+              <a:sym typeface="+mn-ea"/>
+            </a:endParaRPr>
+          </a:p>
+          <a:p>
+            <a:pPr marL="342900" indent="-342900" algn="l">
+              <a:buFont typeface="Arial" panose="020B0604020202020204" pitchFamily="34" charset="0"/>
+              <a:buChar char="•"/>
+            </a:pPr>
+            <a:r>
+              <a:rPr lang="zh-CN" altLang="en-US" sz="2400" b="1" spc="-1">
+                <a:solidFill>
+                  <a:srgbClr val="000000"/>
+                </a:solidFill>
+                <a:uFill>
+                  <a:solidFill>
+                    <a:srgbClr val="FFFFFF"/>
+                  </a:solidFill>
+                </a:uFill>
+                <a:latin typeface="AR PL UKai CN" panose="02000503000000000000" charset="-122"/>
+                <a:ea typeface="AR PL UKai CN" panose="02000503000000000000" charset="-122"/>
+                <a:sym typeface="+mn-ea"/>
+              </a:rPr>
+              <a:t>事件抽取的评价指标</a:t>
+            </a:r>
+            <a:endParaRPr lang="zh-CN" altLang="en-US" sz="2400" b="1" spc="-1">
+              <a:solidFill>
+                <a:srgbClr val="000000"/>
+              </a:solidFill>
+              <a:uFill>
+                <a:solidFill>
+                  <a:srgbClr val="FFFFFF"/>
+                </a:solidFill>
+              </a:uFill>
+              <a:latin typeface="AR PL UKai CN" panose="02000503000000000000" charset="-122"/>
+              <a:ea typeface="AR PL UKai CN" panose="02000503000000000000" charset="-122"/>
+              <a:sym typeface="+mn-ea"/>
+            </a:endParaRPr>
+          </a:p>
+          <a:p>
+            <a:pPr marL="342900" indent="-342900" algn="l">
+              <a:buFont typeface="Arial" panose="020B0604020202020204" pitchFamily="34" charset="0"/>
+              <a:buChar char="•"/>
+            </a:pPr>
+            <a:endParaRPr lang="zh-CN" altLang="en-US" sz="2400" b="1" spc="-1">
+              <a:solidFill>
+                <a:srgbClr val="000000"/>
+              </a:solidFill>
+              <a:uFill>
+                <a:solidFill>
+                  <a:srgbClr val="FFFFFF"/>
+                </a:solidFill>
+              </a:uFill>
+              <a:latin typeface="AR PL UKai CN" panose="02000503000000000000" charset="-122"/>
+              <a:ea typeface="AR PL UKai CN" panose="02000503000000000000" charset="-122"/>
+              <a:sym typeface="+mn-ea"/>
+            </a:endParaRPr>
+          </a:p>
+          <a:p>
+            <a:pPr marL="342900" indent="-342900" algn="l">
+              <a:buFont typeface="Arial" panose="020B0604020202020204" pitchFamily="34" charset="0"/>
+              <a:buChar char="•"/>
+            </a:pPr>
+            <a:endParaRPr lang="zh-CN" altLang="en-US" sz="2000" spc="-1">
+              <a:solidFill>
+                <a:srgbClr val="000000"/>
+              </a:solidFill>
+              <a:uFill>
+                <a:solidFill>
+                  <a:srgbClr val="FFFFFF"/>
+                </a:solidFill>
+              </a:uFill>
+              <a:latin typeface="AR PL UKai CN" panose="02000503000000000000" charset="-122"/>
+              <a:ea typeface="AR PL UKai CN" panose="02000503000000000000" charset="-122"/>
+              <a:sym typeface="+mn-ea"/>
+            </a:endParaRPr>
+          </a:p>
+          <a:p>
+            <a:pPr marL="342900" indent="-342900" algn="l">
+              <a:buFont typeface="+mj-ea"/>
+              <a:buNone/>
+            </a:pPr>
+            <a:endParaRPr lang="zh-CN" altLang="en-US" sz="2000" spc="-1">
+              <a:solidFill>
+                <a:srgbClr val="000000"/>
+              </a:solidFill>
+              <a:uFill>
+                <a:solidFill>
+                  <a:srgbClr val="FFFFFF"/>
+                </a:solidFill>
+              </a:uFill>
+              <a:latin typeface="AR PL UKai CN" panose="02000503000000000000" charset="-122"/>
+              <a:ea typeface="AR PL UKai CN" panose="02000503000000000000" charset="-122"/>
+              <a:sym typeface="+mn-ea"/>
+            </a:endParaRPr>
+          </a:p>
+        </p:txBody>
+      </p:sp>
+      <p:sp>
+        <p:nvSpPr>
+          <p:cNvPr id="3" name="流程图: 过程 2"/>
+          <p:cNvSpPr/>
+          <p:nvPr/>
+        </p:nvSpPr>
+        <p:spPr>
+          <a:xfrm>
+            <a:off x="755015" y="1497330"/>
+            <a:ext cx="2004060" cy="431165"/>
+          </a:xfrm>
+          <a:prstGeom prst="flowChartProcess">
+            <a:avLst/>
+          </a:prstGeom>
+          <a:noFill/>
+          <a:ln>
+            <a:solidFill>
+              <a:schemeClr val="accent1">
+                <a:lumMod val="75000"/>
+              </a:schemeClr>
+            </a:solidFill>
+            <a:prstDash val="sysDot"/>
+          </a:ln>
+          <a:extLst>
+            <a:ext uri="{909E8E84-426E-40DD-AFC4-6F175D3DCCD1}">
+              <a14:hiddenFill xmlns:a14="http://schemas.microsoft.com/office/drawing/2010/main">
+                <a:solidFill>
+                  <a:schemeClr val="lt1"/>
+                </a:solidFill>
+              </a14:hiddenFill>
+            </a:ext>
+          </a:extLst>
+        </p:spPr>
+        <p:style>
+          <a:lnRef idx="2">
+            <a:schemeClr val="accent6"/>
+          </a:lnRef>
+          <a:fillRef idx="1">
+            <a:schemeClr val="lt1"/>
+          </a:fillRef>
+          <a:effectRef idx="0">
+            <a:schemeClr val="accent6"/>
+          </a:effectRef>
+          <a:fontRef idx="minor">
+            <a:schemeClr val="dk1"/>
+          </a:fontRef>
+        </p:style>
+        <p:txBody>
+          <a:bodyPr rtlCol="0" anchor="ctr"/>
+          <a:p>
+            <a:pPr algn="ctr"/>
+            <a:endParaRPr lang="zh-CN" altLang="en-US"/>
+          </a:p>
+        </p:txBody>
+      </p:sp>
+    </p:spTree>
+  </p:cSld>
+  <p:clrMapOvr>
+    <a:masterClrMapping/>
+  </p:clrMapOvr>
+  <p:timing>
+    <p:tnLst>
+      <p:par>
+        <p:cTn id="1" dur="indefinite" restart="never" nodeType="tmRoot"/>
+      </p:par>
+    </p:tnLst>
+  </p:timing>
+</p:sld>
+</file>
+
+<file path=ppt/slides/slide19.xml><?xml version="1.0" encoding="utf-8"?>
+<p:sld xmlns:a="http://schemas.openxmlformats.org/drawingml/2006/main" xmlns:r="http://schemas.openxmlformats.org/officeDocument/2006/relationships" xmlns:p="http://schemas.openxmlformats.org/presentationml/2006/main">
+  <p:cSld>
+    <p:spTree>
+      <p:nvGrpSpPr>
+        <p:cNvPr id="1" name=""/>
+        <p:cNvGrpSpPr/>
+        <p:nvPr/>
+      </p:nvGrpSpPr>
+      <p:grpSpPr>
+        <a:xfrm>
+          <a:off x="0" y="0"/>
+          <a:ext cx="0" cy="0"/>
+          <a:chOff x="0" y="0"/>
+          <a:chExt cx="0" cy="0"/>
+        </a:xfrm>
+      </p:grpSpPr>
+      <p:sp>
+        <p:nvSpPr>
           <p:cNvPr id="117" name="CustomShape 1"/>
           <p:cNvSpPr/>
           <p:nvPr/>
@@ -17041,449 +18285,6 @@
             </a:endParaRPr>
           </a:p>
         </p:txBody>
-      </p:sp>
-    </p:spTree>
-  </p:cSld>
-  <p:clrMapOvr>
-    <a:masterClrMapping/>
-  </p:clrMapOvr>
-</p:sld>
-</file>
-
-<file path=ppt/slides/slide19.xml><?xml version="1.0" encoding="utf-8"?>
-<p:sld xmlns:a="http://schemas.openxmlformats.org/drawingml/2006/main" xmlns:r="http://schemas.openxmlformats.org/officeDocument/2006/relationships" xmlns:p="http://schemas.openxmlformats.org/presentationml/2006/main">
-  <p:cSld>
-    <p:spTree>
-      <p:nvGrpSpPr>
-        <p:cNvPr id="1" name=""/>
-        <p:cNvGrpSpPr/>
-        <p:nvPr/>
-      </p:nvGrpSpPr>
-      <p:grpSpPr>
-        <a:xfrm>
-          <a:off x="0" y="0"/>
-          <a:ext cx="0" cy="0"/>
-          <a:chOff x="0" y="0"/>
-          <a:chExt cx="0" cy="0"/>
-        </a:xfrm>
-      </p:grpSpPr>
-      <p:sp>
-        <p:nvSpPr>
-          <p:cNvPr id="139" name="CustomShape 1"/>
-          <p:cNvSpPr/>
-          <p:nvPr/>
-        </p:nvSpPr>
-        <p:spPr>
-          <a:xfrm>
-            <a:off x="323640" y="135000"/>
-            <a:ext cx="8227800" cy="988920"/>
-          </a:xfrm>
-          <a:prstGeom prst="rect">
-            <a:avLst/>
-          </a:prstGeom>
-          <a:noFill/>
-          <a:ln>
-            <a:noFill/>
-          </a:ln>
-        </p:spPr>
-        <p:style>
-          <a:lnRef idx="0">
-            <a:srgbClr val="FFFFFF"/>
-          </a:lnRef>
-          <a:fillRef idx="0">
-            <a:srgbClr val="FFFFFF"/>
-          </a:fillRef>
-          <a:effectRef idx="0">
-            <a:srgbClr val="FFFFFF"/>
-          </a:effectRef>
-          <a:fontRef idx="minor"/>
-        </p:style>
-        <p:txBody>
-          <a:bodyPr lIns="90000" tIns="45000" rIns="90000" bIns="45000" anchor="b"/>
-          <a:p>
-            <a:pPr>
-              <a:lnSpc>
-                <a:spcPct val="100000"/>
-              </a:lnSpc>
-            </a:pPr>
-            <a:r>
-              <a:rPr lang="en-US" sz="4000" b="0" strike="noStrike" spc="-1">
-                <a:solidFill>
-                  <a:srgbClr val="002060"/>
-                </a:solidFill>
-                <a:uFill>
-                  <a:solidFill>
-                    <a:srgbClr val="FFFFFF"/>
-                  </a:solidFill>
-                </a:uFill>
-                <a:latin typeface="Arial" panose="020B0604020202020204"/>
-                <a:ea typeface="DejaVu Sans" panose="020B0603030804020204"/>
-              </a:rPr>
-              <a:t>三、关系提取</a:t>
-            </a:r>
-            <a:endParaRPr lang="en-US" sz="1800" b="0" strike="noStrike" spc="-1">
-              <a:solidFill>
-                <a:srgbClr val="000000"/>
-              </a:solidFill>
-              <a:uFill>
-                <a:solidFill>
-                  <a:srgbClr val="FFFFFF"/>
-                </a:solidFill>
-              </a:uFill>
-              <a:latin typeface="Arial" panose="020B0604020202020204"/>
-            </a:endParaRPr>
-          </a:p>
-        </p:txBody>
-      </p:sp>
-      <p:sp>
-        <p:nvSpPr>
-          <p:cNvPr id="140" name="CustomShape 2"/>
-          <p:cNvSpPr/>
-          <p:nvPr/>
-        </p:nvSpPr>
-        <p:spPr>
-          <a:xfrm>
-            <a:off x="612720" y="6375600"/>
-            <a:ext cx="1979280" cy="363960"/>
-          </a:xfrm>
-          <a:prstGeom prst="rect">
-            <a:avLst/>
-          </a:prstGeom>
-          <a:noFill/>
-          <a:ln>
-            <a:noFill/>
-          </a:ln>
-        </p:spPr>
-        <p:style>
-          <a:lnRef idx="0">
-            <a:srgbClr val="FFFFFF"/>
-          </a:lnRef>
-          <a:fillRef idx="0">
-            <a:srgbClr val="FFFFFF"/>
-          </a:fillRef>
-          <a:effectRef idx="0">
-            <a:srgbClr val="FFFFFF"/>
-          </a:effectRef>
-          <a:fontRef idx="minor"/>
-        </p:style>
-      </p:sp>
-      <p:sp>
-        <p:nvSpPr>
-          <p:cNvPr id="141" name="CustomShape 3"/>
-          <p:cNvSpPr/>
-          <p:nvPr/>
-        </p:nvSpPr>
-        <p:spPr>
-          <a:xfrm>
-            <a:off x="1284120" y="4753080"/>
-            <a:ext cx="6886440" cy="698040"/>
-          </a:xfrm>
-          <a:prstGeom prst="rect">
-            <a:avLst/>
-          </a:prstGeom>
-          <a:noFill/>
-          <a:ln>
-            <a:noFill/>
-          </a:ln>
-        </p:spPr>
-        <p:style>
-          <a:lnRef idx="0">
-            <a:srgbClr val="FFFFFF"/>
-          </a:lnRef>
-          <a:fillRef idx="0">
-            <a:srgbClr val="FFFFFF"/>
-          </a:fillRef>
-          <a:effectRef idx="0">
-            <a:srgbClr val="FFFFFF"/>
-          </a:effectRef>
-          <a:fontRef idx="minor"/>
-        </p:style>
-        <p:txBody>
-          <a:bodyPr lIns="90000" tIns="45000" rIns="90000" bIns="45000"/>
-          <a:p>
-            <a:pPr>
-              <a:lnSpc>
-                <a:spcPct val="100000"/>
-              </a:lnSpc>
-            </a:pPr>
-            <a:r>
-              <a:rPr lang="en-US" sz="2000" b="0" strike="noStrike" spc="-1">
-                <a:solidFill>
-                  <a:srgbClr val="000000"/>
-                </a:solidFill>
-                <a:uFill>
-                  <a:solidFill>
-                    <a:srgbClr val="FFFFFF"/>
-                  </a:solidFill>
-                </a:uFill>
-                <a:latin typeface="Arial" panose="020B0604020202020204"/>
-                <a:ea typeface="DejaVu Sans" panose="020B0603030804020204"/>
-              </a:rPr>
-              <a:t>知识图谱由</a:t>
-            </a:r>
-            <a:r>
-              <a:rPr lang="en-US" sz="2000" b="0" strike="noStrike" spc="-1">
-                <a:solidFill>
-                  <a:srgbClr val="FF0000"/>
-                </a:solidFill>
-                <a:uFill>
-                  <a:solidFill>
-                    <a:srgbClr val="FFFFFF"/>
-                  </a:solidFill>
-                </a:uFill>
-                <a:latin typeface="Arial" panose="020B0604020202020204"/>
-                <a:ea typeface="DejaVu Sans" panose="020B0603030804020204"/>
-              </a:rPr>
-              <a:t>结点</a:t>
-            </a:r>
-            <a:r>
-              <a:rPr lang="en-US" sz="2000" b="0" strike="noStrike" spc="-1">
-                <a:solidFill>
-                  <a:srgbClr val="000000"/>
-                </a:solidFill>
-                <a:uFill>
-                  <a:solidFill>
-                    <a:srgbClr val="FFFFFF"/>
-                  </a:solidFill>
-                </a:uFill>
-                <a:latin typeface="Arial" panose="020B0604020202020204"/>
-                <a:ea typeface="DejaVu Sans" panose="020B0603030804020204"/>
-              </a:rPr>
-              <a:t>和</a:t>
-            </a:r>
-            <a:r>
-              <a:rPr lang="en-US" sz="2000" b="0" strike="noStrike" spc="-1">
-                <a:solidFill>
-                  <a:srgbClr val="0070C0"/>
-                </a:solidFill>
-                <a:uFill>
-                  <a:solidFill>
-                    <a:srgbClr val="FFFFFF"/>
-                  </a:solidFill>
-                </a:uFill>
-                <a:latin typeface="Arial" panose="020B0604020202020204"/>
-                <a:ea typeface="DejaVu Sans" panose="020B0603030804020204"/>
-              </a:rPr>
-              <a:t>边</a:t>
-            </a:r>
-            <a:r>
-              <a:rPr lang="en-US" sz="2000" b="0" strike="noStrike" spc="-1">
-                <a:solidFill>
-                  <a:srgbClr val="000000"/>
-                </a:solidFill>
-                <a:uFill>
-                  <a:solidFill>
-                    <a:srgbClr val="FFFFFF"/>
-                  </a:solidFill>
-                </a:uFill>
-                <a:latin typeface="Arial" panose="020B0604020202020204"/>
-                <a:ea typeface="DejaVu Sans" panose="020B0603030804020204"/>
-              </a:rPr>
-              <a:t>组成，其中结点对应</a:t>
-            </a:r>
-            <a:r>
-              <a:rPr lang="en-US" sz="2000" b="0" strike="noStrike" spc="-1">
-                <a:solidFill>
-                  <a:srgbClr val="FF0000"/>
-                </a:solidFill>
-                <a:uFill>
-                  <a:solidFill>
-                    <a:srgbClr val="FFFFFF"/>
-                  </a:solidFill>
-                </a:uFill>
-                <a:latin typeface="Arial" panose="020B0604020202020204"/>
-                <a:ea typeface="DejaVu Sans" panose="020B0603030804020204"/>
-              </a:rPr>
-              <a:t>实体</a:t>
-            </a:r>
-            <a:r>
-              <a:rPr lang="en-US" sz="2000" b="0" strike="noStrike" spc="-1">
-                <a:solidFill>
-                  <a:srgbClr val="000000"/>
-                </a:solidFill>
-                <a:uFill>
-                  <a:solidFill>
-                    <a:srgbClr val="FFFFFF"/>
-                  </a:solidFill>
-                </a:uFill>
-                <a:latin typeface="Arial" panose="020B0604020202020204"/>
-                <a:ea typeface="DejaVu Sans" panose="020B0603030804020204"/>
-              </a:rPr>
-              <a:t>，边对应</a:t>
-            </a:r>
-            <a:r>
-              <a:rPr lang="en-US" sz="2000" b="0" strike="noStrike" spc="-1">
-                <a:solidFill>
-                  <a:srgbClr val="0070C0"/>
-                </a:solidFill>
-                <a:uFill>
-                  <a:solidFill>
-                    <a:srgbClr val="FFFFFF"/>
-                  </a:solidFill>
-                </a:uFill>
-                <a:latin typeface="Arial" panose="020B0604020202020204"/>
-                <a:ea typeface="DejaVu Sans" panose="020B0603030804020204"/>
-              </a:rPr>
-              <a:t>关系</a:t>
-            </a:r>
-            <a:r>
-              <a:rPr lang="en-US" sz="2000" b="0" strike="noStrike" spc="-1">
-                <a:solidFill>
-                  <a:srgbClr val="000000"/>
-                </a:solidFill>
-                <a:uFill>
-                  <a:solidFill>
-                    <a:srgbClr val="FFFFFF"/>
-                  </a:solidFill>
-                </a:uFill>
-                <a:latin typeface="Arial" panose="020B0604020202020204"/>
-                <a:ea typeface="DejaVu Sans" panose="020B0603030804020204"/>
-              </a:rPr>
-              <a:t>。</a:t>
-            </a:r>
-            <a:endParaRPr lang="en-US" sz="1800" b="0" strike="noStrike" spc="-1">
-              <a:solidFill>
-                <a:srgbClr val="000000"/>
-              </a:solidFill>
-              <a:uFill>
-                <a:solidFill>
-                  <a:srgbClr val="FFFFFF"/>
-                </a:solidFill>
-              </a:uFill>
-              <a:latin typeface="Arial" panose="020B0604020202020204"/>
-            </a:endParaRPr>
-          </a:p>
-        </p:txBody>
-      </p:sp>
-      <p:pic>
-        <p:nvPicPr>
-          <p:cNvPr id="142" name="图片 6"/>
-          <p:cNvPicPr/>
-          <p:nvPr/>
-        </p:nvPicPr>
-        <p:blipFill>
-          <a:blip r:embed="rId1"/>
-          <a:stretch>
-            <a:fillRect/>
-          </a:stretch>
-        </p:blipFill>
-        <p:spPr>
-          <a:xfrm>
-            <a:off x="2339640" y="1473840"/>
-            <a:ext cx="4678560" cy="2961360"/>
-          </a:xfrm>
-          <a:prstGeom prst="rect">
-            <a:avLst/>
-          </a:prstGeom>
-          <a:ln>
-            <a:noFill/>
-          </a:ln>
-        </p:spPr>
-      </p:pic>
-      <p:sp>
-        <p:nvSpPr>
-          <p:cNvPr id="143" name="CustomShape 4"/>
-          <p:cNvSpPr/>
-          <p:nvPr/>
-        </p:nvSpPr>
-        <p:spPr>
-          <a:xfrm>
-            <a:off x="2411640" y="1484280"/>
-            <a:ext cx="3454560" cy="749520"/>
-          </a:xfrm>
-          <a:prstGeom prst="rect">
-            <a:avLst/>
-          </a:prstGeom>
-          <a:noFill/>
-          <a:ln w="25560">
-            <a:solidFill>
-              <a:srgbClr val="FF0000"/>
-            </a:solidFill>
-            <a:round/>
-          </a:ln>
-        </p:spPr>
-        <p:style>
-          <a:lnRef idx="0">
-            <a:srgbClr val="FFFFFF"/>
-          </a:lnRef>
-          <a:fillRef idx="0">
-            <a:srgbClr val="FFFFFF"/>
-          </a:fillRef>
-          <a:effectRef idx="0">
-            <a:srgbClr val="FFFFFF"/>
-          </a:effectRef>
-          <a:fontRef idx="minor"/>
-        </p:style>
-      </p:sp>
-      <p:sp>
-        <p:nvSpPr>
-          <p:cNvPr id="144" name="CustomShape 5"/>
-          <p:cNvSpPr/>
-          <p:nvPr/>
-        </p:nvSpPr>
-        <p:spPr>
-          <a:xfrm>
-            <a:off x="3132000" y="1700280"/>
-            <a:ext cx="646200" cy="358200"/>
-          </a:xfrm>
-          <a:prstGeom prst="rect">
-            <a:avLst/>
-          </a:prstGeom>
-          <a:noFill/>
-          <a:ln w="25560">
-            <a:solidFill>
-              <a:srgbClr val="0066FF"/>
-            </a:solidFill>
-            <a:round/>
-          </a:ln>
-        </p:spPr>
-        <p:style>
-          <a:lnRef idx="0">
-            <a:srgbClr val="FFFFFF"/>
-          </a:lnRef>
-          <a:fillRef idx="0">
-            <a:srgbClr val="FFFFFF"/>
-          </a:fillRef>
-          <a:effectRef idx="0">
-            <a:srgbClr val="FFFFFF"/>
-          </a:effectRef>
-          <a:fontRef idx="minor"/>
-        </p:style>
-      </p:sp>
-      <p:sp>
-        <p:nvSpPr>
-          <p:cNvPr id="145" name="CustomShape 6"/>
-          <p:cNvSpPr/>
-          <p:nvPr/>
-        </p:nvSpPr>
-        <p:spPr>
-          <a:xfrm>
-            <a:off x="4416480" y="1679760"/>
-            <a:ext cx="646200" cy="358200"/>
-          </a:xfrm>
-          <a:prstGeom prst="rect">
-            <a:avLst/>
-          </a:prstGeom>
-          <a:noFill/>
-          <a:ln w="25560">
-            <a:solidFill>
-              <a:srgbClr val="0066FF"/>
-            </a:solidFill>
-            <a:round/>
-          </a:ln>
-        </p:spPr>
-        <p:style>
-          <a:lnRef idx="0">
-            <a:srgbClr val="FFFFFF"/>
-          </a:lnRef>
-          <a:fillRef idx="0">
-            <a:srgbClr val="FFFFFF"/>
-          </a:fillRef>
-          <a:effectRef idx="0">
-            <a:srgbClr val="FFFFFF"/>
-          </a:effectRef>
-          <a:fontRef idx="minor"/>
-        </p:style>
       </p:sp>
     </p:spTree>
   </p:cSld>
@@ -18177,13 +18978,13 @@
       </p:grpSpPr>
       <p:sp>
         <p:nvSpPr>
-          <p:cNvPr id="146" name="CustomShape 1"/>
+          <p:cNvPr id="139" name="CustomShape 1"/>
           <p:cNvSpPr/>
           <p:nvPr/>
         </p:nvSpPr>
         <p:spPr>
           <a:xfrm>
-            <a:off x="283680" y="159840"/>
+            <a:off x="323640" y="135000"/>
             <a:ext cx="8227800" cy="988920"/>
           </a:xfrm>
           <a:prstGeom prst="rect">
@@ -18227,7 +19028,7 @@
                 <a:latin typeface="Arial" panose="020B0604020202020204"/>
                 <a:ea typeface="DejaVu Sans" panose="020B0603030804020204"/>
               </a:rPr>
-              <a:t>关系提取</a:t>
+              <a:t>三、关系提取</a:t>
             </a:r>
             <a:endParaRPr lang="en-US" sz="1800" b="0" strike="noStrike" spc="-1">
               <a:solidFill>
@@ -18245,7 +19046,7 @@
       </p:sp>
       <p:sp>
         <p:nvSpPr>
-          <p:cNvPr id="147" name="CustomShape 2"/>
+          <p:cNvPr id="140" name="CustomShape 2"/>
           <p:cNvSpPr/>
           <p:nvPr/>
         </p:nvSpPr>
@@ -18277,14 +19078,14 @@
       </p:sp>
       <p:sp>
         <p:nvSpPr>
-          <p:cNvPr id="148" name="CustomShape 3"/>
+          <p:cNvPr id="141" name="CustomShape 3"/>
           <p:cNvSpPr/>
           <p:nvPr/>
         </p:nvSpPr>
         <p:spPr>
           <a:xfrm>
-            <a:off x="283865" y="1270800"/>
-            <a:ext cx="7558920" cy="820440"/>
+            <a:off x="1284120" y="4753080"/>
+            <a:ext cx="6886440" cy="698040"/>
           </a:xfrm>
           <a:prstGeom prst="rect">
             <a:avLst/>
@@ -18309,59 +19110,6 @@
         <p:txBody>
           <a:bodyPr lIns="90000" tIns="45000" rIns="90000" bIns="45000"/>
           <a:p>
-            <a:pPr marL="457200" indent="-455295">
-              <a:lnSpc>
-                <a:spcPct val="100000"/>
-              </a:lnSpc>
-              <a:buClr>
-                <a:srgbClr val="0070C0"/>
-              </a:buClr>
-              <a:buFont typeface="Wingdings" panose="05000000000000000000" pitchFamily="2" charset="2"/>
-              <a:buChar char=""/>
-            </a:pPr>
-            <a:r>
-              <a:rPr lang="en-US" sz="2800" b="1" strike="noStrike" spc="-1">
-                <a:solidFill>
-                  <a:srgbClr val="0070C0"/>
-                </a:solidFill>
-                <a:uFill>
-                  <a:solidFill>
-                    <a:srgbClr val="FFFFFF"/>
-                  </a:solidFill>
-                </a:uFill>
-                <a:latin typeface="华文新魏"/>
-                <a:ea typeface="华文新魏"/>
-              </a:rPr>
-              <a:t>技术框架</a:t>
-            </a:r>
-            <a:r>
-              <a:rPr lang="en-US" sz="2000" b="0" strike="noStrike" spc="-1">
-                <a:solidFill>
-                  <a:srgbClr val="000000"/>
-                </a:solidFill>
-                <a:uFill>
-                  <a:solidFill>
-                    <a:srgbClr val="FFFFFF"/>
-                  </a:solidFill>
-                </a:uFill>
-                <a:latin typeface="华文新魏"/>
-                <a:ea typeface="华文新魏"/>
-              </a:rPr>
-              <a:t>        </a:t>
-            </a:r>
-            <a:endParaRPr lang="en-US" sz="1800" b="0" strike="noStrike" spc="-1">
-              <a:solidFill>
-                <a:srgbClr val="000000"/>
-              </a:solidFill>
-              <a:uFill>
-                <a:solidFill>
-                  <a:srgbClr val="FFFFFF"/>
-                </a:solidFill>
-              </a:uFill>
-              <a:latin typeface="Arial" panose="020B0604020202020204"/>
-            </a:endParaRPr>
-          </a:p>
-          <a:p>
             <a:pPr>
               <a:lnSpc>
                 <a:spcPct val="100000"/>
@@ -18377,10 +19125,130 @@
                     <a:srgbClr val="FFFFFF"/>
                   </a:solidFill>
                 </a:uFill>
-                <a:latin typeface="华文新魏"/>
-                <a:ea typeface="华文新魏"/>
-              </a:rPr>
-              <a:t>        </a:t>
+                <a:latin typeface="Arial" panose="020B0604020202020204"/>
+                <a:ea typeface="DejaVu Sans" panose="020B0603030804020204"/>
+              </a:rPr>
+              <a:t>知识图谱由</a:t>
+            </a:r>
+            <a:r>
+              <a:rPr lang="en-US" sz="2000" b="0" strike="noStrike" spc="-1">
+                <a:solidFill>
+                  <a:srgbClr val="FF0000"/>
+                </a:solidFill>
+                <a:uFill>
+                  <a:solidFill>
+                    <a:srgbClr val="FFFFFF"/>
+                  </a:solidFill>
+                </a:uFill>
+                <a:latin typeface="Arial" panose="020B0604020202020204"/>
+                <a:ea typeface="DejaVu Sans" panose="020B0603030804020204"/>
+              </a:rPr>
+              <a:t>结点</a:t>
+            </a:r>
+            <a:r>
+              <a:rPr lang="en-US" sz="2000" b="0" strike="noStrike" spc="-1">
+                <a:solidFill>
+                  <a:srgbClr val="000000"/>
+                </a:solidFill>
+                <a:uFill>
+                  <a:solidFill>
+                    <a:srgbClr val="FFFFFF"/>
+                  </a:solidFill>
+                </a:uFill>
+                <a:latin typeface="Arial" panose="020B0604020202020204"/>
+                <a:ea typeface="DejaVu Sans" panose="020B0603030804020204"/>
+              </a:rPr>
+              <a:t>和</a:t>
+            </a:r>
+            <a:r>
+              <a:rPr lang="en-US" sz="2000" b="0" strike="noStrike" spc="-1">
+                <a:solidFill>
+                  <a:srgbClr val="0070C0"/>
+                </a:solidFill>
+                <a:uFill>
+                  <a:solidFill>
+                    <a:srgbClr val="FFFFFF"/>
+                  </a:solidFill>
+                </a:uFill>
+                <a:latin typeface="Arial" panose="020B0604020202020204"/>
+                <a:ea typeface="DejaVu Sans" panose="020B0603030804020204"/>
+              </a:rPr>
+              <a:t>边</a:t>
+            </a:r>
+            <a:r>
+              <a:rPr lang="en-US" sz="2000" b="0" strike="noStrike" spc="-1">
+                <a:solidFill>
+                  <a:srgbClr val="000000"/>
+                </a:solidFill>
+                <a:uFill>
+                  <a:solidFill>
+                    <a:srgbClr val="FFFFFF"/>
+                  </a:solidFill>
+                </a:uFill>
+                <a:latin typeface="Arial" panose="020B0604020202020204"/>
+                <a:ea typeface="DejaVu Sans" panose="020B0603030804020204"/>
+              </a:rPr>
+              <a:t>组成，其中结点对应</a:t>
+            </a:r>
+            <a:r>
+              <a:rPr lang="en-US" sz="2000" b="0" strike="noStrike" spc="-1">
+                <a:solidFill>
+                  <a:srgbClr val="FF0000"/>
+                </a:solidFill>
+                <a:uFill>
+                  <a:solidFill>
+                    <a:srgbClr val="FFFFFF"/>
+                  </a:solidFill>
+                </a:uFill>
+                <a:latin typeface="Arial" panose="020B0604020202020204"/>
+                <a:ea typeface="DejaVu Sans" panose="020B0603030804020204"/>
+              </a:rPr>
+              <a:t>实体</a:t>
+            </a:r>
+            <a:r>
+              <a:rPr lang="en-US" sz="2000" b="0" strike="noStrike" spc="-1">
+                <a:solidFill>
+                  <a:srgbClr val="000000"/>
+                </a:solidFill>
+                <a:uFill>
+                  <a:solidFill>
+                    <a:srgbClr val="FFFFFF"/>
+                  </a:solidFill>
+                </a:uFill>
+                <a:latin typeface="Arial" panose="020B0604020202020204"/>
+                <a:ea typeface="DejaVu Sans" panose="020B0603030804020204"/>
+              </a:rPr>
+              <a:t>，边对应</a:t>
+            </a:r>
+            <a:r>
+              <a:rPr lang="en-US" sz="2000" b="0" strike="noStrike" spc="-1">
+                <a:solidFill>
+                  <a:srgbClr val="0070C0"/>
+                </a:solidFill>
+                <a:uFill>
+                  <a:solidFill>
+                    <a:srgbClr val="FFFFFF"/>
+                  </a:solidFill>
+                </a:uFill>
+                <a:latin typeface="Arial" panose="020B0604020202020204"/>
+                <a:ea typeface="DejaVu Sans" panose="020B0603030804020204"/>
+              </a:rPr>
+              <a:t>关系</a:t>
+            </a:r>
+            <a:r>
+              <a:rPr lang="en-US" sz="2000" b="0" strike="noStrike" spc="-1">
+                <a:solidFill>
+                  <a:srgbClr val="000000"/>
+                </a:solidFill>
+                <a:uFill>
+                  <a:solidFill>
+                    <a:srgbClr val="FFFFFF"/>
+                  </a:solidFill>
+                </a:uFill>
+                <a:latin typeface="Arial" panose="020B0604020202020204"/>
+                <a:ea typeface="DejaVu Sans" panose="020B0603030804020204"/>
+              </a:rPr>
+              <a:t>。</a:t>
             </a:r>
             <a:endParaRPr lang="en-US" sz="1800" b="0" strike="noStrike" spc="-1">
               <a:solidFill>
@@ -18396,26 +19264,49 @@
           </a:p>
         </p:txBody>
       </p:sp>
-      <p:sp>
-        <p:nvSpPr>
-          <p:cNvPr id="149" name="CustomShape 4"/>
+      <p:pic>
+        <p:nvPicPr>
+          <p:cNvPr id="142" name="图片 6"/>
+          <p:cNvPicPr/>
+          <p:nvPr/>
+        </p:nvPicPr>
+        <p:blipFill>
+          <a:blip r:embed="rId1"/>
+          <a:stretch>
+            <a:fillRect/>
+          </a:stretch>
+        </p:blipFill>
+        <p:spPr>
+          <a:xfrm>
+            <a:off x="2339640" y="1473840"/>
+            <a:ext cx="4678560" cy="2961360"/>
+          </a:xfrm>
+          <a:prstGeom prst="rect">
+            <a:avLst/>
+          </a:prstGeom>
+          <a:ln>
+            <a:noFill/>
+          </a:ln>
+        </p:spPr>
+      </p:pic>
+      <p:sp>
+        <p:nvSpPr>
+          <p:cNvPr id="143" name="CustomShape 4"/>
           <p:cNvSpPr/>
           <p:nvPr/>
         </p:nvSpPr>
         <p:spPr>
           <a:xfrm>
-            <a:off x="1630800" y="3900960"/>
-            <a:ext cx="1522080" cy="607680"/>
+            <a:off x="2411640" y="1484280"/>
+            <a:ext cx="3454560" cy="749520"/>
           </a:xfrm>
           <a:prstGeom prst="rect">
             <a:avLst/>
           </a:prstGeom>
-          <a:solidFill>
-            <a:srgbClr val="FFFFFF"/>
-          </a:solidFill>
+          <a:noFill/>
           <a:ln w="25560">
             <a:solidFill>
-              <a:srgbClr val="C0504D"/>
+              <a:srgbClr val="FF0000"/>
             </a:solidFill>
             <a:round/>
           </a:ln>
@@ -18432,63 +19323,25 @@
           </a:effectRef>
           <a:fontRef idx="minor"/>
         </p:style>
-        <p:txBody>
-          <a:bodyPr lIns="90000" tIns="45000" rIns="90000" bIns="45000" anchor="ctr"/>
-          <a:p>
-            <a:pPr algn="ctr">
-              <a:lnSpc>
-                <a:spcPct val="100000"/>
-              </a:lnSpc>
-            </a:pPr>
-            <a:r>
-              <a:rPr lang="en-US" sz="1800" b="1" strike="noStrike" spc="-1">
-                <a:solidFill>
-                  <a:srgbClr val="000000"/>
-                </a:solidFill>
-                <a:uFill>
-                  <a:solidFill>
-                    <a:srgbClr val="FFFFFF"/>
-                  </a:solidFill>
-                </a:uFill>
-                <a:latin typeface="宋体"/>
-                <a:ea typeface="宋体"/>
-              </a:rPr>
-              <a:t>词法信息</a:t>
-            </a:r>
-            <a:endParaRPr lang="en-US" sz="1800" b="0" strike="noStrike" spc="-1">
-              <a:solidFill>
-                <a:srgbClr val="000000"/>
-              </a:solidFill>
-              <a:uFill>
-                <a:solidFill>
-                  <a:srgbClr val="FFFFFF"/>
-                </a:solidFill>
-              </a:uFill>
-              <a:latin typeface="Arial" panose="020B0604020202020204"/>
-            </a:endParaRPr>
-          </a:p>
-        </p:txBody>
-      </p:sp>
-      <p:sp>
-        <p:nvSpPr>
-          <p:cNvPr id="150" name="CustomShape 5"/>
+      </p:sp>
+      <p:sp>
+        <p:nvSpPr>
+          <p:cNvPr id="144" name="CustomShape 5"/>
           <p:cNvSpPr/>
           <p:nvPr/>
         </p:nvSpPr>
         <p:spPr>
           <a:xfrm>
-            <a:off x="3445920" y="3924360"/>
-            <a:ext cx="1522080" cy="607680"/>
+            <a:off x="3132000" y="1700280"/>
+            <a:ext cx="646200" cy="358200"/>
           </a:xfrm>
           <a:prstGeom prst="rect">
             <a:avLst/>
           </a:prstGeom>
-          <a:solidFill>
-            <a:srgbClr val="FFFFFF"/>
-          </a:solidFill>
+          <a:noFill/>
           <a:ln w="25560">
             <a:solidFill>
-              <a:srgbClr val="C0504D"/>
+              <a:srgbClr val="0066FF"/>
             </a:solidFill>
             <a:round/>
           </a:ln>
@@ -18505,818 +19358,27 @@
           </a:effectRef>
           <a:fontRef idx="minor"/>
         </p:style>
-        <p:txBody>
-          <a:bodyPr lIns="90000" tIns="45000" rIns="90000" bIns="45000" anchor="ctr"/>
-          <a:p>
-            <a:pPr algn="ctr">
-              <a:lnSpc>
-                <a:spcPct val="100000"/>
-              </a:lnSpc>
-            </a:pPr>
-            <a:r>
-              <a:rPr lang="en-US" sz="1800" b="1" strike="noStrike" spc="-1">
-                <a:solidFill>
-                  <a:srgbClr val="000000"/>
-                </a:solidFill>
-                <a:uFill>
-                  <a:solidFill>
-                    <a:srgbClr val="FFFFFF"/>
-                  </a:solidFill>
-                </a:uFill>
-                <a:latin typeface="宋体"/>
-                <a:ea typeface="宋体"/>
-              </a:rPr>
-              <a:t>句法信息</a:t>
-            </a:r>
-            <a:endParaRPr lang="en-US" sz="1800" b="0" strike="noStrike" spc="-1">
-              <a:solidFill>
-                <a:srgbClr val="000000"/>
-              </a:solidFill>
-              <a:uFill>
-                <a:solidFill>
-                  <a:srgbClr val="FFFFFF"/>
-                </a:solidFill>
-              </a:uFill>
-              <a:latin typeface="Arial" panose="020B0604020202020204"/>
-            </a:endParaRPr>
-          </a:p>
-        </p:txBody>
-      </p:sp>
-      <p:sp>
-        <p:nvSpPr>
-          <p:cNvPr id="151" name="CustomShape 6"/>
+      </p:sp>
+      <p:sp>
+        <p:nvSpPr>
+          <p:cNvPr id="145" name="CustomShape 6"/>
           <p:cNvSpPr/>
           <p:nvPr/>
         </p:nvSpPr>
         <p:spPr>
           <a:xfrm>
-            <a:off x="5330520" y="3924360"/>
-            <a:ext cx="1527120" cy="607680"/>
+            <a:off x="4416480" y="1679760"/>
+            <a:ext cx="646200" cy="358200"/>
           </a:xfrm>
           <a:prstGeom prst="rect">
             <a:avLst/>
           </a:prstGeom>
-          <a:solidFill>
-            <a:srgbClr val="FFFFFF"/>
-          </a:solidFill>
+          <a:noFill/>
           <a:ln w="25560">
             <a:solidFill>
-              <a:srgbClr val="C0504D"/>
+              <a:srgbClr val="0066FF"/>
             </a:solidFill>
             <a:round/>
-          </a:ln>
-        </p:spPr>
-        <p:style>
-          <a:lnRef idx="0">
-            <a:srgbClr val="FFFFFF"/>
-          </a:lnRef>
-          <a:fillRef idx="0">
-            <a:srgbClr val="FFFFFF"/>
-          </a:fillRef>
-          <a:effectRef idx="0">
-            <a:srgbClr val="FFFFFF"/>
-          </a:effectRef>
-          <a:fontRef idx="minor"/>
-        </p:style>
-        <p:txBody>
-          <a:bodyPr lIns="90000" tIns="45000" rIns="90000" bIns="45000" anchor="ctr"/>
-          <a:p>
-            <a:pPr algn="ctr">
-              <a:lnSpc>
-                <a:spcPct val="100000"/>
-              </a:lnSpc>
-            </a:pPr>
-            <a:r>
-              <a:rPr lang="en-US" sz="1800" b="1" strike="noStrike" spc="-1">
-                <a:solidFill>
-                  <a:srgbClr val="000000"/>
-                </a:solidFill>
-                <a:uFill>
-                  <a:solidFill>
-                    <a:srgbClr val="FFFFFF"/>
-                  </a:solidFill>
-                </a:uFill>
-                <a:latin typeface="宋体"/>
-                <a:ea typeface="宋体"/>
-              </a:rPr>
-              <a:t>语义信息</a:t>
-            </a:r>
-            <a:endParaRPr lang="en-US" sz="1800" b="0" strike="noStrike" spc="-1">
-              <a:solidFill>
-                <a:srgbClr val="000000"/>
-              </a:solidFill>
-              <a:uFill>
-                <a:solidFill>
-                  <a:srgbClr val="FFFFFF"/>
-                </a:solidFill>
-              </a:uFill>
-              <a:latin typeface="Arial" panose="020B0604020202020204"/>
-            </a:endParaRPr>
-          </a:p>
-        </p:txBody>
-      </p:sp>
-      <p:sp>
-        <p:nvSpPr>
-          <p:cNvPr id="152" name="CustomShape 7"/>
-          <p:cNvSpPr/>
-          <p:nvPr/>
-        </p:nvSpPr>
-        <p:spPr>
-          <a:xfrm>
-            <a:off x="2771640" y="6030360"/>
-            <a:ext cx="3063960" cy="324720"/>
-          </a:xfrm>
-          <a:prstGeom prst="rect">
-            <a:avLst/>
-          </a:prstGeom>
-          <a:solidFill>
-            <a:srgbClr val="FFFFFF"/>
-          </a:solidFill>
-          <a:ln w="25560">
-            <a:solidFill>
-              <a:srgbClr val="4F81BD"/>
-            </a:solidFill>
-            <a:round/>
-          </a:ln>
-        </p:spPr>
-        <p:style>
-          <a:lnRef idx="0">
-            <a:srgbClr val="FFFFFF"/>
-          </a:lnRef>
-          <a:fillRef idx="0">
-            <a:srgbClr val="FFFFFF"/>
-          </a:fillRef>
-          <a:effectRef idx="0">
-            <a:srgbClr val="FFFFFF"/>
-          </a:effectRef>
-          <a:fontRef idx="minor"/>
-        </p:style>
-        <p:txBody>
-          <a:bodyPr lIns="90000" tIns="45000" rIns="90000" bIns="45000" anchor="ctr"/>
-          <a:p>
-            <a:pPr algn="ctr">
-              <a:lnSpc>
-                <a:spcPct val="100000"/>
-              </a:lnSpc>
-            </a:pPr>
-            <a:r>
-              <a:rPr lang="en-US" sz="1800" b="1" strike="noStrike" spc="-1">
-                <a:solidFill>
-                  <a:srgbClr val="000000"/>
-                </a:solidFill>
-                <a:uFill>
-                  <a:solidFill>
-                    <a:srgbClr val="FFFFFF"/>
-                  </a:solidFill>
-                </a:uFill>
-                <a:latin typeface="宋体"/>
-                <a:ea typeface="宋体"/>
-              </a:rPr>
-              <a:t>语句</a:t>
-            </a:r>
-            <a:endParaRPr lang="en-US" sz="1800" b="0" strike="noStrike" spc="-1">
-              <a:solidFill>
-                <a:srgbClr val="000000"/>
-              </a:solidFill>
-              <a:uFill>
-                <a:solidFill>
-                  <a:srgbClr val="FFFFFF"/>
-                </a:solidFill>
-              </a:uFill>
-              <a:latin typeface="Arial" panose="020B0604020202020204"/>
-            </a:endParaRPr>
-          </a:p>
-        </p:txBody>
-      </p:sp>
-      <p:sp>
-        <p:nvSpPr>
-          <p:cNvPr id="153" name="CustomShape 8"/>
-          <p:cNvSpPr/>
-          <p:nvPr/>
-        </p:nvSpPr>
-        <p:spPr>
-          <a:xfrm>
-            <a:off x="3548160" y="4852080"/>
-            <a:ext cx="1317600" cy="858600"/>
-          </a:xfrm>
-          <a:prstGeom prst="diamond">
-            <a:avLst/>
-          </a:prstGeom>
-          <a:solidFill>
-            <a:srgbClr val="FFFFFF"/>
-          </a:solidFill>
-          <a:ln w="25560">
-            <a:solidFill>
-              <a:srgbClr val="FF3300"/>
-            </a:solidFill>
-            <a:round/>
-          </a:ln>
-        </p:spPr>
-        <p:style>
-          <a:lnRef idx="0">
-            <a:srgbClr val="FFFFFF"/>
-          </a:lnRef>
-          <a:fillRef idx="0">
-            <a:srgbClr val="FFFFFF"/>
-          </a:fillRef>
-          <a:effectRef idx="0">
-            <a:srgbClr val="FFFFFF"/>
-          </a:effectRef>
-          <a:fontRef idx="minor"/>
-        </p:style>
-        <p:txBody>
-          <a:bodyPr lIns="90000" tIns="45000" rIns="90000" bIns="45000" anchor="ctr"/>
-          <a:p>
-            <a:pPr algn="ctr">
-              <a:lnSpc>
-                <a:spcPct val="100000"/>
-              </a:lnSpc>
-            </a:pPr>
-            <a:r>
-              <a:rPr lang="en-US" sz="1800" b="1" strike="noStrike" spc="-1">
-                <a:solidFill>
-                  <a:srgbClr val="000000"/>
-                </a:solidFill>
-                <a:uFill>
-                  <a:solidFill>
-                    <a:srgbClr val="FFFFFF"/>
-                  </a:solidFill>
-                </a:uFill>
-                <a:latin typeface="宋体"/>
-                <a:ea typeface="宋体"/>
-              </a:rPr>
-              <a:t>语句解析</a:t>
-            </a:r>
-            <a:endParaRPr lang="en-US" sz="1800" b="0" strike="noStrike" spc="-1">
-              <a:solidFill>
-                <a:srgbClr val="000000"/>
-              </a:solidFill>
-              <a:uFill>
-                <a:solidFill>
-                  <a:srgbClr val="FFFFFF"/>
-                </a:solidFill>
-              </a:uFill>
-              <a:latin typeface="Arial" panose="020B0604020202020204"/>
-            </a:endParaRPr>
-          </a:p>
-        </p:txBody>
-      </p:sp>
-      <p:sp>
-        <p:nvSpPr>
-          <p:cNvPr id="154" name="CustomShape 9"/>
-          <p:cNvSpPr/>
-          <p:nvPr/>
-        </p:nvSpPr>
-        <p:spPr>
-          <a:xfrm flipV="1">
-            <a:off x="4208040" y="5710320"/>
-            <a:ext cx="15120" cy="316440"/>
-          </a:xfrm>
-          <a:custGeom>
-            <a:avLst/>
-            <a:gdLst/>
-            <a:ahLst/>
-            <a:cxnLst/>
-            <a:rect l="l" t="t" r="r" b="b"/>
-            <a:pathLst>
-              <a:path w="21600" h="21600">
-                <a:moveTo>
-                  <a:pt x="0" y="0"/>
-                </a:moveTo>
-                <a:lnTo>
-                  <a:pt x="21600" y="21600"/>
-                </a:lnTo>
-              </a:path>
-            </a:pathLst>
-          </a:custGeom>
-          <a:noFill/>
-          <a:ln w="57240">
-            <a:solidFill>
-              <a:srgbClr val="31859C"/>
-            </a:solidFill>
-            <a:round/>
-            <a:tailEnd type="triangle" w="med" len="med"/>
-          </a:ln>
-        </p:spPr>
-        <p:style>
-          <a:lnRef idx="0">
-            <a:srgbClr val="FFFFFF"/>
-          </a:lnRef>
-          <a:fillRef idx="0">
-            <a:srgbClr val="FFFFFF"/>
-          </a:fillRef>
-          <a:effectRef idx="0">
-            <a:srgbClr val="FFFFFF"/>
-          </a:effectRef>
-          <a:fontRef idx="minor"/>
-        </p:style>
-      </p:sp>
-      <p:sp>
-        <p:nvSpPr>
-          <p:cNvPr id="155" name="CustomShape 10"/>
-          <p:cNvSpPr/>
-          <p:nvPr/>
-        </p:nvSpPr>
-        <p:spPr>
-          <a:xfrm flipH="1" flipV="1">
-            <a:off x="2321280" y="4532040"/>
-            <a:ext cx="1222920" cy="746280"/>
-          </a:xfrm>
-          <a:custGeom>
-            <a:avLst/>
-            <a:gdLst/>
-            <a:ahLst/>
-            <a:cxnLst/>
-            <a:rect l="l" t="t" r="r" b="b"/>
-            <a:pathLst>
-              <a:path w="21600" h="21600">
-                <a:moveTo>
-                  <a:pt x="0" y="0"/>
-                </a:moveTo>
-                <a:lnTo>
-                  <a:pt x="21600" y="21600"/>
-                </a:lnTo>
-              </a:path>
-            </a:pathLst>
-          </a:custGeom>
-          <a:noFill/>
-          <a:ln w="57240">
-            <a:solidFill>
-              <a:srgbClr val="31859C"/>
-            </a:solidFill>
-            <a:round/>
-            <a:tailEnd type="triangle" w="med" len="med"/>
-          </a:ln>
-        </p:spPr>
-        <p:style>
-          <a:lnRef idx="0">
-            <a:srgbClr val="FFFFFF"/>
-          </a:lnRef>
-          <a:fillRef idx="0">
-            <a:srgbClr val="FFFFFF"/>
-          </a:fillRef>
-          <a:effectRef idx="0">
-            <a:srgbClr val="FFFFFF"/>
-          </a:effectRef>
-          <a:fontRef idx="minor"/>
-        </p:style>
-      </p:sp>
-      <p:sp>
-        <p:nvSpPr>
-          <p:cNvPr id="156" name="CustomShape 11"/>
-          <p:cNvSpPr/>
-          <p:nvPr/>
-        </p:nvSpPr>
-        <p:spPr>
-          <a:xfrm flipV="1">
-            <a:off x="4208040" y="4531320"/>
-            <a:ext cx="360" cy="300240"/>
-          </a:xfrm>
-          <a:custGeom>
-            <a:avLst/>
-            <a:gdLst/>
-            <a:ahLst/>
-            <a:cxnLst/>
-            <a:rect l="l" t="t" r="r" b="b"/>
-            <a:pathLst>
-              <a:path w="21600" h="21600">
-                <a:moveTo>
-                  <a:pt x="0" y="0"/>
-                </a:moveTo>
-                <a:lnTo>
-                  <a:pt x="21600" y="21600"/>
-                </a:lnTo>
-              </a:path>
-            </a:pathLst>
-          </a:custGeom>
-          <a:noFill/>
-          <a:ln w="57240">
-            <a:solidFill>
-              <a:srgbClr val="31859C"/>
-            </a:solidFill>
-            <a:round/>
-            <a:tailEnd type="triangle" w="med" len="med"/>
-          </a:ln>
-        </p:spPr>
-        <p:style>
-          <a:lnRef idx="0">
-            <a:srgbClr val="FFFFFF"/>
-          </a:lnRef>
-          <a:fillRef idx="0">
-            <a:srgbClr val="FFFFFF"/>
-          </a:fillRef>
-          <a:effectRef idx="0">
-            <a:srgbClr val="FFFFFF"/>
-          </a:effectRef>
-          <a:fontRef idx="minor"/>
-        </p:style>
-      </p:sp>
-      <p:sp>
-        <p:nvSpPr>
-          <p:cNvPr id="157" name="CustomShape 12"/>
-          <p:cNvSpPr/>
-          <p:nvPr/>
-        </p:nvSpPr>
-        <p:spPr>
-          <a:xfrm flipV="1">
-            <a:off x="4867560" y="4531320"/>
-            <a:ext cx="1225440" cy="757440"/>
-          </a:xfrm>
-          <a:custGeom>
-            <a:avLst/>
-            <a:gdLst/>
-            <a:ahLst/>
-            <a:cxnLst/>
-            <a:rect l="l" t="t" r="r" b="b"/>
-            <a:pathLst>
-              <a:path w="21600" h="21600">
-                <a:moveTo>
-                  <a:pt x="0" y="0"/>
-                </a:moveTo>
-                <a:lnTo>
-                  <a:pt x="21600" y="21600"/>
-                </a:lnTo>
-              </a:path>
-            </a:pathLst>
-          </a:custGeom>
-          <a:noFill/>
-          <a:ln w="57240">
-            <a:solidFill>
-              <a:srgbClr val="31859C"/>
-            </a:solidFill>
-            <a:round/>
-            <a:tailEnd type="triangle" w="med" len="med"/>
-          </a:ln>
-        </p:spPr>
-        <p:style>
-          <a:lnRef idx="0">
-            <a:srgbClr val="FFFFFF"/>
-          </a:lnRef>
-          <a:fillRef idx="0">
-            <a:srgbClr val="FFFFFF"/>
-          </a:fillRef>
-          <a:effectRef idx="0">
-            <a:srgbClr val="FFFFFF"/>
-          </a:effectRef>
-          <a:fontRef idx="minor"/>
-        </p:style>
-      </p:sp>
-      <p:sp>
-        <p:nvSpPr>
-          <p:cNvPr id="158" name="CustomShape 13"/>
-          <p:cNvSpPr/>
-          <p:nvPr/>
-        </p:nvSpPr>
-        <p:spPr>
-          <a:xfrm>
-            <a:off x="3293640" y="2819520"/>
-            <a:ext cx="1827000" cy="836280"/>
-          </a:xfrm>
-          <a:prstGeom prst="ellipse">
-            <a:avLst/>
-          </a:prstGeom>
-          <a:solidFill>
-            <a:srgbClr val="FFFFFF"/>
-          </a:solidFill>
-          <a:ln w="25560">
-            <a:solidFill>
-              <a:srgbClr val="C00000"/>
-            </a:solidFill>
-            <a:round/>
-          </a:ln>
-        </p:spPr>
-        <p:style>
-          <a:lnRef idx="0">
-            <a:srgbClr val="FFFFFF"/>
-          </a:lnRef>
-          <a:fillRef idx="0">
-            <a:srgbClr val="FFFFFF"/>
-          </a:fillRef>
-          <a:effectRef idx="0">
-            <a:srgbClr val="FFFFFF"/>
-          </a:effectRef>
-          <a:fontRef idx="minor"/>
-        </p:style>
-        <p:txBody>
-          <a:bodyPr lIns="90000" tIns="45000" rIns="90000" bIns="45000" anchor="ctr"/>
-          <a:p>
-            <a:pPr algn="ctr">
-              <a:lnSpc>
-                <a:spcPct val="100000"/>
-              </a:lnSpc>
-            </a:pPr>
-            <a:r>
-              <a:rPr lang="en-US" sz="1800" b="1" strike="noStrike" spc="-1">
-                <a:solidFill>
-                  <a:srgbClr val="000000"/>
-                </a:solidFill>
-                <a:uFill>
-                  <a:solidFill>
-                    <a:srgbClr val="FFFFFF"/>
-                  </a:solidFill>
-                </a:uFill>
-                <a:latin typeface="宋体"/>
-                <a:ea typeface="宋体"/>
-              </a:rPr>
-              <a:t>关系提取模型</a:t>
-            </a:r>
-            <a:endParaRPr lang="en-US" sz="1800" b="0" strike="noStrike" spc="-1">
-              <a:solidFill>
-                <a:srgbClr val="000000"/>
-              </a:solidFill>
-              <a:uFill>
-                <a:solidFill>
-                  <a:srgbClr val="FFFFFF"/>
-                </a:solidFill>
-              </a:uFill>
-              <a:latin typeface="Arial" panose="020B0604020202020204"/>
-            </a:endParaRPr>
-          </a:p>
-        </p:txBody>
-      </p:sp>
-      <p:sp>
-        <p:nvSpPr>
-          <p:cNvPr id="159" name="CustomShape 14"/>
-          <p:cNvSpPr/>
-          <p:nvPr/>
-        </p:nvSpPr>
-        <p:spPr>
-          <a:xfrm flipV="1">
-            <a:off x="4208040" y="3654720"/>
-            <a:ext cx="360" cy="264960"/>
-          </a:xfrm>
-          <a:custGeom>
-            <a:avLst/>
-            <a:gdLst/>
-            <a:ahLst/>
-            <a:cxnLst/>
-            <a:rect l="l" t="t" r="r" b="b"/>
-            <a:pathLst>
-              <a:path w="21600" h="21600">
-                <a:moveTo>
-                  <a:pt x="0" y="0"/>
-                </a:moveTo>
-                <a:lnTo>
-                  <a:pt x="21600" y="21600"/>
-                </a:lnTo>
-              </a:path>
-            </a:pathLst>
-          </a:custGeom>
-          <a:noFill/>
-          <a:ln w="57240">
-            <a:solidFill>
-              <a:srgbClr val="31859C"/>
-            </a:solidFill>
-            <a:round/>
-            <a:tailEnd type="triangle" w="med" len="med"/>
-          </a:ln>
-        </p:spPr>
-        <p:style>
-          <a:lnRef idx="0">
-            <a:srgbClr val="FFFFFF"/>
-          </a:lnRef>
-          <a:fillRef idx="0">
-            <a:srgbClr val="FFFFFF"/>
-          </a:fillRef>
-          <a:effectRef idx="0">
-            <a:srgbClr val="FFFFFF"/>
-          </a:effectRef>
-          <a:fontRef idx="minor"/>
-        </p:style>
-      </p:sp>
-      <p:sp>
-        <p:nvSpPr>
-          <p:cNvPr id="160" name="CustomShape 15"/>
-          <p:cNvSpPr/>
-          <p:nvPr/>
-        </p:nvSpPr>
-        <p:spPr>
-          <a:xfrm flipV="1">
-            <a:off x="4208040" y="2586600"/>
-            <a:ext cx="360" cy="228240"/>
-          </a:xfrm>
-          <a:custGeom>
-            <a:avLst/>
-            <a:gdLst/>
-            <a:ahLst/>
-            <a:cxnLst/>
-            <a:rect l="l" t="t" r="r" b="b"/>
-            <a:pathLst>
-              <a:path w="21600" h="21600">
-                <a:moveTo>
-                  <a:pt x="0" y="0"/>
-                </a:moveTo>
-                <a:lnTo>
-                  <a:pt x="21600" y="21600"/>
-                </a:lnTo>
-              </a:path>
-            </a:pathLst>
-          </a:custGeom>
-          <a:noFill/>
-          <a:ln w="57240">
-            <a:solidFill>
-              <a:srgbClr val="31859C"/>
-            </a:solidFill>
-            <a:round/>
-            <a:tailEnd type="triangle" w="med" len="med"/>
-          </a:ln>
-        </p:spPr>
-        <p:style>
-          <a:lnRef idx="0">
-            <a:srgbClr val="FFFFFF"/>
-          </a:lnRef>
-          <a:fillRef idx="0">
-            <a:srgbClr val="FFFFFF"/>
-          </a:fillRef>
-          <a:effectRef idx="0">
-            <a:srgbClr val="FFFFFF"/>
-          </a:effectRef>
-          <a:fontRef idx="minor"/>
-        </p:style>
-      </p:sp>
-      <p:sp>
-        <p:nvSpPr>
-          <p:cNvPr id="161" name="CustomShape 16"/>
-          <p:cNvSpPr/>
-          <p:nvPr/>
-        </p:nvSpPr>
-        <p:spPr>
-          <a:xfrm>
-            <a:off x="3721570" y="1702545"/>
-            <a:ext cx="988920" cy="909720"/>
-          </a:xfrm>
-          <a:prstGeom prst="can">
-            <a:avLst>
-              <a:gd name="adj" fmla="val 25000"/>
-            </a:avLst>
-          </a:prstGeom>
-          <a:solidFill>
-            <a:srgbClr val="FFFFFF"/>
-          </a:solidFill>
-          <a:ln w="25560">
-            <a:solidFill>
-              <a:srgbClr val="C0504D"/>
-            </a:solidFill>
-            <a:round/>
-          </a:ln>
-        </p:spPr>
-        <p:style>
-          <a:lnRef idx="0">
-            <a:srgbClr val="FFFFFF"/>
-          </a:lnRef>
-          <a:fillRef idx="0">
-            <a:srgbClr val="FFFFFF"/>
-          </a:fillRef>
-          <a:effectRef idx="0">
-            <a:srgbClr val="FFFFFF"/>
-          </a:effectRef>
-          <a:fontRef idx="minor"/>
-        </p:style>
-        <p:txBody>
-          <a:bodyPr lIns="90000" tIns="45000" rIns="90000" bIns="45000" anchor="ctr"/>
-          <a:p>
-            <a:pPr algn="ctr">
-              <a:lnSpc>
-                <a:spcPct val="100000"/>
-              </a:lnSpc>
-            </a:pPr>
-            <a:r>
-              <a:rPr lang="en-US" sz="1800" b="1" strike="noStrike" spc="-1">
-                <a:solidFill>
-                  <a:srgbClr val="000000"/>
-                </a:solidFill>
-                <a:uFill>
-                  <a:solidFill>
-                    <a:srgbClr val="FFFFFF"/>
-                  </a:solidFill>
-                </a:uFill>
-                <a:latin typeface="宋体"/>
-                <a:ea typeface="宋体"/>
-              </a:rPr>
-              <a:t>关系提取结果</a:t>
-            </a:r>
-            <a:endParaRPr lang="en-US" sz="1800" b="0" strike="noStrike" spc="-1">
-              <a:solidFill>
-                <a:srgbClr val="000000"/>
-              </a:solidFill>
-              <a:uFill>
-                <a:solidFill>
-                  <a:srgbClr val="FFFFFF"/>
-                </a:solidFill>
-              </a:uFill>
-              <a:latin typeface="Arial" panose="020B0604020202020204"/>
-            </a:endParaRPr>
-          </a:p>
-        </p:txBody>
-      </p:sp>
-      <p:sp>
-        <p:nvSpPr>
-          <p:cNvPr id="162" name="CustomShape 17"/>
-          <p:cNvSpPr/>
-          <p:nvPr/>
-        </p:nvSpPr>
-        <p:spPr>
-          <a:xfrm>
-            <a:off x="6300360" y="2612520"/>
-            <a:ext cx="1979280" cy="1022040"/>
-          </a:xfrm>
-          <a:prstGeom prst="cloud">
-            <a:avLst/>
-          </a:prstGeom>
-          <a:solidFill>
-            <a:srgbClr val="FFFFFF"/>
-          </a:solidFill>
-          <a:ln w="25560">
-            <a:solidFill>
-              <a:srgbClr val="FF3300"/>
-            </a:solidFill>
-            <a:round/>
-          </a:ln>
-        </p:spPr>
-        <p:style>
-          <a:lnRef idx="0">
-            <a:srgbClr val="FFFFFF"/>
-          </a:lnRef>
-          <a:fillRef idx="0">
-            <a:srgbClr val="FFFFFF"/>
-          </a:fillRef>
-          <a:effectRef idx="0">
-            <a:srgbClr val="FFFFFF"/>
-          </a:effectRef>
-          <a:fontRef idx="minor"/>
-        </p:style>
-        <p:txBody>
-          <a:bodyPr lIns="90000" tIns="45000" rIns="90000" bIns="45000" anchor="ctr"/>
-          <a:p>
-            <a:pPr algn="ctr">
-              <a:lnSpc>
-                <a:spcPct val="100000"/>
-              </a:lnSpc>
-            </a:pPr>
-            <a:r>
-              <a:rPr lang="en-US" sz="1800" b="1" strike="noStrike" spc="-1">
-                <a:solidFill>
-                  <a:srgbClr val="000000"/>
-                </a:solidFill>
-                <a:uFill>
-                  <a:solidFill>
-                    <a:srgbClr val="FFFFFF"/>
-                  </a:solidFill>
-                </a:uFill>
-                <a:latin typeface="宋体"/>
-                <a:ea typeface="宋体"/>
-              </a:rPr>
-              <a:t>远程监督</a:t>
-            </a:r>
-            <a:endParaRPr lang="en-US" sz="1800" b="0" strike="noStrike" spc="-1">
-              <a:solidFill>
-                <a:srgbClr val="000000"/>
-              </a:solidFill>
-              <a:uFill>
-                <a:solidFill>
-                  <a:srgbClr val="FFFFFF"/>
-                </a:solidFill>
-              </a:uFill>
-              <a:latin typeface="Arial" panose="020B0604020202020204"/>
-            </a:endParaRPr>
-          </a:p>
-        </p:txBody>
-      </p:sp>
-      <p:sp>
-        <p:nvSpPr>
-          <p:cNvPr id="163" name="CustomShape 18"/>
-          <p:cNvSpPr/>
-          <p:nvPr/>
-        </p:nvSpPr>
-        <p:spPr>
-          <a:xfrm flipH="1">
-            <a:off x="5120280" y="3238560"/>
-            <a:ext cx="1222200" cy="360"/>
-          </a:xfrm>
-          <a:custGeom>
-            <a:avLst/>
-            <a:gdLst/>
-            <a:ahLst/>
-            <a:cxnLst/>
-            <a:rect l="l" t="t" r="r" b="b"/>
-            <a:pathLst>
-              <a:path w="21600" h="21600">
-                <a:moveTo>
-                  <a:pt x="0" y="0"/>
-                </a:moveTo>
-                <a:lnTo>
-                  <a:pt x="21600" y="21600"/>
-                </a:lnTo>
-              </a:path>
-            </a:pathLst>
-          </a:custGeom>
-          <a:noFill/>
-          <a:ln w="139680">
-            <a:solidFill>
-              <a:srgbClr val="31859C"/>
-            </a:solidFill>
-            <a:round/>
-            <a:tailEnd type="triangle" w="med" len="med"/>
           </a:ln>
         </p:spPr>
         <p:style>
@@ -19359,14 +19421,114 @@
       </p:grpSpPr>
       <p:sp>
         <p:nvSpPr>
-          <p:cNvPr id="164" name="CustomShape 1"/>
+          <p:cNvPr id="146" name="CustomShape 1"/>
           <p:cNvSpPr/>
           <p:nvPr/>
         </p:nvSpPr>
         <p:spPr>
           <a:xfrm>
-            <a:off x="470880" y="1428840"/>
-            <a:ext cx="7558920" cy="1430280"/>
+            <a:off x="283680" y="159840"/>
+            <a:ext cx="8227800" cy="988920"/>
+          </a:xfrm>
+          <a:prstGeom prst="rect">
+            <a:avLst/>
+          </a:prstGeom>
+          <a:noFill/>
+          <a:ln>
+            <a:noFill/>
+          </a:ln>
+        </p:spPr>
+        <p:style>
+          <a:lnRef idx="0">
+            <a:srgbClr val="FFFFFF"/>
+          </a:lnRef>
+          <a:fillRef idx="0">
+            <a:srgbClr val="FFFFFF"/>
+          </a:fillRef>
+          <a:effectRef idx="0">
+            <a:srgbClr val="FFFFFF"/>
+          </a:effectRef>
+          <a:fontRef idx="minor"/>
+        </p:style>
+        <p:txBody>
+          <a:bodyPr lIns="90000" tIns="45000" rIns="90000" bIns="45000" anchor="b"/>
+          <a:p>
+            <a:pPr>
+              <a:lnSpc>
+                <a:spcPct val="100000"/>
+              </a:lnSpc>
+            </a:pPr>
+            <a:r>
+              <a:rPr lang="en-US" sz="4000" b="0" strike="noStrike" spc="-1">
+                <a:solidFill>
+                  <a:srgbClr val="002060"/>
+                </a:solidFill>
+                <a:uFill>
+                  <a:solidFill>
+                    <a:srgbClr val="FFFFFF"/>
+                  </a:solidFill>
+                </a:uFill>
+                <a:latin typeface="Arial" panose="020B0604020202020204"/>
+                <a:ea typeface="DejaVu Sans" panose="020B0603030804020204"/>
+              </a:rPr>
+              <a:t>关系提取</a:t>
+            </a:r>
+            <a:endParaRPr lang="en-US" sz="1800" b="0" strike="noStrike" spc="-1">
+              <a:solidFill>
+                <a:srgbClr val="000000"/>
+              </a:solidFill>
+              <a:uFill>
+                <a:solidFill>
+                  <a:srgbClr val="FFFFFF"/>
+                </a:solidFill>
+              </a:uFill>
+              <a:latin typeface="Arial" panose="020B0604020202020204"/>
+            </a:endParaRPr>
+          </a:p>
+        </p:txBody>
+      </p:sp>
+      <p:sp>
+        <p:nvSpPr>
+          <p:cNvPr id="147" name="CustomShape 2"/>
+          <p:cNvSpPr/>
+          <p:nvPr/>
+        </p:nvSpPr>
+        <p:spPr>
+          <a:xfrm>
+            <a:off x="612720" y="6375600"/>
+            <a:ext cx="1979280" cy="363960"/>
+          </a:xfrm>
+          <a:prstGeom prst="rect">
+            <a:avLst/>
+          </a:prstGeom>
+          <a:noFill/>
+          <a:ln>
+            <a:noFill/>
+          </a:ln>
+        </p:spPr>
+        <p:style>
+          <a:lnRef idx="0">
+            <a:srgbClr val="FFFFFF"/>
+          </a:lnRef>
+          <a:fillRef idx="0">
+            <a:srgbClr val="FFFFFF"/>
+          </a:fillRef>
+          <a:effectRef idx="0">
+            <a:srgbClr val="FFFFFF"/>
+          </a:effectRef>
+          <a:fontRef idx="minor"/>
+        </p:style>
+      </p:sp>
+      <p:sp>
+        <p:nvSpPr>
+          <p:cNvPr id="148" name="CustomShape 3"/>
+          <p:cNvSpPr/>
+          <p:nvPr/>
+        </p:nvSpPr>
+        <p:spPr>
+          <a:xfrm>
+            <a:off x="283865" y="1270800"/>
+            <a:ext cx="7558920" cy="820440"/>
           </a:xfrm>
           <a:prstGeom prst="rect">
             <a:avLst/>
@@ -19414,7 +19576,22 @@
                 <a:latin typeface="华文新魏"/>
                 <a:ea typeface="华文新魏"/>
               </a:rPr>
-              <a:t>语句分析</a:t>
+              <a:t>技术框架</a:t>
+            </a:r>
+            <a:r>
+              <a:rPr lang="en-US" sz="2000" b="0" strike="noStrike" spc="-1">
+                <a:solidFill>
+                  <a:srgbClr val="000000"/>
+                </a:solidFill>
+                <a:uFill>
+                  <a:solidFill>
+                    <a:srgbClr val="FFFFFF"/>
+                  </a:solidFill>
+                </a:uFill>
+                <a:latin typeface="华文新魏"/>
+                <a:ea typeface="华文新魏"/>
+              </a:rPr>
+              <a:t>        </a:t>
             </a:r>
             <a:endParaRPr lang="en-US" sz="1800" b="0" strike="noStrike" spc="-1">
               <a:solidFill>
@@ -19429,18 +19606,13 @@
             </a:endParaRPr>
           </a:p>
           <a:p>
-            <a:pPr marL="457200" indent="-455295">
+            <a:pPr>
               <a:lnSpc>
                 <a:spcPct val="100000"/>
               </a:lnSpc>
-              <a:buClr>
-                <a:srgbClr val="000000"/>
-              </a:buClr>
-              <a:buFont typeface="Wingdings" panose="05000000000000000000" pitchFamily="2" charset="2"/>
-              <a:buChar char=""/>
-            </a:pPr>
-            <a:r>
-              <a:rPr lang="en-US" sz="2000" b="1" strike="noStrike" spc="-1">
+            </a:pPr>
+            <a:r>
+              <a:rPr lang="en-US" sz="2000" b="0" strike="noStrike" spc="-1">
                 <a:solidFill>
                   <a:srgbClr val="000000"/>
                 </a:solidFill>
@@ -19452,7 +19624,7 @@
                 <a:latin typeface="华文新魏"/>
                 <a:ea typeface="华文新魏"/>
               </a:rPr>
-              <a:t>通过生成语句的句法分析树，可以获得语句的词法信息和句法信息。</a:t>
+              <a:t>        </a:t>
             </a:r>
             <a:endParaRPr lang="en-US" sz="1800" b="0" strike="noStrike" spc="-1">
               <a:solidFill>
@@ -19466,95 +19638,30 @@
               <a:latin typeface="Arial" panose="020B0604020202020204"/>
             </a:endParaRPr>
           </a:p>
-          <a:p>
-            <a:pPr marL="457200" indent="-455295">
-              <a:lnSpc>
-                <a:spcPct val="100000"/>
-              </a:lnSpc>
-              <a:buClr>
-                <a:srgbClr val="000000"/>
-              </a:buClr>
-              <a:buFont typeface="Wingdings" panose="05000000000000000000" pitchFamily="2" charset="2"/>
-              <a:buChar char=""/>
-            </a:pPr>
-            <a:r>
-              <a:rPr lang="en-US" sz="2000" b="1" strike="noStrike" spc="-1">
-                <a:solidFill>
-                  <a:srgbClr val="000000"/>
-                </a:solidFill>
-                <a:uFill>
-                  <a:solidFill>
-                    <a:srgbClr val="FFFFFF"/>
-                  </a:solidFill>
-                </a:uFill>
-                <a:latin typeface="华文新魏"/>
-                <a:ea typeface="华文新魏"/>
-              </a:rPr>
-              <a:t>通过语句的特定结构可以获得语句的语义信息。</a:t>
-            </a:r>
-            <a:endParaRPr lang="en-US" sz="1800" b="0" strike="noStrike" spc="-1">
-              <a:solidFill>
-                <a:srgbClr val="000000"/>
-              </a:solidFill>
-              <a:uFill>
-                <a:solidFill>
-                  <a:srgbClr val="FFFFFF"/>
-                </a:solidFill>
-              </a:uFill>
-              <a:latin typeface="Arial" panose="020B0604020202020204"/>
-            </a:endParaRPr>
-          </a:p>
         </p:txBody>
       </p:sp>
       <p:sp>
         <p:nvSpPr>
-          <p:cNvPr id="165" name="CustomShape 2"/>
+          <p:cNvPr id="149" name="CustomShape 4"/>
           <p:cNvSpPr/>
           <p:nvPr/>
         </p:nvSpPr>
         <p:spPr>
           <a:xfrm>
-            <a:off x="612720" y="6375600"/>
-            <a:ext cx="1979280" cy="363960"/>
+            <a:off x="1630800" y="3900960"/>
+            <a:ext cx="1522080" cy="607680"/>
           </a:xfrm>
           <a:prstGeom prst="rect">
             <a:avLst/>
           </a:prstGeom>
-          <a:noFill/>
-          <a:ln>
-            <a:noFill/>
-          </a:ln>
-        </p:spPr>
-        <p:style>
-          <a:lnRef idx="0">
-            <a:srgbClr val="FFFFFF"/>
-          </a:lnRef>
-          <a:fillRef idx="0">
-            <a:srgbClr val="FFFFFF"/>
-          </a:fillRef>
-          <a:effectRef idx="0">
-            <a:srgbClr val="FFFFFF"/>
-          </a:effectRef>
-          <a:fontRef idx="minor"/>
-        </p:style>
-      </p:sp>
-      <p:sp>
-        <p:nvSpPr>
-          <p:cNvPr id="166" name="CustomShape 3"/>
-          <p:cNvSpPr/>
-          <p:nvPr/>
-        </p:nvSpPr>
-        <p:spPr>
-          <a:xfrm>
-            <a:off x="457200" y="152280"/>
-            <a:ext cx="8227800" cy="988920"/>
-          </a:xfrm>
-          <a:prstGeom prst="rect">
-            <a:avLst/>
-          </a:prstGeom>
-          <a:noFill/>
-          <a:ln>
-            <a:noFill/>
+          <a:solidFill>
+            <a:srgbClr val="FFFFFF"/>
+          </a:solidFill>
+          <a:ln w="25560">
+            <a:solidFill>
+              <a:srgbClr val="C0504D"/>
+            </a:solidFill>
+            <a:round/>
           </a:ln>
         </p:spPr>
         <p:style>
@@ -19570,27 +19677,27 @@
           <a:fontRef idx="minor"/>
         </p:style>
         <p:txBody>
-          <a:bodyPr lIns="90000" tIns="45000" rIns="90000" bIns="45000" anchor="b"/>
-          <a:p>
-            <a:pPr>
+          <a:bodyPr lIns="90000" tIns="45000" rIns="90000" bIns="45000" anchor="ctr"/>
+          <a:p>
+            <a:pPr algn="ctr">
               <a:lnSpc>
                 <a:spcPct val="100000"/>
               </a:lnSpc>
             </a:pPr>
             <a:r>
-              <a:rPr lang="en-US" sz="4000" b="0" strike="noStrike" spc="-1">
-                <a:solidFill>
-                  <a:srgbClr val="002060"/>
-                </a:solidFill>
-                <a:uFill>
-                  <a:solidFill>
-                    <a:srgbClr val="FFFFFF"/>
-                  </a:solidFill>
-                </a:uFill>
-                <a:latin typeface="黑体"/>
-                <a:ea typeface="黑体"/>
-              </a:rPr>
-              <a:t>关系提取</a:t>
+              <a:rPr lang="en-US" sz="1800" b="1" strike="noStrike" spc="-1">
+                <a:solidFill>
+                  <a:srgbClr val="000000"/>
+                </a:solidFill>
+                <a:uFill>
+                  <a:solidFill>
+                    <a:srgbClr val="FFFFFF"/>
+                  </a:solidFill>
+                </a:uFill>
+                <a:latin typeface="宋体"/>
+                <a:ea typeface="宋体"/>
+              </a:rPr>
+              <a:t>词法信息</a:t>
             </a:r>
             <a:endParaRPr lang="en-US" sz="1800" b="0" strike="noStrike" spc="-1">
               <a:solidFill>
@@ -19608,21 +19715,26 @@
       </p:sp>
       <p:sp>
         <p:nvSpPr>
-          <p:cNvPr id="167" name="CustomShape 4"/>
+          <p:cNvPr id="150" name="CustomShape 5"/>
           <p:cNvSpPr/>
           <p:nvPr/>
         </p:nvSpPr>
         <p:spPr>
           <a:xfrm>
-            <a:off x="457200" y="2842560"/>
-            <a:ext cx="7829280" cy="3534120"/>
+            <a:off x="3445920" y="3924360"/>
+            <a:ext cx="1522080" cy="607680"/>
           </a:xfrm>
           <a:prstGeom prst="rect">
             <a:avLst/>
           </a:prstGeom>
-          <a:noFill/>
-          <a:ln>
-            <a:noFill/>
+          <a:solidFill>
+            <a:srgbClr val="FFFFFF"/>
+          </a:solidFill>
+          <a:ln w="25560">
+            <a:solidFill>
+              <a:srgbClr val="C0504D"/>
+            </a:solidFill>
+            <a:round/>
           </a:ln>
         </p:spPr>
         <p:style>
@@ -19638,47 +19750,27 @@
           <a:fontRef idx="minor"/>
         </p:style>
         <p:txBody>
-          <a:bodyPr lIns="90000" tIns="45000" rIns="90000" bIns="45000"/>
-          <a:p>
-            <a:pPr marL="457200" indent="-455295">
+          <a:bodyPr lIns="90000" tIns="45000" rIns="90000" bIns="45000" anchor="ctr"/>
+          <a:p>
+            <a:pPr algn="ctr">
               <a:lnSpc>
                 <a:spcPct val="100000"/>
               </a:lnSpc>
-              <a:buClr>
-                <a:srgbClr val="0070C0"/>
-              </a:buClr>
-              <a:buFont typeface="Wingdings" panose="05000000000000000000" pitchFamily="2" charset="2"/>
-              <a:buChar char=""/>
-            </a:pPr>
-            <a:r>
-              <a:rPr lang="en-US" sz="2800" b="1" strike="noStrike" spc="-1">
-                <a:solidFill>
-                  <a:srgbClr val="0070C0"/>
-                </a:solidFill>
-                <a:uFill>
-                  <a:solidFill>
-                    <a:srgbClr val="FFFFFF"/>
-                  </a:solidFill>
-                </a:uFill>
-                <a:latin typeface="华文新魏"/>
-                <a:ea typeface="华文新魏"/>
-              </a:rPr>
-              <a:t>关系提取模型</a:t>
-            </a:r>
-            <a:r>
-              <a:rPr lang="en-US" sz="2000" b="0" strike="noStrike" spc="-1">
-                <a:solidFill>
-                  <a:srgbClr val="000000"/>
-                </a:solidFill>
-                <a:uFill>
-                  <a:solidFill>
-                    <a:srgbClr val="FFFFFF"/>
-                  </a:solidFill>
-                </a:uFill>
-                <a:latin typeface="华文新魏"/>
-                <a:ea typeface="华文新魏"/>
-              </a:rPr>
-              <a:t>    </a:t>
+            </a:pPr>
+            <a:r>
+              <a:rPr lang="en-US" sz="1800" b="1" strike="noStrike" spc="-1">
+                <a:solidFill>
+                  <a:srgbClr val="000000"/>
+                </a:solidFill>
+                <a:uFill>
+                  <a:solidFill>
+                    <a:srgbClr val="FFFFFF"/>
+                  </a:solidFill>
+                </a:uFill>
+                <a:latin typeface="宋体"/>
+                <a:ea typeface="宋体"/>
+              </a:rPr>
+              <a:t>句法信息</a:t>
             </a:r>
             <a:endParaRPr lang="en-US" sz="1800" b="0" strike="noStrike" spc="-1">
               <a:solidFill>
@@ -19692,16 +19784,51 @@
               <a:latin typeface="Arial" panose="020B0604020202020204"/>
             </a:endParaRPr>
           </a:p>
-          <a:p>
-            <a:pPr marL="457200" indent="-455295">
+        </p:txBody>
+      </p:sp>
+      <p:sp>
+        <p:nvSpPr>
+          <p:cNvPr id="151" name="CustomShape 6"/>
+          <p:cNvSpPr/>
+          <p:nvPr/>
+        </p:nvSpPr>
+        <p:spPr>
+          <a:xfrm>
+            <a:off x="5330520" y="3924360"/>
+            <a:ext cx="1527120" cy="607680"/>
+          </a:xfrm>
+          <a:prstGeom prst="rect">
+            <a:avLst/>
+          </a:prstGeom>
+          <a:solidFill>
+            <a:srgbClr val="FFFFFF"/>
+          </a:solidFill>
+          <a:ln w="25560">
+            <a:solidFill>
+              <a:srgbClr val="C0504D"/>
+            </a:solidFill>
+            <a:round/>
+          </a:ln>
+        </p:spPr>
+        <p:style>
+          <a:lnRef idx="0">
+            <a:srgbClr val="FFFFFF"/>
+          </a:lnRef>
+          <a:fillRef idx="0">
+            <a:srgbClr val="FFFFFF"/>
+          </a:fillRef>
+          <a:effectRef idx="0">
+            <a:srgbClr val="FFFFFF"/>
+          </a:effectRef>
+          <a:fontRef idx="minor"/>
+        </p:style>
+        <p:txBody>
+          <a:bodyPr lIns="90000" tIns="45000" rIns="90000" bIns="45000" anchor="ctr"/>
+          <a:p>
+            <a:pPr algn="ctr">
               <a:lnSpc>
                 <a:spcPct val="100000"/>
               </a:lnSpc>
-              <a:buClr>
-                <a:srgbClr val="000000"/>
-              </a:buClr>
-              <a:buFont typeface="Wingdings" panose="05000000000000000000" pitchFamily="2" charset="2"/>
-              <a:buChar char=""/>
             </a:pPr>
             <a:r>
               <a:rPr lang="en-US" sz="1800" b="1" strike="noStrike" spc="-1">
@@ -19713,10 +19840,10 @@
                     <a:srgbClr val="FFFFFF"/>
                   </a:solidFill>
                 </a:uFill>
-                <a:latin typeface="华文新魏"/>
-                <a:ea typeface="华文新魏"/>
-              </a:rPr>
-              <a:t>基于CNN模型实现关系预测</a:t>
+                <a:latin typeface="宋体"/>
+                <a:ea typeface="宋体"/>
+              </a:rPr>
+              <a:t>语义信息</a:t>
             </a:r>
             <a:endParaRPr lang="en-US" sz="1800" b="0" strike="noStrike" spc="-1">
               <a:solidFill>
@@ -19730,56 +19857,66 @@
               <a:latin typeface="Arial" panose="020B0604020202020204"/>
             </a:endParaRPr>
           </a:p>
-          <a:p>
-            <a:pPr>
+        </p:txBody>
+      </p:sp>
+      <p:sp>
+        <p:nvSpPr>
+          <p:cNvPr id="152" name="CustomShape 7"/>
+          <p:cNvSpPr/>
+          <p:nvPr/>
+        </p:nvSpPr>
+        <p:spPr>
+          <a:xfrm>
+            <a:off x="2771640" y="6030360"/>
+            <a:ext cx="3063960" cy="324720"/>
+          </a:xfrm>
+          <a:prstGeom prst="rect">
+            <a:avLst/>
+          </a:prstGeom>
+          <a:solidFill>
+            <a:srgbClr val="FFFFFF"/>
+          </a:solidFill>
+          <a:ln w="25560">
+            <a:solidFill>
+              <a:srgbClr val="4F81BD"/>
+            </a:solidFill>
+            <a:round/>
+          </a:ln>
+        </p:spPr>
+        <p:style>
+          <a:lnRef idx="0">
+            <a:srgbClr val="FFFFFF"/>
+          </a:lnRef>
+          <a:fillRef idx="0">
+            <a:srgbClr val="FFFFFF"/>
+          </a:fillRef>
+          <a:effectRef idx="0">
+            <a:srgbClr val="FFFFFF"/>
+          </a:effectRef>
+          <a:fontRef idx="minor"/>
+        </p:style>
+        <p:txBody>
+          <a:bodyPr lIns="90000" tIns="45000" rIns="90000" bIns="45000" anchor="ctr"/>
+          <a:p>
+            <a:pPr algn="ctr">
               <a:lnSpc>
                 <a:spcPct val="100000"/>
               </a:lnSpc>
             </a:pPr>
             <a:r>
-              <a:rPr lang="en-US" sz="2000" b="0" strike="noStrike" spc="-1">
-                <a:solidFill>
-                  <a:srgbClr val="000000"/>
-                </a:solidFill>
-                <a:uFill>
-                  <a:solidFill>
-                    <a:srgbClr val="FFFFFF"/>
-                  </a:solidFill>
-                </a:uFill>
-                <a:latin typeface="Arial" panose="020B0604020202020204"/>
+              <a:rPr lang="en-US" sz="1800" b="1" strike="noStrike" spc="-1">
+                <a:solidFill>
+                  <a:srgbClr val="000000"/>
+                </a:solidFill>
+                <a:uFill>
+                  <a:solidFill>
+                    <a:srgbClr val="FFFFFF"/>
+                  </a:solidFill>
+                </a:uFill>
+                <a:latin typeface="宋体"/>
                 <a:ea typeface="宋体"/>
               </a:rPr>
-              <a:t>       </a:t>
-            </a:r>
-            <a:r>
-              <a:rPr lang="en-US" sz="1600" b="0" strike="noStrike" spc="-1">
-                <a:solidFill>
-                  <a:srgbClr val="000000"/>
-                </a:solidFill>
-                <a:uFill>
-                  <a:solidFill>
-                    <a:srgbClr val="FFFFFF"/>
-                  </a:solidFill>
-                </a:uFill>
-                <a:latin typeface="Arial" panose="020B0604020202020204"/>
-                <a:ea typeface="宋体"/>
-              </a:rPr>
-              <a:t>包含Pooling层，以及设计了Position Features</a:t>
-            </a:r>
-            <a:r>
-              <a:rPr lang="en-US" sz="2000" b="0" strike="noStrike" spc="-1">
-                <a:solidFill>
-                  <a:srgbClr val="000000"/>
-                </a:solidFill>
-                <a:uFill>
-                  <a:solidFill>
-                    <a:srgbClr val="FFFFFF"/>
-                  </a:solidFill>
-                </a:uFill>
-                <a:latin typeface="Arial" panose="020B0604020202020204"/>
-                <a:ea typeface="宋体"/>
-              </a:rPr>
-              <a:t>。</a:t>
+              <a:t>语句</a:t>
             </a:r>
             <a:endParaRPr lang="en-US" sz="1800" b="0" strike="noStrike" spc="-1">
               <a:solidFill>
@@ -19793,12 +19930,67 @@
               <a:latin typeface="Arial" panose="020B0604020202020204"/>
             </a:endParaRPr>
           </a:p>
-          <a:p>
-            <a:pPr>
+        </p:txBody>
+      </p:sp>
+      <p:sp>
+        <p:nvSpPr>
+          <p:cNvPr id="153" name="CustomShape 8"/>
+          <p:cNvSpPr/>
+          <p:nvPr/>
+        </p:nvSpPr>
+        <p:spPr>
+          <a:xfrm>
+            <a:off x="3548160" y="4852080"/>
+            <a:ext cx="1317600" cy="858600"/>
+          </a:xfrm>
+          <a:prstGeom prst="diamond">
+            <a:avLst/>
+          </a:prstGeom>
+          <a:solidFill>
+            <a:srgbClr val="FFFFFF"/>
+          </a:solidFill>
+          <a:ln w="25560">
+            <a:solidFill>
+              <a:srgbClr val="FF3300"/>
+            </a:solidFill>
+            <a:round/>
+          </a:ln>
+        </p:spPr>
+        <p:style>
+          <a:lnRef idx="0">
+            <a:srgbClr val="FFFFFF"/>
+          </a:lnRef>
+          <a:fillRef idx="0">
+            <a:srgbClr val="FFFFFF"/>
+          </a:fillRef>
+          <a:effectRef idx="0">
+            <a:srgbClr val="FFFFFF"/>
+          </a:effectRef>
+          <a:fontRef idx="minor"/>
+        </p:style>
+        <p:txBody>
+          <a:bodyPr lIns="90000" tIns="45000" rIns="90000" bIns="45000" anchor="ctr"/>
+          <a:p>
+            <a:pPr algn="ctr">
               <a:lnSpc>
                 <a:spcPct val="100000"/>
               </a:lnSpc>
             </a:pPr>
+            <a:r>
+              <a:rPr lang="en-US" sz="1800" b="1" strike="noStrike" spc="-1">
+                <a:solidFill>
+                  <a:srgbClr val="000000"/>
+                </a:solidFill>
+                <a:uFill>
+                  <a:solidFill>
+                    <a:srgbClr val="FFFFFF"/>
+                  </a:solidFill>
+                </a:uFill>
+                <a:latin typeface="宋体"/>
+                <a:ea typeface="宋体"/>
+              </a:rPr>
+              <a:t>语句解析</a:t>
+            </a:r>
             <a:endParaRPr lang="en-US" sz="1800" b="0" strike="noStrike" spc="-1">
               <a:solidFill>
                 <a:srgbClr val="000000"/>
@@ -19811,12 +20003,267 @@
               <a:latin typeface="Arial" panose="020B0604020202020204"/>
             </a:endParaRPr>
           </a:p>
-          <a:p>
-            <a:pPr>
+        </p:txBody>
+      </p:sp>
+      <p:sp>
+        <p:nvSpPr>
+          <p:cNvPr id="154" name="CustomShape 9"/>
+          <p:cNvSpPr/>
+          <p:nvPr/>
+        </p:nvSpPr>
+        <p:spPr>
+          <a:xfrm flipV="1">
+            <a:off x="4208040" y="5710320"/>
+            <a:ext cx="15120" cy="316440"/>
+          </a:xfrm>
+          <a:custGeom>
+            <a:avLst/>
+            <a:gdLst/>
+            <a:ahLst/>
+            <a:cxnLst/>
+            <a:rect l="l" t="t" r="r" b="b"/>
+            <a:pathLst>
+              <a:path w="21600" h="21600">
+                <a:moveTo>
+                  <a:pt x="0" y="0"/>
+                </a:moveTo>
+                <a:lnTo>
+                  <a:pt x="21600" y="21600"/>
+                </a:lnTo>
+              </a:path>
+            </a:pathLst>
+          </a:custGeom>
+          <a:noFill/>
+          <a:ln w="57240">
+            <a:solidFill>
+              <a:srgbClr val="31859C"/>
+            </a:solidFill>
+            <a:round/>
+            <a:tailEnd type="triangle" w="med" len="med"/>
+          </a:ln>
+        </p:spPr>
+        <p:style>
+          <a:lnRef idx="0">
+            <a:srgbClr val="FFFFFF"/>
+          </a:lnRef>
+          <a:fillRef idx="0">
+            <a:srgbClr val="FFFFFF"/>
+          </a:fillRef>
+          <a:effectRef idx="0">
+            <a:srgbClr val="FFFFFF"/>
+          </a:effectRef>
+          <a:fontRef idx="minor"/>
+        </p:style>
+      </p:sp>
+      <p:sp>
+        <p:nvSpPr>
+          <p:cNvPr id="155" name="CustomShape 10"/>
+          <p:cNvSpPr/>
+          <p:nvPr/>
+        </p:nvSpPr>
+        <p:spPr>
+          <a:xfrm flipH="1" flipV="1">
+            <a:off x="2321280" y="4532040"/>
+            <a:ext cx="1222920" cy="746280"/>
+          </a:xfrm>
+          <a:custGeom>
+            <a:avLst/>
+            <a:gdLst/>
+            <a:ahLst/>
+            <a:cxnLst/>
+            <a:rect l="l" t="t" r="r" b="b"/>
+            <a:pathLst>
+              <a:path w="21600" h="21600">
+                <a:moveTo>
+                  <a:pt x="0" y="0"/>
+                </a:moveTo>
+                <a:lnTo>
+                  <a:pt x="21600" y="21600"/>
+                </a:lnTo>
+              </a:path>
+            </a:pathLst>
+          </a:custGeom>
+          <a:noFill/>
+          <a:ln w="57240">
+            <a:solidFill>
+              <a:srgbClr val="31859C"/>
+            </a:solidFill>
+            <a:round/>
+            <a:tailEnd type="triangle" w="med" len="med"/>
+          </a:ln>
+        </p:spPr>
+        <p:style>
+          <a:lnRef idx="0">
+            <a:srgbClr val="FFFFFF"/>
+          </a:lnRef>
+          <a:fillRef idx="0">
+            <a:srgbClr val="FFFFFF"/>
+          </a:fillRef>
+          <a:effectRef idx="0">
+            <a:srgbClr val="FFFFFF"/>
+          </a:effectRef>
+          <a:fontRef idx="minor"/>
+        </p:style>
+      </p:sp>
+      <p:sp>
+        <p:nvSpPr>
+          <p:cNvPr id="156" name="CustomShape 11"/>
+          <p:cNvSpPr/>
+          <p:nvPr/>
+        </p:nvSpPr>
+        <p:spPr>
+          <a:xfrm flipV="1">
+            <a:off x="4208040" y="4531320"/>
+            <a:ext cx="360" cy="300240"/>
+          </a:xfrm>
+          <a:custGeom>
+            <a:avLst/>
+            <a:gdLst/>
+            <a:ahLst/>
+            <a:cxnLst/>
+            <a:rect l="l" t="t" r="r" b="b"/>
+            <a:pathLst>
+              <a:path w="21600" h="21600">
+                <a:moveTo>
+                  <a:pt x="0" y="0"/>
+                </a:moveTo>
+                <a:lnTo>
+                  <a:pt x="21600" y="21600"/>
+                </a:lnTo>
+              </a:path>
+            </a:pathLst>
+          </a:custGeom>
+          <a:noFill/>
+          <a:ln w="57240">
+            <a:solidFill>
+              <a:srgbClr val="31859C"/>
+            </a:solidFill>
+            <a:round/>
+            <a:tailEnd type="triangle" w="med" len="med"/>
+          </a:ln>
+        </p:spPr>
+        <p:style>
+          <a:lnRef idx="0">
+            <a:srgbClr val="FFFFFF"/>
+          </a:lnRef>
+          <a:fillRef idx="0">
+            <a:srgbClr val="FFFFFF"/>
+          </a:fillRef>
+          <a:effectRef idx="0">
+            <a:srgbClr val="FFFFFF"/>
+          </a:effectRef>
+          <a:fontRef idx="minor"/>
+        </p:style>
+      </p:sp>
+      <p:sp>
+        <p:nvSpPr>
+          <p:cNvPr id="157" name="CustomShape 12"/>
+          <p:cNvSpPr/>
+          <p:nvPr/>
+        </p:nvSpPr>
+        <p:spPr>
+          <a:xfrm flipV="1">
+            <a:off x="4867560" y="4531320"/>
+            <a:ext cx="1225440" cy="757440"/>
+          </a:xfrm>
+          <a:custGeom>
+            <a:avLst/>
+            <a:gdLst/>
+            <a:ahLst/>
+            <a:cxnLst/>
+            <a:rect l="l" t="t" r="r" b="b"/>
+            <a:pathLst>
+              <a:path w="21600" h="21600">
+                <a:moveTo>
+                  <a:pt x="0" y="0"/>
+                </a:moveTo>
+                <a:lnTo>
+                  <a:pt x="21600" y="21600"/>
+                </a:lnTo>
+              </a:path>
+            </a:pathLst>
+          </a:custGeom>
+          <a:noFill/>
+          <a:ln w="57240">
+            <a:solidFill>
+              <a:srgbClr val="31859C"/>
+            </a:solidFill>
+            <a:round/>
+            <a:tailEnd type="triangle" w="med" len="med"/>
+          </a:ln>
+        </p:spPr>
+        <p:style>
+          <a:lnRef idx="0">
+            <a:srgbClr val="FFFFFF"/>
+          </a:lnRef>
+          <a:fillRef idx="0">
+            <a:srgbClr val="FFFFFF"/>
+          </a:fillRef>
+          <a:effectRef idx="0">
+            <a:srgbClr val="FFFFFF"/>
+          </a:effectRef>
+          <a:fontRef idx="minor"/>
+        </p:style>
+      </p:sp>
+      <p:sp>
+        <p:nvSpPr>
+          <p:cNvPr id="158" name="CustomShape 13"/>
+          <p:cNvSpPr/>
+          <p:nvPr/>
+        </p:nvSpPr>
+        <p:spPr>
+          <a:xfrm>
+            <a:off x="3293640" y="2819520"/>
+            <a:ext cx="1827000" cy="836280"/>
+          </a:xfrm>
+          <a:prstGeom prst="ellipse">
+            <a:avLst/>
+          </a:prstGeom>
+          <a:solidFill>
+            <a:srgbClr val="FFFFFF"/>
+          </a:solidFill>
+          <a:ln w="25560">
+            <a:solidFill>
+              <a:srgbClr val="C00000"/>
+            </a:solidFill>
+            <a:round/>
+          </a:ln>
+        </p:spPr>
+        <p:style>
+          <a:lnRef idx="0">
+            <a:srgbClr val="FFFFFF"/>
+          </a:lnRef>
+          <a:fillRef idx="0">
+            <a:srgbClr val="FFFFFF"/>
+          </a:fillRef>
+          <a:effectRef idx="0">
+            <a:srgbClr val="FFFFFF"/>
+          </a:effectRef>
+          <a:fontRef idx="minor"/>
+        </p:style>
+        <p:txBody>
+          <a:bodyPr lIns="90000" tIns="45000" rIns="90000" bIns="45000" anchor="ctr"/>
+          <a:p>
+            <a:pPr algn="ctr">
               <a:lnSpc>
                 <a:spcPct val="100000"/>
               </a:lnSpc>
             </a:pPr>
+            <a:r>
+              <a:rPr lang="en-US" sz="1800" b="1" strike="noStrike" spc="-1">
+                <a:solidFill>
+                  <a:srgbClr val="000000"/>
+                </a:solidFill>
+                <a:uFill>
+                  <a:solidFill>
+                    <a:srgbClr val="FFFFFF"/>
+                  </a:solidFill>
+                </a:uFill>
+                <a:latin typeface="宋体"/>
+                <a:ea typeface="宋体"/>
+              </a:rPr>
+              <a:t>关系提取模型</a:t>
+            </a:r>
             <a:endParaRPr lang="en-US" sz="1800" b="0" strike="noStrike" spc="-1">
               <a:solidFill>
                 <a:srgbClr val="000000"/>
@@ -19829,12 +20276,169 @@
               <a:latin typeface="Arial" panose="020B0604020202020204"/>
             </a:endParaRPr>
           </a:p>
-          <a:p>
-            <a:pPr>
+        </p:txBody>
+      </p:sp>
+      <p:sp>
+        <p:nvSpPr>
+          <p:cNvPr id="159" name="CustomShape 14"/>
+          <p:cNvSpPr/>
+          <p:nvPr/>
+        </p:nvSpPr>
+        <p:spPr>
+          <a:xfrm flipV="1">
+            <a:off x="4208040" y="3654720"/>
+            <a:ext cx="360" cy="264960"/>
+          </a:xfrm>
+          <a:custGeom>
+            <a:avLst/>
+            <a:gdLst/>
+            <a:ahLst/>
+            <a:cxnLst/>
+            <a:rect l="l" t="t" r="r" b="b"/>
+            <a:pathLst>
+              <a:path w="21600" h="21600">
+                <a:moveTo>
+                  <a:pt x="0" y="0"/>
+                </a:moveTo>
+                <a:lnTo>
+                  <a:pt x="21600" y="21600"/>
+                </a:lnTo>
+              </a:path>
+            </a:pathLst>
+          </a:custGeom>
+          <a:noFill/>
+          <a:ln w="57240">
+            <a:solidFill>
+              <a:srgbClr val="31859C"/>
+            </a:solidFill>
+            <a:round/>
+            <a:tailEnd type="triangle" w="med" len="med"/>
+          </a:ln>
+        </p:spPr>
+        <p:style>
+          <a:lnRef idx="0">
+            <a:srgbClr val="FFFFFF"/>
+          </a:lnRef>
+          <a:fillRef idx="0">
+            <a:srgbClr val="FFFFFF"/>
+          </a:fillRef>
+          <a:effectRef idx="0">
+            <a:srgbClr val="FFFFFF"/>
+          </a:effectRef>
+          <a:fontRef idx="minor"/>
+        </p:style>
+      </p:sp>
+      <p:sp>
+        <p:nvSpPr>
+          <p:cNvPr id="160" name="CustomShape 15"/>
+          <p:cNvSpPr/>
+          <p:nvPr/>
+        </p:nvSpPr>
+        <p:spPr>
+          <a:xfrm flipV="1">
+            <a:off x="4208040" y="2586600"/>
+            <a:ext cx="360" cy="228240"/>
+          </a:xfrm>
+          <a:custGeom>
+            <a:avLst/>
+            <a:gdLst/>
+            <a:ahLst/>
+            <a:cxnLst/>
+            <a:rect l="l" t="t" r="r" b="b"/>
+            <a:pathLst>
+              <a:path w="21600" h="21600">
+                <a:moveTo>
+                  <a:pt x="0" y="0"/>
+                </a:moveTo>
+                <a:lnTo>
+                  <a:pt x="21600" y="21600"/>
+                </a:lnTo>
+              </a:path>
+            </a:pathLst>
+          </a:custGeom>
+          <a:noFill/>
+          <a:ln w="57240">
+            <a:solidFill>
+              <a:srgbClr val="31859C"/>
+            </a:solidFill>
+            <a:round/>
+            <a:tailEnd type="triangle" w="med" len="med"/>
+          </a:ln>
+        </p:spPr>
+        <p:style>
+          <a:lnRef idx="0">
+            <a:srgbClr val="FFFFFF"/>
+          </a:lnRef>
+          <a:fillRef idx="0">
+            <a:srgbClr val="FFFFFF"/>
+          </a:fillRef>
+          <a:effectRef idx="0">
+            <a:srgbClr val="FFFFFF"/>
+          </a:effectRef>
+          <a:fontRef idx="minor"/>
+        </p:style>
+      </p:sp>
+      <p:sp>
+        <p:nvSpPr>
+          <p:cNvPr id="161" name="CustomShape 16"/>
+          <p:cNvSpPr/>
+          <p:nvPr/>
+        </p:nvSpPr>
+        <p:spPr>
+          <a:xfrm>
+            <a:off x="3721570" y="1702545"/>
+            <a:ext cx="988920" cy="909720"/>
+          </a:xfrm>
+          <a:prstGeom prst="can">
+            <a:avLst>
+              <a:gd name="adj" fmla="val 25000"/>
+            </a:avLst>
+          </a:prstGeom>
+          <a:solidFill>
+            <a:srgbClr val="FFFFFF"/>
+          </a:solidFill>
+          <a:ln w="25560">
+            <a:solidFill>
+              <a:srgbClr val="C0504D"/>
+            </a:solidFill>
+            <a:round/>
+          </a:ln>
+        </p:spPr>
+        <p:style>
+          <a:lnRef idx="0">
+            <a:srgbClr val="FFFFFF"/>
+          </a:lnRef>
+          <a:fillRef idx="0">
+            <a:srgbClr val="FFFFFF"/>
+          </a:fillRef>
+          <a:effectRef idx="0">
+            <a:srgbClr val="FFFFFF"/>
+          </a:effectRef>
+          <a:fontRef idx="minor"/>
+        </p:style>
+        <p:txBody>
+          <a:bodyPr lIns="90000" tIns="45000" rIns="90000" bIns="45000" anchor="ctr"/>
+          <a:p>
+            <a:pPr algn="ctr">
               <a:lnSpc>
                 <a:spcPct val="100000"/>
               </a:lnSpc>
             </a:pPr>
+            <a:r>
+              <a:rPr lang="en-US" sz="1800" b="1" strike="noStrike" spc="-1">
+                <a:solidFill>
+                  <a:srgbClr val="000000"/>
+                </a:solidFill>
+                <a:uFill>
+                  <a:solidFill>
+                    <a:srgbClr val="FFFFFF"/>
+                  </a:solidFill>
+                </a:uFill>
+                <a:latin typeface="宋体"/>
+                <a:ea typeface="宋体"/>
+              </a:rPr>
+              <a:t>关系提取结果</a:t>
+            </a:r>
             <a:endParaRPr lang="en-US" sz="1800" b="0" strike="noStrike" spc="-1">
               <a:solidFill>
                 <a:srgbClr val="000000"/>
@@ -19847,12 +20451,67 @@
               <a:latin typeface="Arial" panose="020B0604020202020204"/>
             </a:endParaRPr>
           </a:p>
-          <a:p>
-            <a:pPr>
+        </p:txBody>
+      </p:sp>
+      <p:sp>
+        <p:nvSpPr>
+          <p:cNvPr id="162" name="CustomShape 17"/>
+          <p:cNvSpPr/>
+          <p:nvPr/>
+        </p:nvSpPr>
+        <p:spPr>
+          <a:xfrm>
+            <a:off x="6300360" y="2612520"/>
+            <a:ext cx="1979280" cy="1022040"/>
+          </a:xfrm>
+          <a:prstGeom prst="cloud">
+            <a:avLst/>
+          </a:prstGeom>
+          <a:solidFill>
+            <a:srgbClr val="FFFFFF"/>
+          </a:solidFill>
+          <a:ln w="25560">
+            <a:solidFill>
+              <a:srgbClr val="FF3300"/>
+            </a:solidFill>
+            <a:round/>
+          </a:ln>
+        </p:spPr>
+        <p:style>
+          <a:lnRef idx="0">
+            <a:srgbClr val="FFFFFF"/>
+          </a:lnRef>
+          <a:fillRef idx="0">
+            <a:srgbClr val="FFFFFF"/>
+          </a:fillRef>
+          <a:effectRef idx="0">
+            <a:srgbClr val="FFFFFF"/>
+          </a:effectRef>
+          <a:fontRef idx="minor"/>
+        </p:style>
+        <p:txBody>
+          <a:bodyPr lIns="90000" tIns="45000" rIns="90000" bIns="45000" anchor="ctr"/>
+          <a:p>
+            <a:pPr algn="ctr">
               <a:lnSpc>
                 <a:spcPct val="100000"/>
               </a:lnSpc>
             </a:pPr>
+            <a:r>
+              <a:rPr lang="en-US" sz="1800" b="1" strike="noStrike" spc="-1">
+                <a:solidFill>
+                  <a:srgbClr val="000000"/>
+                </a:solidFill>
+                <a:uFill>
+                  <a:solidFill>
+                    <a:srgbClr val="FFFFFF"/>
+                  </a:solidFill>
+                </a:uFill>
+                <a:latin typeface="宋体"/>
+                <a:ea typeface="宋体"/>
+              </a:rPr>
+              <a:t>远程监督</a:t>
+            </a:r>
             <a:endParaRPr lang="en-US" sz="1800" b="0" strike="noStrike" spc="-1">
               <a:solidFill>
                 <a:srgbClr val="000000"/>
@@ -19865,130 +20524,58 @@
               <a:latin typeface="Arial" panose="020B0604020202020204"/>
             </a:endParaRPr>
           </a:p>
-          <a:p>
-            <a:pPr>
-              <a:lnSpc>
-                <a:spcPct val="100000"/>
-              </a:lnSpc>
-            </a:pPr>
-            <a:endParaRPr lang="en-US" sz="1800" b="0" strike="noStrike" spc="-1">
-              <a:solidFill>
-                <a:srgbClr val="000000"/>
-              </a:solidFill>
-              <a:uFill>
-                <a:solidFill>
-                  <a:srgbClr val="FFFFFF"/>
-                </a:solidFill>
-              </a:uFill>
-              <a:latin typeface="Arial" panose="020B0604020202020204"/>
-            </a:endParaRPr>
-          </a:p>
-          <a:p>
-            <a:pPr>
-              <a:lnSpc>
-                <a:spcPct val="100000"/>
-              </a:lnSpc>
-            </a:pPr>
-            <a:endParaRPr lang="en-US" sz="1800" b="0" strike="noStrike" spc="-1">
-              <a:solidFill>
-                <a:srgbClr val="000000"/>
-              </a:solidFill>
-              <a:uFill>
-                <a:solidFill>
-                  <a:srgbClr val="FFFFFF"/>
-                </a:solidFill>
-              </a:uFill>
-              <a:latin typeface="Arial" panose="020B0604020202020204"/>
-            </a:endParaRPr>
-          </a:p>
-          <a:p>
-            <a:pPr>
-              <a:lnSpc>
-                <a:spcPct val="100000"/>
-              </a:lnSpc>
-            </a:pPr>
-            <a:endParaRPr lang="en-US" sz="1800" b="0" strike="noStrike" spc="-1">
-              <a:solidFill>
-                <a:srgbClr val="000000"/>
-              </a:solidFill>
-              <a:uFill>
-                <a:solidFill>
-                  <a:srgbClr val="FFFFFF"/>
-                </a:solidFill>
-              </a:uFill>
-              <a:latin typeface="Arial" panose="020B0604020202020204"/>
-            </a:endParaRPr>
-          </a:p>
-          <a:p>
-            <a:pPr>
-              <a:lnSpc>
-                <a:spcPct val="100000"/>
-              </a:lnSpc>
-            </a:pPr>
-            <a:endParaRPr lang="en-US" sz="1800" b="0" strike="noStrike" spc="-1">
-              <a:solidFill>
-                <a:srgbClr val="000000"/>
-              </a:solidFill>
-              <a:uFill>
-                <a:solidFill>
-                  <a:srgbClr val="FFFFFF"/>
-                </a:solidFill>
-              </a:uFill>
-              <a:latin typeface="Arial" panose="020B0604020202020204"/>
-            </a:endParaRPr>
-          </a:p>
         </p:txBody>
       </p:sp>
-      <p:pic>
-        <p:nvPicPr>
-          <p:cNvPr id="168" name="Picture 2"/>
-          <p:cNvPicPr/>
+      <p:sp>
+        <p:nvSpPr>
+          <p:cNvPr id="163" name="CustomShape 18"/>
+          <p:cNvSpPr/>
           <p:nvPr/>
-        </p:nvPicPr>
-        <p:blipFill>
-          <a:blip r:embed="rId1"/>
-          <a:stretch>
-            <a:fillRect/>
-          </a:stretch>
-        </p:blipFill>
-        <p:spPr>
-          <a:xfrm>
-            <a:off x="1218960" y="4033080"/>
-            <a:ext cx="2661480" cy="2142720"/>
-          </a:xfrm>
-          <a:prstGeom prst="rect">
-            <a:avLst/>
-          </a:prstGeom>
-          <a:ln>
-            <a:noFill/>
+        </p:nvSpPr>
+        <p:spPr>
+          <a:xfrm flipH="1">
+            <a:off x="5120280" y="3238560"/>
+            <a:ext cx="1222200" cy="360"/>
+          </a:xfrm>
+          <a:custGeom>
+            <a:avLst/>
+            <a:gdLst/>
+            <a:ahLst/>
+            <a:cxnLst/>
+            <a:rect l="l" t="t" r="r" b="b"/>
+            <a:pathLst>
+              <a:path w="21600" h="21600">
+                <a:moveTo>
+                  <a:pt x="0" y="0"/>
+                </a:moveTo>
+                <a:lnTo>
+                  <a:pt x="21600" y="21600"/>
+                </a:lnTo>
+              </a:path>
+            </a:pathLst>
+          </a:custGeom>
+          <a:noFill/>
+          <a:ln w="139680">
+            <a:solidFill>
+              <a:srgbClr val="31859C"/>
+            </a:solidFill>
+            <a:round/>
+            <a:tailEnd type="triangle" w="med" len="med"/>
           </a:ln>
         </p:spPr>
-      </p:pic>
-      <p:pic>
-        <p:nvPicPr>
-          <p:cNvPr id="169" name="Picture 4"/>
-          <p:cNvPicPr/>
-          <p:nvPr/>
-        </p:nvPicPr>
-        <p:blipFill>
-          <a:blip r:embed="rId2"/>
-          <a:stretch>
-            <a:fillRect/>
-          </a:stretch>
-        </p:blipFill>
-        <p:spPr>
-          <a:xfrm>
-            <a:off x="4609800" y="4020480"/>
-            <a:ext cx="2710440" cy="2251440"/>
-          </a:xfrm>
-          <a:prstGeom prst="rect">
-            <a:avLst/>
-          </a:prstGeom>
-          <a:ln>
-            <a:noFill/>
-          </a:ln>
-        </p:spPr>
-      </p:pic>
+        <p:style>
+          <a:lnRef idx="0">
+            <a:srgbClr val="FFFFFF"/>
+          </a:lnRef>
+          <a:fillRef idx="0">
+            <a:srgbClr val="FFFFFF"/>
+          </a:fillRef>
+          <a:effectRef idx="0">
+            <a:srgbClr val="FFFFFF"/>
+          </a:effectRef>
+          <a:fontRef idx="minor"/>
+        </p:style>
+      </p:sp>
     </p:spTree>
   </p:cSld>
   <p:clrMapOvr>
@@ -20016,114 +20603,14 @@
       </p:grpSpPr>
       <p:sp>
         <p:nvSpPr>
-          <p:cNvPr id="170" name="CustomShape 1"/>
+          <p:cNvPr id="164" name="CustomShape 1"/>
           <p:cNvSpPr/>
           <p:nvPr/>
         </p:nvSpPr>
         <p:spPr>
           <a:xfrm>
-            <a:off x="612720" y="6375600"/>
-            <a:ext cx="1979280" cy="363960"/>
-          </a:xfrm>
-          <a:prstGeom prst="rect">
-            <a:avLst/>
-          </a:prstGeom>
-          <a:noFill/>
-          <a:ln>
-            <a:noFill/>
-          </a:ln>
-        </p:spPr>
-        <p:style>
-          <a:lnRef idx="0">
-            <a:srgbClr val="FFFFFF"/>
-          </a:lnRef>
-          <a:fillRef idx="0">
-            <a:srgbClr val="FFFFFF"/>
-          </a:fillRef>
-          <a:effectRef idx="0">
-            <a:srgbClr val="FFFFFF"/>
-          </a:effectRef>
-          <a:fontRef idx="minor"/>
-        </p:style>
-      </p:sp>
-      <p:sp>
-        <p:nvSpPr>
-          <p:cNvPr id="171" name="CustomShape 2"/>
-          <p:cNvSpPr/>
-          <p:nvPr/>
-        </p:nvSpPr>
-        <p:spPr>
-          <a:xfrm>
-            <a:off x="457200" y="152280"/>
-            <a:ext cx="8227800" cy="988920"/>
-          </a:xfrm>
-          <a:prstGeom prst="rect">
-            <a:avLst/>
-          </a:prstGeom>
-          <a:noFill/>
-          <a:ln>
-            <a:noFill/>
-          </a:ln>
-        </p:spPr>
-        <p:style>
-          <a:lnRef idx="0">
-            <a:srgbClr val="FFFFFF"/>
-          </a:lnRef>
-          <a:fillRef idx="0">
-            <a:srgbClr val="FFFFFF"/>
-          </a:fillRef>
-          <a:effectRef idx="0">
-            <a:srgbClr val="FFFFFF"/>
-          </a:effectRef>
-          <a:fontRef idx="minor"/>
-        </p:style>
-        <p:txBody>
-          <a:bodyPr lIns="90000" tIns="45000" rIns="90000" bIns="45000" anchor="b"/>
-          <a:p>
-            <a:pPr>
-              <a:lnSpc>
-                <a:spcPct val="100000"/>
-              </a:lnSpc>
-            </a:pPr>
-            <a:r>
-              <a:rPr lang="en-US" sz="4000" b="0" strike="noStrike" spc="-1">
-                <a:solidFill>
-                  <a:srgbClr val="002060"/>
-                </a:solidFill>
-                <a:uFill>
-                  <a:solidFill>
-                    <a:srgbClr val="FFFFFF"/>
-                  </a:solidFill>
-                </a:uFill>
-                <a:latin typeface="黑体"/>
-                <a:ea typeface="黑体"/>
-              </a:rPr>
-              <a:t>关系提取</a:t>
-            </a:r>
-            <a:endParaRPr lang="en-US" sz="1800" b="0" strike="noStrike" spc="-1">
-              <a:solidFill>
-                <a:srgbClr val="000000"/>
-              </a:solidFill>
-              <a:uFill>
-                <a:solidFill>
-                  <a:srgbClr val="FFFFFF"/>
-                </a:solidFill>
-              </a:uFill>
-              <a:latin typeface="Arial" panose="020B0604020202020204"/>
-            </a:endParaRPr>
-          </a:p>
-        </p:txBody>
-      </p:sp>
-      <p:sp>
-        <p:nvSpPr>
-          <p:cNvPr id="172" name="CustomShape 3"/>
-          <p:cNvSpPr/>
-          <p:nvPr/>
-        </p:nvSpPr>
-        <p:spPr>
-          <a:xfrm>
-            <a:off x="451800" y="1268640"/>
-            <a:ext cx="8690400" cy="2314440"/>
+            <a:off x="470880" y="1428840"/>
+            <a:ext cx="7558920" cy="1430280"/>
           </a:xfrm>
           <a:prstGeom prst="rect">
             <a:avLst/>
@@ -20171,22 +20658,7 @@
                 <a:latin typeface="华文新魏"/>
                 <a:ea typeface="华文新魏"/>
               </a:rPr>
-              <a:t>关系提取模型</a:t>
-            </a:r>
-            <a:r>
-              <a:rPr lang="en-US" sz="2000" b="0" strike="noStrike" spc="-1">
-                <a:solidFill>
-                  <a:srgbClr val="000000"/>
-                </a:solidFill>
-                <a:uFill>
-                  <a:solidFill>
-                    <a:srgbClr val="FFFFFF"/>
-                  </a:solidFill>
-                </a:uFill>
-                <a:latin typeface="华文新魏"/>
-                <a:ea typeface="华文新魏"/>
-              </a:rPr>
-              <a:t>    </a:t>
+              <a:t>语句分析</a:t>
             </a:r>
             <a:endParaRPr lang="en-US" sz="1800" b="0" strike="noStrike" spc="-1">
               <a:solidFill>
@@ -20212,7 +20684,7 @@
               <a:buChar char=""/>
             </a:pPr>
             <a:r>
-              <a:rPr lang="en-US" sz="1800" b="1" strike="noStrike" spc="-1">
+              <a:rPr lang="en-US" sz="2000" b="1" strike="noStrike" spc="-1">
                 <a:solidFill>
                   <a:srgbClr val="000000"/>
                 </a:solidFill>
@@ -20224,7 +20696,7 @@
                 <a:latin typeface="华文新魏"/>
                 <a:ea typeface="华文新魏"/>
               </a:rPr>
-              <a:t>基于PCNNs模型实现关系预测</a:t>
+              <a:t>通过生成语句的句法分析树，可以获得语句的词法信息和句法信息。</a:t>
             </a:r>
             <a:endParaRPr lang="en-US" sz="1800" b="0" strike="noStrike" spc="-1">
               <a:solidFill>
@@ -20238,12 +20710,258 @@
               <a:latin typeface="Arial" panose="020B0604020202020204"/>
             </a:endParaRPr>
           </a:p>
+          <a:p>
+            <a:pPr marL="457200" indent="-455295">
+              <a:lnSpc>
+                <a:spcPct val="100000"/>
+              </a:lnSpc>
+              <a:buClr>
+                <a:srgbClr val="000000"/>
+              </a:buClr>
+              <a:buFont typeface="Wingdings" panose="05000000000000000000" pitchFamily="2" charset="2"/>
+              <a:buChar char=""/>
+            </a:pPr>
+            <a:r>
+              <a:rPr lang="en-US" sz="2000" b="1" strike="noStrike" spc="-1">
+                <a:solidFill>
+                  <a:srgbClr val="000000"/>
+                </a:solidFill>
+                <a:uFill>
+                  <a:solidFill>
+                    <a:srgbClr val="FFFFFF"/>
+                  </a:solidFill>
+                </a:uFill>
+                <a:latin typeface="华文新魏"/>
+                <a:ea typeface="华文新魏"/>
+              </a:rPr>
+              <a:t>通过语句的特定结构可以获得语句的语义信息。</a:t>
+            </a:r>
+            <a:endParaRPr lang="en-US" sz="1800" b="0" strike="noStrike" spc="-1">
+              <a:solidFill>
+                <a:srgbClr val="000000"/>
+              </a:solidFill>
+              <a:uFill>
+                <a:solidFill>
+                  <a:srgbClr val="FFFFFF"/>
+                </a:solidFill>
+              </a:uFill>
+              <a:latin typeface="Arial" panose="020B0604020202020204"/>
+            </a:endParaRPr>
+          </a:p>
+        </p:txBody>
+      </p:sp>
+      <p:sp>
+        <p:nvSpPr>
+          <p:cNvPr id="165" name="CustomShape 2"/>
+          <p:cNvSpPr/>
+          <p:nvPr/>
+        </p:nvSpPr>
+        <p:spPr>
+          <a:xfrm>
+            <a:off x="612720" y="6375600"/>
+            <a:ext cx="1979280" cy="363960"/>
+          </a:xfrm>
+          <a:prstGeom prst="rect">
+            <a:avLst/>
+          </a:prstGeom>
+          <a:noFill/>
+          <a:ln>
+            <a:noFill/>
+          </a:ln>
+        </p:spPr>
+        <p:style>
+          <a:lnRef idx="0">
+            <a:srgbClr val="FFFFFF"/>
+          </a:lnRef>
+          <a:fillRef idx="0">
+            <a:srgbClr val="FFFFFF"/>
+          </a:fillRef>
+          <a:effectRef idx="0">
+            <a:srgbClr val="FFFFFF"/>
+          </a:effectRef>
+          <a:fontRef idx="minor"/>
+        </p:style>
+      </p:sp>
+      <p:sp>
+        <p:nvSpPr>
+          <p:cNvPr id="166" name="CustomShape 3"/>
+          <p:cNvSpPr/>
+          <p:nvPr/>
+        </p:nvSpPr>
+        <p:spPr>
+          <a:xfrm>
+            <a:off x="457200" y="152280"/>
+            <a:ext cx="8227800" cy="988920"/>
+          </a:xfrm>
+          <a:prstGeom prst="rect">
+            <a:avLst/>
+          </a:prstGeom>
+          <a:noFill/>
+          <a:ln>
+            <a:noFill/>
+          </a:ln>
+        </p:spPr>
+        <p:style>
+          <a:lnRef idx="0">
+            <a:srgbClr val="FFFFFF"/>
+          </a:lnRef>
+          <a:fillRef idx="0">
+            <a:srgbClr val="FFFFFF"/>
+          </a:fillRef>
+          <a:effectRef idx="0">
+            <a:srgbClr val="FFFFFF"/>
+          </a:effectRef>
+          <a:fontRef idx="minor"/>
+        </p:style>
+        <p:txBody>
+          <a:bodyPr lIns="90000" tIns="45000" rIns="90000" bIns="45000" anchor="b"/>
           <a:p>
             <a:pPr>
               <a:lnSpc>
                 <a:spcPct val="100000"/>
               </a:lnSpc>
             </a:pPr>
+            <a:r>
+              <a:rPr lang="en-US" sz="4000" b="0" strike="noStrike" spc="-1">
+                <a:solidFill>
+                  <a:srgbClr val="002060"/>
+                </a:solidFill>
+                <a:uFill>
+                  <a:solidFill>
+                    <a:srgbClr val="FFFFFF"/>
+                  </a:solidFill>
+                </a:uFill>
+                <a:latin typeface="黑体"/>
+                <a:ea typeface="黑体"/>
+              </a:rPr>
+              <a:t>关系提取</a:t>
+            </a:r>
+            <a:endParaRPr lang="en-US" sz="1800" b="0" strike="noStrike" spc="-1">
+              <a:solidFill>
+                <a:srgbClr val="000000"/>
+              </a:solidFill>
+              <a:uFill>
+                <a:solidFill>
+                  <a:srgbClr val="FFFFFF"/>
+                </a:solidFill>
+              </a:uFill>
+              <a:latin typeface="Arial" panose="020B0604020202020204"/>
+            </a:endParaRPr>
+          </a:p>
+        </p:txBody>
+      </p:sp>
+      <p:sp>
+        <p:nvSpPr>
+          <p:cNvPr id="167" name="CustomShape 4"/>
+          <p:cNvSpPr/>
+          <p:nvPr/>
+        </p:nvSpPr>
+        <p:spPr>
+          <a:xfrm>
+            <a:off x="457200" y="2842560"/>
+            <a:ext cx="7829280" cy="3534120"/>
+          </a:xfrm>
+          <a:prstGeom prst="rect">
+            <a:avLst/>
+          </a:prstGeom>
+          <a:noFill/>
+          <a:ln>
+            <a:noFill/>
+          </a:ln>
+        </p:spPr>
+        <p:style>
+          <a:lnRef idx="0">
+            <a:srgbClr val="FFFFFF"/>
+          </a:lnRef>
+          <a:fillRef idx="0">
+            <a:srgbClr val="FFFFFF"/>
+          </a:fillRef>
+          <a:effectRef idx="0">
+            <a:srgbClr val="FFFFFF"/>
+          </a:effectRef>
+          <a:fontRef idx="minor"/>
+        </p:style>
+        <p:txBody>
+          <a:bodyPr lIns="90000" tIns="45000" rIns="90000" bIns="45000"/>
+          <a:p>
+            <a:pPr marL="457200" indent="-455295">
+              <a:lnSpc>
+                <a:spcPct val="100000"/>
+              </a:lnSpc>
+              <a:buClr>
+                <a:srgbClr val="0070C0"/>
+              </a:buClr>
+              <a:buFont typeface="Wingdings" panose="05000000000000000000" pitchFamily="2" charset="2"/>
+              <a:buChar char=""/>
+            </a:pPr>
+            <a:r>
+              <a:rPr lang="en-US" sz="2800" b="1" strike="noStrike" spc="-1">
+                <a:solidFill>
+                  <a:srgbClr val="0070C0"/>
+                </a:solidFill>
+                <a:uFill>
+                  <a:solidFill>
+                    <a:srgbClr val="FFFFFF"/>
+                  </a:solidFill>
+                </a:uFill>
+                <a:latin typeface="华文新魏"/>
+                <a:ea typeface="华文新魏"/>
+              </a:rPr>
+              <a:t>关系提取模型</a:t>
+            </a:r>
+            <a:r>
+              <a:rPr lang="en-US" sz="2000" b="0" strike="noStrike" spc="-1">
+                <a:solidFill>
+                  <a:srgbClr val="000000"/>
+                </a:solidFill>
+                <a:uFill>
+                  <a:solidFill>
+                    <a:srgbClr val="FFFFFF"/>
+                  </a:solidFill>
+                </a:uFill>
+                <a:latin typeface="华文新魏"/>
+                <a:ea typeface="华文新魏"/>
+              </a:rPr>
+              <a:t>    </a:t>
+            </a:r>
+            <a:endParaRPr lang="en-US" sz="1800" b="0" strike="noStrike" spc="-1">
+              <a:solidFill>
+                <a:srgbClr val="000000"/>
+              </a:solidFill>
+              <a:uFill>
+                <a:solidFill>
+                  <a:srgbClr val="FFFFFF"/>
+                </a:solidFill>
+              </a:uFill>
+              <a:latin typeface="Arial" panose="020B0604020202020204"/>
+            </a:endParaRPr>
+          </a:p>
+          <a:p>
+            <a:pPr marL="457200" indent="-455295">
+              <a:lnSpc>
+                <a:spcPct val="100000"/>
+              </a:lnSpc>
+              <a:buClr>
+                <a:srgbClr val="000000"/>
+              </a:buClr>
+              <a:buFont typeface="Wingdings" panose="05000000000000000000" pitchFamily="2" charset="2"/>
+              <a:buChar char=""/>
+            </a:pPr>
+            <a:r>
+              <a:rPr lang="en-US" sz="1800" b="1" strike="noStrike" spc="-1">
+                <a:solidFill>
+                  <a:srgbClr val="000000"/>
+                </a:solidFill>
+                <a:uFill>
+                  <a:solidFill>
+                    <a:srgbClr val="FFFFFF"/>
+                  </a:solidFill>
+                </a:uFill>
+                <a:latin typeface="华文新魏"/>
+                <a:ea typeface="华文新魏"/>
+              </a:rPr>
+              <a:t>基于CNN模型实现关系预测</a:t>
+            </a:r>
             <a:endParaRPr lang="en-US" sz="1800" b="0" strike="noStrike" spc="-1">
               <a:solidFill>
                 <a:srgbClr val="000000"/>
@@ -20262,6 +20980,51 @@
                 <a:spcPct val="100000"/>
               </a:lnSpc>
             </a:pPr>
+            <a:r>
+              <a:rPr lang="en-US" sz="2000" b="0" strike="noStrike" spc="-1">
+                <a:solidFill>
+                  <a:srgbClr val="000000"/>
+                </a:solidFill>
+                <a:uFill>
+                  <a:solidFill>
+                    <a:srgbClr val="FFFFFF"/>
+                  </a:solidFill>
+                </a:uFill>
+                <a:latin typeface="Arial" panose="020B0604020202020204"/>
+                <a:ea typeface="宋体"/>
+              </a:rPr>
+              <a:t>       </a:t>
+            </a:r>
+            <a:r>
+              <a:rPr lang="en-US" sz="1600" b="0" strike="noStrike" spc="-1">
+                <a:solidFill>
+                  <a:srgbClr val="000000"/>
+                </a:solidFill>
+                <a:uFill>
+                  <a:solidFill>
+                    <a:srgbClr val="FFFFFF"/>
+                  </a:solidFill>
+                </a:uFill>
+                <a:latin typeface="Arial" panose="020B0604020202020204"/>
+                <a:ea typeface="宋体"/>
+              </a:rPr>
+              <a:t>包含Pooling层，以及设计了Position Features</a:t>
+            </a:r>
+            <a:r>
+              <a:rPr lang="en-US" sz="2000" b="0" strike="noStrike" spc="-1">
+                <a:solidFill>
+                  <a:srgbClr val="000000"/>
+                </a:solidFill>
+                <a:uFill>
+                  <a:solidFill>
+                    <a:srgbClr val="FFFFFF"/>
+                  </a:solidFill>
+                </a:uFill>
+                <a:latin typeface="Arial" panose="020B0604020202020204"/>
+                <a:ea typeface="宋体"/>
+              </a:rPr>
+              <a:t>。</a:t>
+            </a:r>
             <a:endParaRPr lang="en-US" sz="1800" b="0" strike="noStrike" spc="-1">
               <a:solidFill>
                 <a:srgbClr val="000000"/>
@@ -20328,11 +21091,101 @@
               <a:latin typeface="Arial" panose="020B0604020202020204"/>
             </a:endParaRPr>
           </a:p>
+          <a:p>
+            <a:pPr>
+              <a:lnSpc>
+                <a:spcPct val="100000"/>
+              </a:lnSpc>
+            </a:pPr>
+            <a:endParaRPr lang="en-US" sz="1800" b="0" strike="noStrike" spc="-1">
+              <a:solidFill>
+                <a:srgbClr val="000000"/>
+              </a:solidFill>
+              <a:uFill>
+                <a:solidFill>
+                  <a:srgbClr val="FFFFFF"/>
+                </a:solidFill>
+              </a:uFill>
+              <a:latin typeface="Arial" panose="020B0604020202020204"/>
+            </a:endParaRPr>
+          </a:p>
+          <a:p>
+            <a:pPr>
+              <a:lnSpc>
+                <a:spcPct val="100000"/>
+              </a:lnSpc>
+            </a:pPr>
+            <a:endParaRPr lang="en-US" sz="1800" b="0" strike="noStrike" spc="-1">
+              <a:solidFill>
+                <a:srgbClr val="000000"/>
+              </a:solidFill>
+              <a:uFill>
+                <a:solidFill>
+                  <a:srgbClr val="FFFFFF"/>
+                </a:solidFill>
+              </a:uFill>
+              <a:latin typeface="Arial" panose="020B0604020202020204"/>
+            </a:endParaRPr>
+          </a:p>
+          <a:p>
+            <a:pPr>
+              <a:lnSpc>
+                <a:spcPct val="100000"/>
+              </a:lnSpc>
+            </a:pPr>
+            <a:endParaRPr lang="en-US" sz="1800" b="0" strike="noStrike" spc="-1">
+              <a:solidFill>
+                <a:srgbClr val="000000"/>
+              </a:solidFill>
+              <a:uFill>
+                <a:solidFill>
+                  <a:srgbClr val="FFFFFF"/>
+                </a:solidFill>
+              </a:uFill>
+              <a:latin typeface="Arial" panose="020B0604020202020204"/>
+            </a:endParaRPr>
+          </a:p>
+          <a:p>
+            <a:pPr>
+              <a:lnSpc>
+                <a:spcPct val="100000"/>
+              </a:lnSpc>
+            </a:pPr>
+            <a:endParaRPr lang="en-US" sz="1800" b="0" strike="noStrike" spc="-1">
+              <a:solidFill>
+                <a:srgbClr val="000000"/>
+              </a:solidFill>
+              <a:uFill>
+                <a:solidFill>
+                  <a:srgbClr val="FFFFFF"/>
+                </a:solidFill>
+              </a:uFill>
+              <a:latin typeface="Arial" panose="020B0604020202020204"/>
+            </a:endParaRPr>
+          </a:p>
+          <a:p>
+            <a:pPr>
+              <a:lnSpc>
+                <a:spcPct val="100000"/>
+              </a:lnSpc>
+            </a:pPr>
+            <a:endParaRPr lang="en-US" sz="1800" b="0" strike="noStrike" spc="-1">
+              <a:solidFill>
+                <a:srgbClr val="000000"/>
+              </a:solidFill>
+              <a:uFill>
+                <a:solidFill>
+                  <a:srgbClr val="FFFFFF"/>
+                </a:solidFill>
+              </a:uFill>
+              <a:latin typeface="Arial" panose="020B0604020202020204"/>
+            </a:endParaRPr>
+          </a:p>
         </p:txBody>
       </p:sp>
       <p:pic>
         <p:nvPicPr>
-          <p:cNvPr id="173" name="Picture 2"/>
+          <p:cNvPr id="168" name="Picture 2"/>
           <p:cNvPicPr/>
           <p:nvPr/>
         </p:nvPicPr>
@@ -20344,8 +21197,8 @@
         </p:blipFill>
         <p:spPr>
           <a:xfrm>
-            <a:off x="1166760" y="2147760"/>
-            <a:ext cx="6808680" cy="3231000"/>
+            <a:off x="1218960" y="4033080"/>
+            <a:ext cx="2661480" cy="2142720"/>
           </a:xfrm>
           <a:prstGeom prst="rect">
             <a:avLst/>
@@ -20355,41 +21208,31 @@
           </a:ln>
         </p:spPr>
       </p:pic>
-      <p:sp>
-        <p:nvSpPr>
-          <p:cNvPr id="174" name="CustomShape 4"/>
-          <p:cNvSpPr/>
+      <p:pic>
+        <p:nvPicPr>
+          <p:cNvPr id="169" name="Picture 4"/>
+          <p:cNvPicPr/>
           <p:nvPr/>
-        </p:nvSpPr>
-        <p:spPr>
-          <a:xfrm>
-            <a:off x="5220000" y="5014080"/>
-            <a:ext cx="1510200" cy="365040"/>
+        </p:nvPicPr>
+        <p:blipFill>
+          <a:blip r:embed="rId2"/>
+          <a:stretch>
+            <a:fillRect/>
+          </a:stretch>
+        </p:blipFill>
+        <p:spPr>
+          <a:xfrm>
+            <a:off x="4609800" y="4020480"/>
+            <a:ext cx="2710440" cy="2251440"/>
           </a:xfrm>
           <a:prstGeom prst="rect">
             <a:avLst/>
           </a:prstGeom>
-          <a:noFill/>
-          <a:ln w="25560">
-            <a:solidFill>
-              <a:srgbClr val="7030A0"/>
-            </a:solidFill>
-            <a:round/>
+          <a:ln>
+            <a:noFill/>
           </a:ln>
         </p:spPr>
-        <p:style>
-          <a:lnRef idx="0">
-            <a:srgbClr val="FFFFFF"/>
-          </a:lnRef>
-          <a:fillRef idx="0">
-            <a:srgbClr val="FFFFFF"/>
-          </a:fillRef>
-          <a:effectRef idx="0">
-            <a:srgbClr val="FFFFFF"/>
-          </a:effectRef>
-          <a:fontRef idx="minor"/>
-        </p:style>
-      </p:sp>
+      </p:pic>
     </p:spTree>
   </p:cSld>
   <p:clrMapOvr>
@@ -20417,7 +21260,7 @@
       </p:grpSpPr>
       <p:sp>
         <p:nvSpPr>
-          <p:cNvPr id="175" name="CustomShape 1"/>
+          <p:cNvPr id="170" name="CustomShape 1"/>
           <p:cNvSpPr/>
           <p:nvPr/>
         </p:nvSpPr>
@@ -20449,7 +21292,7 @@
       </p:sp>
       <p:sp>
         <p:nvSpPr>
-          <p:cNvPr id="176" name="CustomShape 2"/>
+          <p:cNvPr id="171" name="CustomShape 2"/>
           <p:cNvSpPr/>
           <p:nvPr/>
         </p:nvSpPr>
@@ -20517,14 +21360,14 @@
       </p:sp>
       <p:sp>
         <p:nvSpPr>
-          <p:cNvPr id="177" name="CustomShape 3"/>
+          <p:cNvPr id="172" name="CustomShape 3"/>
           <p:cNvSpPr/>
           <p:nvPr/>
         </p:nvSpPr>
         <p:spPr>
           <a:xfrm>
-            <a:off x="323640" y="1268640"/>
-            <a:ext cx="7829280" cy="1430280"/>
+            <a:off x="451800" y="1268640"/>
+            <a:ext cx="8690400" cy="2314440"/>
           </a:xfrm>
           <a:prstGeom prst="rect">
             <a:avLst/>
@@ -20572,7 +21415,22 @@
                 <a:latin typeface="华文新魏"/>
                 <a:ea typeface="华文新魏"/>
               </a:rPr>
-              <a:t>远程监督</a:t>
+              <a:t>关系提取模型</a:t>
+            </a:r>
+            <a:r>
+              <a:rPr lang="en-US" sz="2000" b="0" strike="noStrike" spc="-1">
+                <a:solidFill>
+                  <a:srgbClr val="000000"/>
+                </a:solidFill>
+                <a:uFill>
+                  <a:solidFill>
+                    <a:srgbClr val="FFFFFF"/>
+                  </a:solidFill>
+                </a:uFill>
+                <a:latin typeface="华文新魏"/>
+                <a:ea typeface="华文新魏"/>
+              </a:rPr>
+              <a:t>    </a:t>
             </a:r>
             <a:endParaRPr lang="en-US" sz="1800" b="0" strike="noStrike" spc="-1">
               <a:solidFill>
@@ -20594,11 +21452,11 @@
               <a:buClr>
                 <a:srgbClr val="000000"/>
               </a:buClr>
-              <a:buFont typeface="StarSymbol"/>
-              <a:buAutoNum type="arabicPeriod"/>
-            </a:pPr>
-            <a:r>
-              <a:rPr lang="en-US" sz="2000" b="0" strike="noStrike" spc="-1">
+              <a:buFont typeface="Wingdings" panose="05000000000000000000" pitchFamily="2" charset="2"/>
+              <a:buChar char=""/>
+            </a:pPr>
+            <a:r>
+              <a:rPr lang="en-US" sz="1800" b="1" strike="noStrike" spc="-1">
                 <a:solidFill>
                   <a:srgbClr val="000000"/>
                 </a:solidFill>
@@ -20610,37 +21468,7 @@
                 <a:latin typeface="华文新魏"/>
                 <a:ea typeface="华文新魏"/>
               </a:rPr>
-              <a:t>解决</a:t>
-            </a:r>
-            <a:r>
-              <a:rPr lang="en-US" sz="2000" b="0" u="sng" strike="noStrike" spc="-1">
-                <a:solidFill>
-                  <a:srgbClr val="7030A0"/>
-                </a:solidFill>
-                <a:uFill>
-                  <a:solidFill>
-                    <a:srgbClr val="FFFFFF"/>
-                  </a:solidFill>
-                </a:uFill>
-                <a:latin typeface="华文新魏"/>
-                <a:ea typeface="华文新魏"/>
-              </a:rPr>
-              <a:t>有监督</a:t>
-            </a:r>
-            <a:r>
-              <a:rPr lang="en-US" sz="2000" b="0" strike="noStrike" spc="-1">
-                <a:solidFill>
-                  <a:srgbClr val="000000"/>
-                </a:solidFill>
-                <a:uFill>
-                  <a:solidFill>
-                    <a:srgbClr val="FFFFFF"/>
-                  </a:solidFill>
-                </a:uFill>
-                <a:latin typeface="华文新魏"/>
-                <a:ea typeface="华文新魏"/>
-              </a:rPr>
-              <a:t>情况下大规模文本数据标注问题。</a:t>
+              <a:t>基于PCNNs模型实现关系预测</a:t>
             </a:r>
             <a:endParaRPr lang="en-US" sz="1800" b="0" strike="noStrike" spc="-1">
               <a:solidFill>
@@ -20655,61 +21483,83 @@
             </a:endParaRPr>
           </a:p>
           <a:p>
-            <a:pPr marL="457200" indent="-455295">
+            <a:pPr>
               <a:lnSpc>
                 <a:spcPct val="100000"/>
               </a:lnSpc>
-              <a:buClr>
-                <a:srgbClr val="000000"/>
-              </a:buClr>
-              <a:buFont typeface="StarSymbol"/>
-              <a:buAutoNum type="arabicPeriod"/>
-            </a:pPr>
-            <a:r>
-              <a:rPr lang="en-US" sz="2000" b="0" strike="noStrike" spc="-1">
-                <a:solidFill>
-                  <a:srgbClr val="000000"/>
-                </a:solidFill>
-                <a:uFill>
-                  <a:solidFill>
-                    <a:srgbClr val="FFFFFF"/>
-                  </a:solidFill>
-                </a:uFill>
-                <a:latin typeface="华文新魏"/>
-                <a:ea typeface="华文新魏"/>
-              </a:rPr>
-              <a:t>将</a:t>
-            </a:r>
-            <a:r>
-              <a:rPr lang="en-US" sz="2000" b="0" u="sng" strike="noStrike" spc="-1">
-                <a:solidFill>
-                  <a:srgbClr val="7030A0"/>
-                </a:solidFill>
-                <a:uFill>
-                  <a:solidFill>
-                    <a:srgbClr val="FFFFFF"/>
-                  </a:solidFill>
-                </a:uFill>
-                <a:latin typeface="华文新魏"/>
-                <a:ea typeface="华文新魏"/>
-              </a:rPr>
-              <a:t>现有知识图谱</a:t>
-            </a:r>
-            <a:r>
-              <a:rPr lang="en-US" sz="2000" b="0" strike="noStrike" spc="-1">
-                <a:solidFill>
-                  <a:srgbClr val="000000"/>
-                </a:solidFill>
-                <a:uFill>
-                  <a:solidFill>
-                    <a:srgbClr val="FFFFFF"/>
-                  </a:solidFill>
-                </a:uFill>
-                <a:latin typeface="华文新魏"/>
-                <a:ea typeface="华文新魏"/>
-              </a:rPr>
-              <a:t>三元组R（E1，E2）对齐到训练文本实体中，从而产生更多的训练样本。</a:t>
-            </a:r>
+            </a:pPr>
+            <a:endParaRPr lang="en-US" sz="1800" b="0" strike="noStrike" spc="-1">
+              <a:solidFill>
+                <a:srgbClr val="000000"/>
+              </a:solidFill>
+              <a:uFill>
+                <a:solidFill>
+                  <a:srgbClr val="FFFFFF"/>
+                </a:solidFill>
+              </a:uFill>
+              <a:latin typeface="Arial" panose="020B0604020202020204"/>
+            </a:endParaRPr>
+          </a:p>
+          <a:p>
+            <a:pPr>
+              <a:lnSpc>
+                <a:spcPct val="100000"/>
+              </a:lnSpc>
+            </a:pPr>
+            <a:endParaRPr lang="en-US" sz="1800" b="0" strike="noStrike" spc="-1">
+              <a:solidFill>
+                <a:srgbClr val="000000"/>
+              </a:solidFill>
+              <a:uFill>
+                <a:solidFill>
+                  <a:srgbClr val="FFFFFF"/>
+                </a:solidFill>
+              </a:uFill>
+              <a:latin typeface="Arial" panose="020B0604020202020204"/>
+            </a:endParaRPr>
+          </a:p>
+          <a:p>
+            <a:pPr>
+              <a:lnSpc>
+                <a:spcPct val="100000"/>
+              </a:lnSpc>
+            </a:pPr>
+            <a:endParaRPr lang="en-US" sz="1800" b="0" strike="noStrike" spc="-1">
+              <a:solidFill>
+                <a:srgbClr val="000000"/>
+              </a:solidFill>
+              <a:uFill>
+                <a:solidFill>
+                  <a:srgbClr val="FFFFFF"/>
+                </a:solidFill>
+              </a:uFill>
+              <a:latin typeface="Arial" panose="020B0604020202020204"/>
+            </a:endParaRPr>
+          </a:p>
+          <a:p>
+            <a:pPr>
+              <a:lnSpc>
+                <a:spcPct val="100000"/>
+              </a:lnSpc>
+            </a:pPr>
+            <a:endParaRPr lang="en-US" sz="1800" b="0" strike="noStrike" spc="-1">
+              <a:solidFill>
+                <a:srgbClr val="000000"/>
+              </a:solidFill>
+              <a:uFill>
+                <a:solidFill>
+                  <a:srgbClr val="FFFFFF"/>
+                </a:solidFill>
+              </a:uFill>
+              <a:latin typeface="Arial" panose="020B0604020202020204"/>
+            </a:endParaRPr>
+          </a:p>
+          <a:p>
+            <a:pPr>
+              <a:lnSpc>
+                <a:spcPct val="100000"/>
+              </a:lnSpc>
+            </a:pPr>
             <a:endParaRPr lang="en-US" sz="1800" b="0" strike="noStrike" spc="-1">
               <a:solidFill>
                 <a:srgbClr val="000000"/>
@@ -20726,7 +21576,7 @@
       </p:sp>
       <p:pic>
         <p:nvPicPr>
-          <p:cNvPr id="178" name="图片 3"/>
+          <p:cNvPr id="173" name="Picture 2"/>
           <p:cNvPicPr/>
           <p:nvPr/>
         </p:nvPicPr>
@@ -20738,8 +21588,8 @@
         </p:blipFill>
         <p:spPr>
           <a:xfrm>
-            <a:off x="1459440" y="3069000"/>
-            <a:ext cx="6223680" cy="1951200"/>
+            <a:off x="1166760" y="2147760"/>
+            <a:ext cx="6808680" cy="3231000"/>
           </a:xfrm>
           <a:prstGeom prst="rect">
             <a:avLst/>
@@ -20747,15 +21597,43 @@
           <a:ln>
             <a:noFill/>
           </a:ln>
-          <a:effectLst>
-            <a:outerShdw dist="139498" dir="2700000">
-              <a:srgbClr val="333333">
-                <a:alpha val="65000"/>
-              </a:srgbClr>
-            </a:outerShdw>
-          </a:effectLst>
         </p:spPr>
       </p:pic>
+      <p:sp>
+        <p:nvSpPr>
+          <p:cNvPr id="174" name="CustomShape 4"/>
+          <p:cNvSpPr/>
+          <p:nvPr/>
+        </p:nvSpPr>
+        <p:spPr>
+          <a:xfrm>
+            <a:off x="5220000" y="5014080"/>
+            <a:ext cx="1510200" cy="365040"/>
+          </a:xfrm>
+          <a:prstGeom prst="rect">
+            <a:avLst/>
+          </a:prstGeom>
+          <a:noFill/>
+          <a:ln w="25560">
+            <a:solidFill>
+              <a:srgbClr val="7030A0"/>
+            </a:solidFill>
+            <a:round/>
+          </a:ln>
+        </p:spPr>
+        <p:style>
+          <a:lnRef idx="0">
+            <a:srgbClr val="FFFFFF"/>
+          </a:lnRef>
+          <a:fillRef idx="0">
+            <a:srgbClr val="FFFFFF"/>
+          </a:fillRef>
+          <a:effectRef idx="0">
+            <a:srgbClr val="FFFFFF"/>
+          </a:effectRef>
+          <a:fontRef idx="minor"/>
+        </p:style>
+      </p:sp>
     </p:spTree>
   </p:cSld>
   <p:clrMapOvr>
@@ -20783,14 +21661,114 @@
       </p:grpSpPr>
       <p:sp>
         <p:nvSpPr>
-          <p:cNvPr id="179" name="CustomShape 1"/>
+          <p:cNvPr id="175" name="CustomShape 1"/>
           <p:cNvSpPr/>
           <p:nvPr/>
         </p:nvSpPr>
         <p:spPr>
           <a:xfrm>
-            <a:off x="2051640" y="1917000"/>
-            <a:ext cx="2396520" cy="729000"/>
+            <a:off x="612720" y="6375600"/>
+            <a:ext cx="1979280" cy="363960"/>
+          </a:xfrm>
+          <a:prstGeom prst="rect">
+            <a:avLst/>
+          </a:prstGeom>
+          <a:noFill/>
+          <a:ln>
+            <a:noFill/>
+          </a:ln>
+        </p:spPr>
+        <p:style>
+          <a:lnRef idx="0">
+            <a:srgbClr val="FFFFFF"/>
+          </a:lnRef>
+          <a:fillRef idx="0">
+            <a:srgbClr val="FFFFFF"/>
+          </a:fillRef>
+          <a:effectRef idx="0">
+            <a:srgbClr val="FFFFFF"/>
+          </a:effectRef>
+          <a:fontRef idx="minor"/>
+        </p:style>
+      </p:sp>
+      <p:sp>
+        <p:nvSpPr>
+          <p:cNvPr id="176" name="CustomShape 2"/>
+          <p:cNvSpPr/>
+          <p:nvPr/>
+        </p:nvSpPr>
+        <p:spPr>
+          <a:xfrm>
+            <a:off x="457200" y="152280"/>
+            <a:ext cx="8227800" cy="988920"/>
+          </a:xfrm>
+          <a:prstGeom prst="rect">
+            <a:avLst/>
+          </a:prstGeom>
+          <a:noFill/>
+          <a:ln>
+            <a:noFill/>
+          </a:ln>
+        </p:spPr>
+        <p:style>
+          <a:lnRef idx="0">
+            <a:srgbClr val="FFFFFF"/>
+          </a:lnRef>
+          <a:fillRef idx="0">
+            <a:srgbClr val="FFFFFF"/>
+          </a:fillRef>
+          <a:effectRef idx="0">
+            <a:srgbClr val="FFFFFF"/>
+          </a:effectRef>
+          <a:fontRef idx="minor"/>
+        </p:style>
+        <p:txBody>
+          <a:bodyPr lIns="90000" tIns="45000" rIns="90000" bIns="45000" anchor="b"/>
+          <a:p>
+            <a:pPr>
+              <a:lnSpc>
+                <a:spcPct val="100000"/>
+              </a:lnSpc>
+            </a:pPr>
+            <a:r>
+              <a:rPr lang="en-US" sz="4000" b="0" strike="noStrike" spc="-1">
+                <a:solidFill>
+                  <a:srgbClr val="002060"/>
+                </a:solidFill>
+                <a:uFill>
+                  <a:solidFill>
+                    <a:srgbClr val="FFFFFF"/>
+                  </a:solidFill>
+                </a:uFill>
+                <a:latin typeface="黑体"/>
+                <a:ea typeface="黑体"/>
+              </a:rPr>
+              <a:t>关系提取</a:t>
+            </a:r>
+            <a:endParaRPr lang="en-US" sz="1800" b="0" strike="noStrike" spc="-1">
+              <a:solidFill>
+                <a:srgbClr val="000000"/>
+              </a:solidFill>
+              <a:uFill>
+                <a:solidFill>
+                  <a:srgbClr val="FFFFFF"/>
+                </a:solidFill>
+              </a:uFill>
+              <a:latin typeface="Arial" panose="020B0604020202020204"/>
+            </a:endParaRPr>
+          </a:p>
+        </p:txBody>
+      </p:sp>
+      <p:sp>
+        <p:nvSpPr>
+          <p:cNvPr id="177" name="CustomShape 3"/>
+          <p:cNvSpPr/>
+          <p:nvPr/>
+        </p:nvSpPr>
+        <p:spPr>
+          <a:xfrm>
+            <a:off x="323640" y="1268640"/>
+            <a:ext cx="7829280" cy="1430280"/>
           </a:xfrm>
           <a:prstGeom prst="rect">
             <a:avLst/>
@@ -20815,215 +21793,13 @@
         <p:txBody>
           <a:bodyPr lIns="90000" tIns="45000" rIns="90000" bIns="45000"/>
           <a:p>
-            <a:pPr algn="ctr">
-              <a:lnSpc>
-                <a:spcPct val="100000"/>
-              </a:lnSpc>
-            </a:pPr>
-            <a:r>
-              <a:rPr lang="en-US" sz="2400" b="1" strike="noStrike" spc="-1">
-                <a:solidFill>
-                  <a:srgbClr val="FFFFFF"/>
-                </a:solidFill>
-                <a:uFill>
-                  <a:solidFill>
-                    <a:srgbClr val="FFFFFF"/>
-                  </a:solidFill>
-                </a:uFill>
-                <a:latin typeface="微軟正黑體"/>
-                <a:ea typeface="微軟正黑體"/>
-              </a:rPr>
-              <a:t>移动互联网</a:t>
-            </a:r>
-            <a:endParaRPr lang="en-US" sz="1800" b="0" strike="noStrike" spc="-1">
-              <a:solidFill>
-                <a:srgbClr val="000000"/>
-              </a:solidFill>
-              <a:uFill>
-                <a:solidFill>
-                  <a:srgbClr val="FFFFFF"/>
-                </a:solidFill>
-              </a:uFill>
-              <a:latin typeface="Arial" panose="020B0604020202020204"/>
-            </a:endParaRPr>
-          </a:p>
-          <a:p>
-            <a:pPr algn="ctr">
-              <a:lnSpc>
-                <a:spcPct val="100000"/>
-              </a:lnSpc>
-            </a:pPr>
-            <a:r>
-              <a:rPr lang="en-US" sz="1800" b="1" strike="noStrike" spc="-1">
-                <a:solidFill>
-                  <a:srgbClr val="FFFFFF"/>
-                </a:solidFill>
-                <a:uFill>
-                  <a:solidFill>
-                    <a:srgbClr val="FFFFFF"/>
-                  </a:solidFill>
-                </a:uFill>
-                <a:latin typeface="微軟正黑體"/>
-                <a:ea typeface="微軟正黑體"/>
-              </a:rPr>
-              <a:t>Mobile Internet</a:t>
-            </a:r>
-            <a:endParaRPr lang="en-US" sz="1800" b="0" strike="noStrike" spc="-1">
-              <a:solidFill>
-                <a:srgbClr val="000000"/>
-              </a:solidFill>
-              <a:uFill>
-                <a:solidFill>
-                  <a:srgbClr val="FFFFFF"/>
-                </a:solidFill>
-              </a:uFill>
-              <a:latin typeface="Arial" panose="020B0604020202020204"/>
-            </a:endParaRPr>
-          </a:p>
-        </p:txBody>
-      </p:sp>
-      <p:sp>
-        <p:nvSpPr>
-          <p:cNvPr id="180" name="CustomShape 2"/>
-          <p:cNvSpPr/>
-          <p:nvPr/>
-        </p:nvSpPr>
-        <p:spPr>
-          <a:xfrm>
-            <a:off x="612720" y="6375600"/>
-            <a:ext cx="1979280" cy="363960"/>
-          </a:xfrm>
-          <a:prstGeom prst="rect">
-            <a:avLst/>
-          </a:prstGeom>
-          <a:noFill/>
-          <a:ln>
-            <a:noFill/>
-          </a:ln>
-        </p:spPr>
-        <p:style>
-          <a:lnRef idx="0">
-            <a:srgbClr val="FFFFFF"/>
-          </a:lnRef>
-          <a:fillRef idx="0">
-            <a:srgbClr val="FFFFFF"/>
-          </a:fillRef>
-          <a:effectRef idx="0">
-            <a:srgbClr val="FFFFFF"/>
-          </a:effectRef>
-          <a:fontRef idx="minor"/>
-        </p:style>
-      </p:sp>
-      <p:sp>
-        <p:nvSpPr>
-          <p:cNvPr id="181" name="CustomShape 3"/>
-          <p:cNvSpPr/>
-          <p:nvPr/>
-        </p:nvSpPr>
-        <p:spPr>
-          <a:xfrm>
-            <a:off x="457200" y="152280"/>
-            <a:ext cx="8227800" cy="988920"/>
-          </a:xfrm>
-          <a:prstGeom prst="rect">
-            <a:avLst/>
-          </a:prstGeom>
-          <a:noFill/>
-          <a:ln>
-            <a:noFill/>
-          </a:ln>
-        </p:spPr>
-        <p:style>
-          <a:lnRef idx="0">
-            <a:srgbClr val="FFFFFF"/>
-          </a:lnRef>
-          <a:fillRef idx="0">
-            <a:srgbClr val="FFFFFF"/>
-          </a:fillRef>
-          <a:effectRef idx="0">
-            <a:srgbClr val="FFFFFF"/>
-          </a:effectRef>
-          <a:fontRef idx="minor"/>
-        </p:style>
-        <p:txBody>
-          <a:bodyPr lIns="90000" tIns="45000" rIns="90000" bIns="45000" anchor="b"/>
-          <a:p>
-            <a:pPr>
-              <a:lnSpc>
-                <a:spcPct val="100000"/>
-              </a:lnSpc>
-            </a:pPr>
-            <a:r>
-              <a:rPr lang="en-US" sz="4000" b="0" strike="noStrike" spc="-1">
-                <a:solidFill>
-                  <a:srgbClr val="002060"/>
-                </a:solidFill>
-                <a:uFill>
-                  <a:solidFill>
-                    <a:srgbClr val="FFFFFF"/>
-                  </a:solidFill>
-                </a:uFill>
-                <a:latin typeface="黑体"/>
-                <a:ea typeface="黑体"/>
-              </a:rPr>
-              <a:t>四、总结</a:t>
-            </a:r>
-            <a:endParaRPr lang="en-US" sz="1800" b="0" strike="noStrike" spc="-1">
-              <a:solidFill>
-                <a:srgbClr val="000000"/>
-              </a:solidFill>
-              <a:uFill>
-                <a:solidFill>
-                  <a:srgbClr val="FFFFFF"/>
-                </a:solidFill>
-              </a:uFill>
-              <a:latin typeface="Arial" panose="020B0604020202020204"/>
-            </a:endParaRPr>
-          </a:p>
-        </p:txBody>
-      </p:sp>
-      <p:sp>
-        <p:nvSpPr>
-          <p:cNvPr id="182" name="CustomShape 4"/>
-          <p:cNvSpPr/>
-          <p:nvPr/>
-        </p:nvSpPr>
-        <p:spPr>
-          <a:xfrm>
-            <a:off x="457200" y="1272960"/>
-            <a:ext cx="8505360" cy="4962600"/>
-          </a:xfrm>
-          <a:prstGeom prst="rect">
-            <a:avLst/>
-          </a:prstGeom>
-          <a:noFill/>
-          <a:ln>
-            <a:noFill/>
-          </a:ln>
-        </p:spPr>
-        <p:style>
-          <a:lnRef idx="0">
-            <a:srgbClr val="FFFFFF"/>
-          </a:lnRef>
-          <a:fillRef idx="0">
-            <a:srgbClr val="FFFFFF"/>
-          </a:fillRef>
-          <a:effectRef idx="0">
-            <a:srgbClr val="FFFFFF"/>
-          </a:effectRef>
-          <a:fontRef idx="minor"/>
-        </p:style>
-        <p:txBody>
-          <a:bodyPr lIns="90000" tIns="45000" rIns="90000" bIns="45000"/>
-          <a:p>
             <a:pPr marL="457200" indent="-455295">
               <a:lnSpc>
                 <a:spcPct val="100000"/>
               </a:lnSpc>
               <a:buClr>
-                <a:srgbClr val="727CA3"/>
+                <a:srgbClr val="0070C0"/>
               </a:buClr>
-              <a:buSzPct val="76000"/>
               <a:buFont typeface="Wingdings" panose="05000000000000000000" pitchFamily="2" charset="2"/>
               <a:buChar char=""/>
             </a:pPr>
@@ -21040,7 +21816,7 @@
                 <a:latin typeface="华文新魏"/>
                 <a:ea typeface="华文新魏"/>
               </a:rPr>
-              <a:t>实体识别与关系提取</a:t>
+              <a:t>远程监督</a:t>
             </a:r>
             <a:endParaRPr lang="en-US" sz="1800" b="0" strike="noStrike" spc="-1">
               <a:solidFill>
@@ -21055,19 +21831,18 @@
             </a:endParaRPr>
           </a:p>
           <a:p>
-            <a:pPr marL="274320" indent="-272415">
+            <a:pPr marL="457200" indent="-455295">
               <a:lnSpc>
                 <a:spcPct val="100000"/>
               </a:lnSpc>
               <a:buClr>
-                <a:srgbClr val="727CA3"/>
+                <a:srgbClr val="000000"/>
               </a:buClr>
-              <a:buSzPct val="76000"/>
-              <a:buFont typeface="Wingdings 3" charset="2"/>
-              <a:buChar char=""/>
-            </a:pPr>
-            <a:r>
-              <a:rPr lang="en-US" sz="2400" b="0" strike="noStrike" spc="-1">
+              <a:buFont typeface="StarSymbol"/>
+              <a:buAutoNum type="arabicPeriod"/>
+            </a:pPr>
+            <a:r>
+              <a:rPr lang="en-US" sz="2000" b="0" strike="noStrike" spc="-1">
                 <a:solidFill>
                   <a:srgbClr val="000000"/>
                 </a:solidFill>
@@ -21079,7 +21854,37 @@
                 <a:latin typeface="华文新魏"/>
                 <a:ea typeface="华文新魏"/>
               </a:rPr>
-              <a:t>实体识别与关系提取是构建知识图谱的重要步骤，实体识别是关系提取的前提。</a:t>
+              <a:t>解决</a:t>
+            </a:r>
+            <a:r>
+              <a:rPr lang="en-US" sz="2000" b="0" u="sng" strike="noStrike" spc="-1">
+                <a:solidFill>
+                  <a:srgbClr val="7030A0"/>
+                </a:solidFill>
+                <a:uFill>
+                  <a:solidFill>
+                    <a:srgbClr val="FFFFFF"/>
+                  </a:solidFill>
+                </a:uFill>
+                <a:latin typeface="华文新魏"/>
+                <a:ea typeface="华文新魏"/>
+              </a:rPr>
+              <a:t>有监督</a:t>
+            </a:r>
+            <a:r>
+              <a:rPr lang="en-US" sz="2000" b="0" strike="noStrike" spc="-1">
+                <a:solidFill>
+                  <a:srgbClr val="000000"/>
+                </a:solidFill>
+                <a:uFill>
+                  <a:solidFill>
+                    <a:srgbClr val="FFFFFF"/>
+                  </a:solidFill>
+                </a:uFill>
+                <a:latin typeface="华文新魏"/>
+                <a:ea typeface="华文新魏"/>
+              </a:rPr>
+              <a:t>情况下大规模文本数据标注问题。</a:t>
             </a:r>
             <a:endParaRPr lang="en-US" sz="1800" b="0" strike="noStrike" spc="-1">
               <a:solidFill>
@@ -21094,19 +21899,18 @@
             </a:endParaRPr>
           </a:p>
           <a:p>
-            <a:pPr marL="274320" indent="-272415">
+            <a:pPr marL="457200" indent="-455295">
               <a:lnSpc>
                 <a:spcPct val="100000"/>
               </a:lnSpc>
               <a:buClr>
-                <a:srgbClr val="727CA3"/>
+                <a:srgbClr val="000000"/>
               </a:buClr>
-              <a:buSzPct val="76000"/>
-              <a:buFont typeface="Wingdings 3" charset="2"/>
-              <a:buChar char=""/>
-            </a:pPr>
-            <a:r>
-              <a:rPr lang="en-US" sz="2400" b="0" strike="noStrike" spc="-1">
+              <a:buFont typeface="StarSymbol"/>
+              <a:buAutoNum type="arabicPeriod"/>
+            </a:pPr>
+            <a:r>
+              <a:rPr lang="en-US" sz="2000" b="0" strike="noStrike" spc="-1">
                 <a:solidFill>
                   <a:srgbClr val="000000"/>
                 </a:solidFill>
@@ -21118,36 +21922,12 @@
                 <a:latin typeface="华文新魏"/>
                 <a:ea typeface="华文新魏"/>
               </a:rPr>
-              <a:t>无结构化数据量大，如何转化为结构或半结构化数据，是有效利用其数据、拓宽知识图谱使用领域的关键。</a:t>
-            </a:r>
-            <a:endParaRPr lang="en-US" sz="1800" b="0" strike="noStrike" spc="-1">
-              <a:solidFill>
-                <a:srgbClr val="000000"/>
-              </a:solidFill>
-              <a:uFill>
-                <a:solidFill>
-                  <a:srgbClr val="FFFFFF"/>
-                </a:solidFill>
-              </a:uFill>
-              <a:latin typeface="Arial" panose="020B0604020202020204"/>
-            </a:endParaRPr>
-          </a:p>
-          <a:p>
-            <a:pPr marL="274320" indent="-272415">
-              <a:lnSpc>
-                <a:spcPct val="100000"/>
-              </a:lnSpc>
-              <a:buClr>
-                <a:srgbClr val="727CA3"/>
-              </a:buClr>
-              <a:buSzPct val="76000"/>
-              <a:buFont typeface="Wingdings 3" charset="2"/>
-              <a:buChar char=""/>
-            </a:pPr>
-            <a:r>
-              <a:rPr lang="en-US" sz="2400" b="0" strike="noStrike" spc="-1">
-                <a:solidFill>
-                  <a:srgbClr val="000000"/>
+              <a:t>将</a:t>
+            </a:r>
+            <a:r>
+              <a:rPr lang="en-US" sz="2000" b="0" u="sng" strike="noStrike" spc="-1">
+                <a:solidFill>
+                  <a:srgbClr val="7030A0"/>
                 </a:solidFill>
                 <a:uFill>
                   <a:solidFill>
@@ -21157,7 +21937,22 @@
                 <a:latin typeface="华文新魏"/>
                 <a:ea typeface="华文新魏"/>
               </a:rPr>
-              <a:t>如何自动化进行实体识别、关系提取是增强可持续扩增能力的突破点。</a:t>
+              <a:t>现有知识图谱</a:t>
+            </a:r>
+            <a:r>
+              <a:rPr lang="en-US" sz="2000" b="0" strike="noStrike" spc="-1">
+                <a:solidFill>
+                  <a:srgbClr val="000000"/>
+                </a:solidFill>
+                <a:uFill>
+                  <a:solidFill>
+                    <a:srgbClr val="FFFFFF"/>
+                  </a:solidFill>
+                </a:uFill>
+                <a:latin typeface="华文新魏"/>
+                <a:ea typeface="华文新魏"/>
+              </a:rPr>
+              <a:t>三元组R（E1，E2）对齐到训练文本实体中，从而产生更多的训练样本。</a:t>
             </a:r>
             <a:endParaRPr lang="en-US" sz="1800" b="0" strike="noStrike" spc="-1">
               <a:solidFill>
@@ -21173,38 +21968,38 @@
           </a:p>
         </p:txBody>
       </p:sp>
-      <p:sp>
-        <p:nvSpPr>
-          <p:cNvPr id="183" name="CustomShape 5"/>
-          <p:cNvSpPr/>
+      <p:pic>
+        <p:nvPicPr>
+          <p:cNvPr id="178" name="图片 3"/>
+          <p:cNvPicPr/>
           <p:nvPr/>
-        </p:nvSpPr>
-        <p:spPr>
-          <a:xfrm>
-            <a:off x="4419720" y="3276720"/>
-            <a:ext cx="303120" cy="303120"/>
+        </p:nvPicPr>
+        <p:blipFill>
+          <a:blip r:embed="rId1"/>
+          <a:stretch>
+            <a:fillRect/>
+          </a:stretch>
+        </p:blipFill>
+        <p:spPr>
+          <a:xfrm>
+            <a:off x="1459440" y="3069000"/>
+            <a:ext cx="6223680" cy="1951200"/>
           </a:xfrm>
           <a:prstGeom prst="rect">
             <a:avLst/>
           </a:prstGeom>
-          <a:noFill/>
           <a:ln>
             <a:noFill/>
           </a:ln>
-        </p:spPr>
-        <p:style>
-          <a:lnRef idx="0">
-            <a:srgbClr val="FFFFFF"/>
-          </a:lnRef>
-          <a:fillRef idx="0">
-            <a:srgbClr val="FFFFFF"/>
-          </a:fillRef>
-          <a:effectRef idx="0">
-            <a:srgbClr val="FFFFFF"/>
-          </a:effectRef>
-          <a:fontRef idx="minor"/>
-        </p:style>
-      </p:sp>
+          <a:effectLst>
+            <a:outerShdw dist="139498" dir="2700000">
+              <a:srgbClr val="333333">
+                <a:alpha val="65000"/>
+              </a:srgbClr>
+            </a:outerShdw>
+          </a:effectLst>
+        </p:spPr>
+      </p:pic>
     </p:spTree>
   </p:cSld>
   <p:clrMapOvr>
@@ -21232,6 +22027,455 @@
       </p:grpSpPr>
       <p:sp>
         <p:nvSpPr>
+          <p:cNvPr id="179" name="CustomShape 1"/>
+          <p:cNvSpPr/>
+          <p:nvPr/>
+        </p:nvSpPr>
+        <p:spPr>
+          <a:xfrm>
+            <a:off x="2051640" y="1917000"/>
+            <a:ext cx="2396520" cy="729000"/>
+          </a:xfrm>
+          <a:prstGeom prst="rect">
+            <a:avLst/>
+          </a:prstGeom>
+          <a:noFill/>
+          <a:ln>
+            <a:noFill/>
+          </a:ln>
+        </p:spPr>
+        <p:style>
+          <a:lnRef idx="0">
+            <a:srgbClr val="FFFFFF"/>
+          </a:lnRef>
+          <a:fillRef idx="0">
+            <a:srgbClr val="FFFFFF"/>
+          </a:fillRef>
+          <a:effectRef idx="0">
+            <a:srgbClr val="FFFFFF"/>
+          </a:effectRef>
+          <a:fontRef idx="minor"/>
+        </p:style>
+        <p:txBody>
+          <a:bodyPr lIns="90000" tIns="45000" rIns="90000" bIns="45000"/>
+          <a:p>
+            <a:pPr algn="ctr">
+              <a:lnSpc>
+                <a:spcPct val="100000"/>
+              </a:lnSpc>
+            </a:pPr>
+            <a:r>
+              <a:rPr lang="en-US" sz="2400" b="1" strike="noStrike" spc="-1">
+                <a:solidFill>
+                  <a:srgbClr val="FFFFFF"/>
+                </a:solidFill>
+                <a:uFill>
+                  <a:solidFill>
+                    <a:srgbClr val="FFFFFF"/>
+                  </a:solidFill>
+                </a:uFill>
+                <a:latin typeface="微軟正黑體"/>
+                <a:ea typeface="微軟正黑體"/>
+              </a:rPr>
+              <a:t>移动互联网</a:t>
+            </a:r>
+            <a:endParaRPr lang="en-US" sz="1800" b="0" strike="noStrike" spc="-1">
+              <a:solidFill>
+                <a:srgbClr val="000000"/>
+              </a:solidFill>
+              <a:uFill>
+                <a:solidFill>
+                  <a:srgbClr val="FFFFFF"/>
+                </a:solidFill>
+              </a:uFill>
+              <a:latin typeface="Arial" panose="020B0604020202020204"/>
+            </a:endParaRPr>
+          </a:p>
+          <a:p>
+            <a:pPr algn="ctr">
+              <a:lnSpc>
+                <a:spcPct val="100000"/>
+              </a:lnSpc>
+            </a:pPr>
+            <a:r>
+              <a:rPr lang="en-US" sz="1800" b="1" strike="noStrike" spc="-1">
+                <a:solidFill>
+                  <a:srgbClr val="FFFFFF"/>
+                </a:solidFill>
+                <a:uFill>
+                  <a:solidFill>
+                    <a:srgbClr val="FFFFFF"/>
+                  </a:solidFill>
+                </a:uFill>
+                <a:latin typeface="微軟正黑體"/>
+                <a:ea typeface="微軟正黑體"/>
+              </a:rPr>
+              <a:t>Mobile Internet</a:t>
+            </a:r>
+            <a:endParaRPr lang="en-US" sz="1800" b="0" strike="noStrike" spc="-1">
+              <a:solidFill>
+                <a:srgbClr val="000000"/>
+              </a:solidFill>
+              <a:uFill>
+                <a:solidFill>
+                  <a:srgbClr val="FFFFFF"/>
+                </a:solidFill>
+              </a:uFill>
+              <a:latin typeface="Arial" panose="020B0604020202020204"/>
+            </a:endParaRPr>
+          </a:p>
+        </p:txBody>
+      </p:sp>
+      <p:sp>
+        <p:nvSpPr>
+          <p:cNvPr id="180" name="CustomShape 2"/>
+          <p:cNvSpPr/>
+          <p:nvPr/>
+        </p:nvSpPr>
+        <p:spPr>
+          <a:xfrm>
+            <a:off x="612720" y="6375600"/>
+            <a:ext cx="1979280" cy="363960"/>
+          </a:xfrm>
+          <a:prstGeom prst="rect">
+            <a:avLst/>
+          </a:prstGeom>
+          <a:noFill/>
+          <a:ln>
+            <a:noFill/>
+          </a:ln>
+        </p:spPr>
+        <p:style>
+          <a:lnRef idx="0">
+            <a:srgbClr val="FFFFFF"/>
+          </a:lnRef>
+          <a:fillRef idx="0">
+            <a:srgbClr val="FFFFFF"/>
+          </a:fillRef>
+          <a:effectRef idx="0">
+            <a:srgbClr val="FFFFFF"/>
+          </a:effectRef>
+          <a:fontRef idx="minor"/>
+        </p:style>
+      </p:sp>
+      <p:sp>
+        <p:nvSpPr>
+          <p:cNvPr id="181" name="CustomShape 3"/>
+          <p:cNvSpPr/>
+          <p:nvPr/>
+        </p:nvSpPr>
+        <p:spPr>
+          <a:xfrm>
+            <a:off x="457200" y="152280"/>
+            <a:ext cx="8227800" cy="988920"/>
+          </a:xfrm>
+          <a:prstGeom prst="rect">
+            <a:avLst/>
+          </a:prstGeom>
+          <a:noFill/>
+          <a:ln>
+            <a:noFill/>
+          </a:ln>
+        </p:spPr>
+        <p:style>
+          <a:lnRef idx="0">
+            <a:srgbClr val="FFFFFF"/>
+          </a:lnRef>
+          <a:fillRef idx="0">
+            <a:srgbClr val="FFFFFF"/>
+          </a:fillRef>
+          <a:effectRef idx="0">
+            <a:srgbClr val="FFFFFF"/>
+          </a:effectRef>
+          <a:fontRef idx="minor"/>
+        </p:style>
+        <p:txBody>
+          <a:bodyPr lIns="90000" tIns="45000" rIns="90000" bIns="45000" anchor="b"/>
+          <a:p>
+            <a:pPr>
+              <a:lnSpc>
+                <a:spcPct val="100000"/>
+              </a:lnSpc>
+            </a:pPr>
+            <a:r>
+              <a:rPr lang="en-US" sz="4000" b="0" strike="noStrike" spc="-1">
+                <a:solidFill>
+                  <a:srgbClr val="002060"/>
+                </a:solidFill>
+                <a:uFill>
+                  <a:solidFill>
+                    <a:srgbClr val="FFFFFF"/>
+                  </a:solidFill>
+                </a:uFill>
+                <a:latin typeface="黑体"/>
+                <a:ea typeface="黑体"/>
+              </a:rPr>
+              <a:t>四、总结</a:t>
+            </a:r>
+            <a:endParaRPr lang="en-US" sz="1800" b="0" strike="noStrike" spc="-1">
+              <a:solidFill>
+                <a:srgbClr val="000000"/>
+              </a:solidFill>
+              <a:uFill>
+                <a:solidFill>
+                  <a:srgbClr val="FFFFFF"/>
+                </a:solidFill>
+              </a:uFill>
+              <a:latin typeface="Arial" panose="020B0604020202020204"/>
+            </a:endParaRPr>
+          </a:p>
+        </p:txBody>
+      </p:sp>
+      <p:sp>
+        <p:nvSpPr>
+          <p:cNvPr id="182" name="CustomShape 4"/>
+          <p:cNvSpPr/>
+          <p:nvPr/>
+        </p:nvSpPr>
+        <p:spPr>
+          <a:xfrm>
+            <a:off x="457200" y="1272960"/>
+            <a:ext cx="8505360" cy="4962600"/>
+          </a:xfrm>
+          <a:prstGeom prst="rect">
+            <a:avLst/>
+          </a:prstGeom>
+          <a:noFill/>
+          <a:ln>
+            <a:noFill/>
+          </a:ln>
+        </p:spPr>
+        <p:style>
+          <a:lnRef idx="0">
+            <a:srgbClr val="FFFFFF"/>
+          </a:lnRef>
+          <a:fillRef idx="0">
+            <a:srgbClr val="FFFFFF"/>
+          </a:fillRef>
+          <a:effectRef idx="0">
+            <a:srgbClr val="FFFFFF"/>
+          </a:effectRef>
+          <a:fontRef idx="minor"/>
+        </p:style>
+        <p:txBody>
+          <a:bodyPr lIns="90000" tIns="45000" rIns="90000" bIns="45000"/>
+          <a:p>
+            <a:pPr marL="457200" indent="-455295">
+              <a:lnSpc>
+                <a:spcPct val="100000"/>
+              </a:lnSpc>
+              <a:buClr>
+                <a:srgbClr val="727CA3"/>
+              </a:buClr>
+              <a:buSzPct val="76000"/>
+              <a:buFont typeface="Wingdings" panose="05000000000000000000" pitchFamily="2" charset="2"/>
+              <a:buChar char=""/>
+            </a:pPr>
+            <a:r>
+              <a:rPr lang="en-US" sz="2800" b="1" strike="noStrike" spc="-1">
+                <a:solidFill>
+                  <a:srgbClr val="0070C0"/>
+                </a:solidFill>
+                <a:uFill>
+                  <a:solidFill>
+                    <a:srgbClr val="FFFFFF"/>
+                  </a:solidFill>
+                </a:uFill>
+                <a:latin typeface="华文新魏"/>
+                <a:ea typeface="华文新魏"/>
+              </a:rPr>
+              <a:t>实体识别与关系提取</a:t>
+            </a:r>
+            <a:endParaRPr lang="en-US" sz="1800" b="0" strike="noStrike" spc="-1">
+              <a:solidFill>
+                <a:srgbClr val="000000"/>
+              </a:solidFill>
+              <a:uFill>
+                <a:solidFill>
+                  <a:srgbClr val="FFFFFF"/>
+                </a:solidFill>
+              </a:uFill>
+              <a:latin typeface="Arial" panose="020B0604020202020204"/>
+            </a:endParaRPr>
+          </a:p>
+          <a:p>
+            <a:pPr marL="274320" indent="-272415">
+              <a:lnSpc>
+                <a:spcPct val="100000"/>
+              </a:lnSpc>
+              <a:buClr>
+                <a:srgbClr val="727CA3"/>
+              </a:buClr>
+              <a:buSzPct val="76000"/>
+              <a:buFont typeface="Wingdings 3" charset="2"/>
+              <a:buChar char=""/>
+            </a:pPr>
+            <a:r>
+              <a:rPr lang="en-US" sz="2400" b="0" strike="noStrike" spc="-1">
+                <a:solidFill>
+                  <a:srgbClr val="000000"/>
+                </a:solidFill>
+                <a:uFill>
+                  <a:solidFill>
+                    <a:srgbClr val="FFFFFF"/>
+                  </a:solidFill>
+                </a:uFill>
+                <a:latin typeface="华文新魏"/>
+                <a:ea typeface="华文新魏"/>
+              </a:rPr>
+              <a:t>实体识别与关系提取是构建知识图谱的重要步骤，实体识别是关系提取的前提。</a:t>
+            </a:r>
+            <a:endParaRPr lang="en-US" sz="1800" b="0" strike="noStrike" spc="-1">
+              <a:solidFill>
+                <a:srgbClr val="000000"/>
+              </a:solidFill>
+              <a:uFill>
+                <a:solidFill>
+                  <a:srgbClr val="FFFFFF"/>
+                </a:solidFill>
+              </a:uFill>
+              <a:latin typeface="Arial" panose="020B0604020202020204"/>
+            </a:endParaRPr>
+          </a:p>
+          <a:p>
+            <a:pPr marL="274320" indent="-272415">
+              <a:lnSpc>
+                <a:spcPct val="100000"/>
+              </a:lnSpc>
+              <a:buClr>
+                <a:srgbClr val="727CA3"/>
+              </a:buClr>
+              <a:buSzPct val="76000"/>
+              <a:buFont typeface="Wingdings 3" charset="2"/>
+              <a:buChar char=""/>
+            </a:pPr>
+            <a:r>
+              <a:rPr lang="en-US" sz="2400" b="0" strike="noStrike" spc="-1">
+                <a:solidFill>
+                  <a:srgbClr val="000000"/>
+                </a:solidFill>
+                <a:uFill>
+                  <a:solidFill>
+                    <a:srgbClr val="FFFFFF"/>
+                  </a:solidFill>
+                </a:uFill>
+                <a:latin typeface="华文新魏"/>
+                <a:ea typeface="华文新魏"/>
+              </a:rPr>
+              <a:t>无结构化数据量大，如何转化为结构或半结构化数据，是有效利用其数据、拓宽知识图谱使用领域的关键。</a:t>
+            </a:r>
+            <a:endParaRPr lang="en-US" sz="1800" b="0" strike="noStrike" spc="-1">
+              <a:solidFill>
+                <a:srgbClr val="000000"/>
+              </a:solidFill>
+              <a:uFill>
+                <a:solidFill>
+                  <a:srgbClr val="FFFFFF"/>
+                </a:solidFill>
+              </a:uFill>
+              <a:latin typeface="Arial" panose="020B0604020202020204"/>
+            </a:endParaRPr>
+          </a:p>
+          <a:p>
+            <a:pPr marL="274320" indent="-272415">
+              <a:lnSpc>
+                <a:spcPct val="100000"/>
+              </a:lnSpc>
+              <a:buClr>
+                <a:srgbClr val="727CA3"/>
+              </a:buClr>
+              <a:buSzPct val="76000"/>
+              <a:buFont typeface="Wingdings 3" charset="2"/>
+              <a:buChar char=""/>
+            </a:pPr>
+            <a:r>
+              <a:rPr lang="en-US" sz="2400" b="0" strike="noStrike" spc="-1">
+                <a:solidFill>
+                  <a:srgbClr val="000000"/>
+                </a:solidFill>
+                <a:uFill>
+                  <a:solidFill>
+                    <a:srgbClr val="FFFFFF"/>
+                  </a:solidFill>
+                </a:uFill>
+                <a:latin typeface="华文新魏"/>
+                <a:ea typeface="华文新魏"/>
+              </a:rPr>
+              <a:t>如何自动化进行实体识别、关系提取是增强可持续扩增能力的突破点。</a:t>
+            </a:r>
+            <a:endParaRPr lang="en-US" sz="1800" b="0" strike="noStrike" spc="-1">
+              <a:solidFill>
+                <a:srgbClr val="000000"/>
+              </a:solidFill>
+              <a:uFill>
+                <a:solidFill>
+                  <a:srgbClr val="FFFFFF"/>
+                </a:solidFill>
+              </a:uFill>
+              <a:latin typeface="Arial" panose="020B0604020202020204"/>
+            </a:endParaRPr>
+          </a:p>
+        </p:txBody>
+      </p:sp>
+      <p:sp>
+        <p:nvSpPr>
+          <p:cNvPr id="183" name="CustomShape 5"/>
+          <p:cNvSpPr/>
+          <p:nvPr/>
+        </p:nvSpPr>
+        <p:spPr>
+          <a:xfrm>
+            <a:off x="4419720" y="3276720"/>
+            <a:ext cx="303120" cy="303120"/>
+          </a:xfrm>
+          <a:prstGeom prst="rect">
+            <a:avLst/>
+          </a:prstGeom>
+          <a:noFill/>
+          <a:ln>
+            <a:noFill/>
+          </a:ln>
+        </p:spPr>
+        <p:style>
+          <a:lnRef idx="0">
+            <a:srgbClr val="FFFFFF"/>
+          </a:lnRef>
+          <a:fillRef idx="0">
+            <a:srgbClr val="FFFFFF"/>
+          </a:fillRef>
+          <a:effectRef idx="0">
+            <a:srgbClr val="FFFFFF"/>
+          </a:effectRef>
+          <a:fontRef idx="minor"/>
+        </p:style>
+      </p:sp>
+    </p:spTree>
+  </p:cSld>
+  <p:clrMapOvr>
+    <a:masterClrMapping/>
+  </p:clrMapOvr>
+</p:sld>
+</file>
+
+<file path=ppt/slides/slide26.xml><?xml version="1.0" encoding="utf-8"?>
+<p:sld xmlns:a="http://schemas.openxmlformats.org/drawingml/2006/main" xmlns:r="http://schemas.openxmlformats.org/officeDocument/2006/relationships" xmlns:p="http://schemas.openxmlformats.org/presentationml/2006/main">
+  <p:cSld>
+    <p:spTree>
+      <p:nvGrpSpPr>
+        <p:cNvPr id="1" name=""/>
+        <p:cNvGrpSpPr/>
+        <p:nvPr/>
+      </p:nvGrpSpPr>
+      <p:grpSpPr>
+        <a:xfrm>
+          <a:off x="0" y="0"/>
+          <a:ext cx="0" cy="0"/>
+          <a:chOff x="0" y="0"/>
+          <a:chExt cx="0" cy="0"/>
+        </a:xfrm>
+      </p:grpSpPr>
+      <p:sp>
+        <p:nvSpPr>
           <p:cNvPr id="184" name="CustomShape 1"/>
           <p:cNvSpPr/>
           <p:nvPr/>
@@ -21666,7 +22910,7 @@
 </p:sld>
 </file>
 
-<file path=ppt/slides/slide26.xml><?xml version="1.0" encoding="utf-8"?>
+<file path=ppt/slides/slide27.xml><?xml version="1.0" encoding="utf-8"?>
 <p:sld xmlns:a="http://schemas.openxmlformats.org/drawingml/2006/main" xmlns:r="http://schemas.openxmlformats.org/officeDocument/2006/relationships" xmlns:p="http://schemas.openxmlformats.org/presentationml/2006/main">
   <p:cSld>
     <p:spTree>
@@ -29161,6 +30405,31 @@
     </a:fmtScheme>
   </a:themeElements>
   <a:objectDefaults>
+    <a:spDef>
+      <a:spPr>
+        <a:noFill/>
+      </a:spPr>
+      <a:bodyPr rtlCol="0" anchor="ctr"/>
+      <a:lstStyle>
+        <a:defPPr algn="ctr">
+          <a:defRPr lang="zh-CN" altLang="en-US"/>
+        </a:defPPr>
+      </a:lstStyle>
+      <a:style>
+        <a:lnRef idx="2">
+          <a:schemeClr val="accent6"/>
+        </a:lnRef>
+        <a:fillRef idx="1">
+          <a:schemeClr val="lt1"/>
+        </a:fillRef>
+        <a:effectRef idx="0">
+          <a:schemeClr val="accent6"/>
+        </a:effectRef>
+        <a:fontRef idx="minor">
+          <a:schemeClr val="dk1"/>
+        </a:fontRef>
+      </a:style>
+    </a:spDef>
     <a:txDef>
       <a:spPr>
         <a:noFill/>
